--- a/Session2/slides.pptx
+++ b/Session2/slides.pptx
@@ -5,7 +5,7 @@
     <p:sldMasterId id="2147483648" r:id="rId1"/>
   </p:sldMasterIdLst>
   <p:notesMasterIdLst>
-    <p:notesMasterId r:id="rId7"/>
+    <p:notesMasterId r:id="rId12"/>
   </p:notesMasterIdLst>
   <p:sldIdLst>
     <p:sldId id="256" r:id="rId2"/>
@@ -13,6 +13,11 @@
     <p:sldId id="275" r:id="rId4"/>
     <p:sldId id="276" r:id="rId5"/>
     <p:sldId id="277" r:id="rId6"/>
+    <p:sldId id="278" r:id="rId7"/>
+    <p:sldId id="279" r:id="rId8"/>
+    <p:sldId id="280" r:id="rId9"/>
+    <p:sldId id="281" r:id="rId10"/>
+    <p:sldId id="282" r:id="rId11"/>
   </p:sldIdLst>
   <p:sldSz cx="12192000" cy="6858000"/>
   <p:notesSz cx="6858000" cy="9144000"/>
@@ -113,7 +118,7 @@
   </p:defaultTextStyle>
   <p:extLst>
     <p:ext uri="{EFAFB233-063F-42B5-8137-9DF3F51BA10A}">
-      <p15:sldGuideLst xmlns:p15="http://schemas.microsoft.com/office/powerpoint/2012/main">
+      <p15:sldGuideLst xmlns:p15="http://schemas.microsoft.com/office/powerpoint/2012/main" xmlns="">
         <p15:guide id="1" orient="horz" pos="2160">
           <p15:clr>
             <a:srgbClr val="A4A3A4"/>
@@ -588,7 +593,7 @@
           <p:cNvPr id="2" name="Title 1">
             <a:extLst>
               <a:ext uri="{FF2B5EF4-FFF2-40B4-BE49-F238E27FC236}">
-                <a16:creationId xmlns:a16="http://schemas.microsoft.com/office/drawing/2014/main" id="{2F723727-FD0F-E345-BA5D-16C7AE0ABA05}"/>
+                <a16:creationId xmlns:a16="http://schemas.microsoft.com/office/drawing/2014/main" xmlns="" id="{2F723727-FD0F-E345-BA5D-16C7AE0ABA05}"/>
               </a:ext>
             </a:extLst>
           </p:cNvPr>
@@ -625,7 +630,7 @@
           <p:cNvPr id="3" name="Subtitle 2">
             <a:extLst>
               <a:ext uri="{FF2B5EF4-FFF2-40B4-BE49-F238E27FC236}">
-                <a16:creationId xmlns:a16="http://schemas.microsoft.com/office/drawing/2014/main" id="{169B7B10-3405-5E41-ADA1-4F73455608F0}"/>
+                <a16:creationId xmlns:a16="http://schemas.microsoft.com/office/drawing/2014/main" xmlns="" id="{169B7B10-3405-5E41-ADA1-4F73455608F0}"/>
               </a:ext>
             </a:extLst>
           </p:cNvPr>
@@ -695,7 +700,7 @@
           <p:cNvPr id="4" name="Date Placeholder 3">
             <a:extLst>
               <a:ext uri="{FF2B5EF4-FFF2-40B4-BE49-F238E27FC236}">
-                <a16:creationId xmlns:a16="http://schemas.microsoft.com/office/drawing/2014/main" id="{D6B693D9-AEF2-A545-BDCA-29EC3C29EC2F}"/>
+                <a16:creationId xmlns:a16="http://schemas.microsoft.com/office/drawing/2014/main" xmlns="" id="{D6B693D9-AEF2-A545-BDCA-29EC3C29EC2F}"/>
               </a:ext>
             </a:extLst>
           </p:cNvPr>
@@ -724,7 +729,7 @@
           <p:cNvPr id="5" name="Footer Placeholder 4">
             <a:extLst>
               <a:ext uri="{FF2B5EF4-FFF2-40B4-BE49-F238E27FC236}">
-                <a16:creationId xmlns:a16="http://schemas.microsoft.com/office/drawing/2014/main" id="{039DD7B1-B1A6-4F46-9DFF-81FF8C6ECDC7}"/>
+                <a16:creationId xmlns:a16="http://schemas.microsoft.com/office/drawing/2014/main" xmlns="" id="{039DD7B1-B1A6-4F46-9DFF-81FF8C6ECDC7}"/>
               </a:ext>
             </a:extLst>
           </p:cNvPr>
@@ -749,7 +754,7 @@
           <p:cNvPr id="6" name="Slide Number Placeholder 5">
             <a:extLst>
               <a:ext uri="{FF2B5EF4-FFF2-40B4-BE49-F238E27FC236}">
-                <a16:creationId xmlns:a16="http://schemas.microsoft.com/office/drawing/2014/main" id="{1D1E06AB-9084-4049-94AD-BFBB60C343C8}"/>
+                <a16:creationId xmlns:a16="http://schemas.microsoft.com/office/drawing/2014/main" xmlns="" id="{1D1E06AB-9084-4049-94AD-BFBB60C343C8}"/>
               </a:ext>
             </a:extLst>
           </p:cNvPr>
@@ -808,7 +813,7 @@
           <p:cNvPr id="2" name="Title 1">
             <a:extLst>
               <a:ext uri="{FF2B5EF4-FFF2-40B4-BE49-F238E27FC236}">
-                <a16:creationId xmlns:a16="http://schemas.microsoft.com/office/drawing/2014/main" id="{6E65191E-4526-334B-9995-0AEECC164517}"/>
+                <a16:creationId xmlns:a16="http://schemas.microsoft.com/office/drawing/2014/main" xmlns="" id="{6E65191E-4526-334B-9995-0AEECC164517}"/>
               </a:ext>
             </a:extLst>
           </p:cNvPr>
@@ -836,7 +841,7 @@
           <p:cNvPr id="3" name="Vertical Text Placeholder 2">
             <a:extLst>
               <a:ext uri="{FF2B5EF4-FFF2-40B4-BE49-F238E27FC236}">
-                <a16:creationId xmlns:a16="http://schemas.microsoft.com/office/drawing/2014/main" id="{30A9975F-3FD6-4A4E-8A66-55B20918BD69}"/>
+                <a16:creationId xmlns:a16="http://schemas.microsoft.com/office/drawing/2014/main" xmlns="" id="{30A9975F-3FD6-4A4E-8A66-55B20918BD69}"/>
               </a:ext>
             </a:extLst>
           </p:cNvPr>
@@ -893,7 +898,7 @@
           <p:cNvPr id="4" name="Date Placeholder 3">
             <a:extLst>
               <a:ext uri="{FF2B5EF4-FFF2-40B4-BE49-F238E27FC236}">
-                <a16:creationId xmlns:a16="http://schemas.microsoft.com/office/drawing/2014/main" id="{1769BC02-A778-C74E-9F94-C1D89BA57810}"/>
+                <a16:creationId xmlns:a16="http://schemas.microsoft.com/office/drawing/2014/main" xmlns="" id="{1769BC02-A778-C74E-9F94-C1D89BA57810}"/>
               </a:ext>
             </a:extLst>
           </p:cNvPr>
@@ -922,7 +927,7 @@
           <p:cNvPr id="5" name="Footer Placeholder 4">
             <a:extLst>
               <a:ext uri="{FF2B5EF4-FFF2-40B4-BE49-F238E27FC236}">
-                <a16:creationId xmlns:a16="http://schemas.microsoft.com/office/drawing/2014/main" id="{B737946F-E8FC-9E4E-AB08-CE681BB54648}"/>
+                <a16:creationId xmlns:a16="http://schemas.microsoft.com/office/drawing/2014/main" xmlns="" id="{B737946F-E8FC-9E4E-AB08-CE681BB54648}"/>
               </a:ext>
             </a:extLst>
           </p:cNvPr>
@@ -947,7 +952,7 @@
           <p:cNvPr id="6" name="Slide Number Placeholder 5">
             <a:extLst>
               <a:ext uri="{FF2B5EF4-FFF2-40B4-BE49-F238E27FC236}">
-                <a16:creationId xmlns:a16="http://schemas.microsoft.com/office/drawing/2014/main" id="{DF5CDAE0-9330-8E40-B8A8-4C54C71B9D45}"/>
+                <a16:creationId xmlns:a16="http://schemas.microsoft.com/office/drawing/2014/main" xmlns="" id="{DF5CDAE0-9330-8E40-B8A8-4C54C71B9D45}"/>
               </a:ext>
             </a:extLst>
           </p:cNvPr>
@@ -1006,7 +1011,7 @@
           <p:cNvPr id="2" name="Vertical Title 1">
             <a:extLst>
               <a:ext uri="{FF2B5EF4-FFF2-40B4-BE49-F238E27FC236}">
-                <a16:creationId xmlns:a16="http://schemas.microsoft.com/office/drawing/2014/main" id="{441C6E84-8DE6-A748-83AE-0F3BB0C28DCF}"/>
+                <a16:creationId xmlns:a16="http://schemas.microsoft.com/office/drawing/2014/main" xmlns="" id="{441C6E84-8DE6-A748-83AE-0F3BB0C28DCF}"/>
               </a:ext>
             </a:extLst>
           </p:cNvPr>
@@ -1039,7 +1044,7 @@
           <p:cNvPr id="3" name="Vertical Text Placeholder 2">
             <a:extLst>
               <a:ext uri="{FF2B5EF4-FFF2-40B4-BE49-F238E27FC236}">
-                <a16:creationId xmlns:a16="http://schemas.microsoft.com/office/drawing/2014/main" id="{797671EE-305B-B646-BC61-C2FA6868F404}"/>
+                <a16:creationId xmlns:a16="http://schemas.microsoft.com/office/drawing/2014/main" xmlns="" id="{797671EE-305B-B646-BC61-C2FA6868F404}"/>
               </a:ext>
             </a:extLst>
           </p:cNvPr>
@@ -1101,7 +1106,7 @@
           <p:cNvPr id="4" name="Date Placeholder 3">
             <a:extLst>
               <a:ext uri="{FF2B5EF4-FFF2-40B4-BE49-F238E27FC236}">
-                <a16:creationId xmlns:a16="http://schemas.microsoft.com/office/drawing/2014/main" id="{3A8BB137-AFEA-5646-AF9E-A2DBEBDA38CE}"/>
+                <a16:creationId xmlns:a16="http://schemas.microsoft.com/office/drawing/2014/main" xmlns="" id="{3A8BB137-AFEA-5646-AF9E-A2DBEBDA38CE}"/>
               </a:ext>
             </a:extLst>
           </p:cNvPr>
@@ -1130,7 +1135,7 @@
           <p:cNvPr id="5" name="Footer Placeholder 4">
             <a:extLst>
               <a:ext uri="{FF2B5EF4-FFF2-40B4-BE49-F238E27FC236}">
-                <a16:creationId xmlns:a16="http://schemas.microsoft.com/office/drawing/2014/main" id="{6EF96D24-8786-4747-9D0A-233D272EC0BA}"/>
+                <a16:creationId xmlns:a16="http://schemas.microsoft.com/office/drawing/2014/main" xmlns="" id="{6EF96D24-8786-4747-9D0A-233D272EC0BA}"/>
               </a:ext>
             </a:extLst>
           </p:cNvPr>
@@ -1155,7 +1160,7 @@
           <p:cNvPr id="6" name="Slide Number Placeholder 5">
             <a:extLst>
               <a:ext uri="{FF2B5EF4-FFF2-40B4-BE49-F238E27FC236}">
-                <a16:creationId xmlns:a16="http://schemas.microsoft.com/office/drawing/2014/main" id="{B4606A59-F872-DA44-9AD9-336532CDA85E}"/>
+                <a16:creationId xmlns:a16="http://schemas.microsoft.com/office/drawing/2014/main" xmlns="" id="{B4606A59-F872-DA44-9AD9-336532CDA85E}"/>
               </a:ext>
             </a:extLst>
           </p:cNvPr>
@@ -1214,7 +1219,7 @@
           <p:cNvPr id="2" name="Title 1">
             <a:extLst>
               <a:ext uri="{FF2B5EF4-FFF2-40B4-BE49-F238E27FC236}">
-                <a16:creationId xmlns:a16="http://schemas.microsoft.com/office/drawing/2014/main" id="{DF472BF1-F24C-BB4B-99ED-93F5EE675895}"/>
+                <a16:creationId xmlns:a16="http://schemas.microsoft.com/office/drawing/2014/main" xmlns="" id="{DF472BF1-F24C-BB4B-99ED-93F5EE675895}"/>
               </a:ext>
             </a:extLst>
           </p:cNvPr>
@@ -1242,7 +1247,7 @@
           <p:cNvPr id="3" name="Content Placeholder 2">
             <a:extLst>
               <a:ext uri="{FF2B5EF4-FFF2-40B4-BE49-F238E27FC236}">
-                <a16:creationId xmlns:a16="http://schemas.microsoft.com/office/drawing/2014/main" id="{552B67B2-C3D7-2F40-88A3-6CCE1C701D27}"/>
+                <a16:creationId xmlns:a16="http://schemas.microsoft.com/office/drawing/2014/main" xmlns="" id="{552B67B2-C3D7-2F40-88A3-6CCE1C701D27}"/>
               </a:ext>
             </a:extLst>
           </p:cNvPr>
@@ -1299,7 +1304,7 @@
           <p:cNvPr id="4" name="Date Placeholder 3">
             <a:extLst>
               <a:ext uri="{FF2B5EF4-FFF2-40B4-BE49-F238E27FC236}">
-                <a16:creationId xmlns:a16="http://schemas.microsoft.com/office/drawing/2014/main" id="{0B930B2B-FEF1-DE42-941F-DD026BB4AA45}"/>
+                <a16:creationId xmlns:a16="http://schemas.microsoft.com/office/drawing/2014/main" xmlns="" id="{0B930B2B-FEF1-DE42-941F-DD026BB4AA45}"/>
               </a:ext>
             </a:extLst>
           </p:cNvPr>
@@ -1328,7 +1333,7 @@
           <p:cNvPr id="5" name="Footer Placeholder 4">
             <a:extLst>
               <a:ext uri="{FF2B5EF4-FFF2-40B4-BE49-F238E27FC236}">
-                <a16:creationId xmlns:a16="http://schemas.microsoft.com/office/drawing/2014/main" id="{54526F13-72DB-5E40-860D-3FBAB56D95F9}"/>
+                <a16:creationId xmlns:a16="http://schemas.microsoft.com/office/drawing/2014/main" xmlns="" id="{54526F13-72DB-5E40-860D-3FBAB56D95F9}"/>
               </a:ext>
             </a:extLst>
           </p:cNvPr>
@@ -1353,7 +1358,7 @@
           <p:cNvPr id="6" name="Slide Number Placeholder 5">
             <a:extLst>
               <a:ext uri="{FF2B5EF4-FFF2-40B4-BE49-F238E27FC236}">
-                <a16:creationId xmlns:a16="http://schemas.microsoft.com/office/drawing/2014/main" id="{A11AD1F7-0C7C-354A-84FA-41D663E915C1}"/>
+                <a16:creationId xmlns:a16="http://schemas.microsoft.com/office/drawing/2014/main" xmlns="" id="{A11AD1F7-0C7C-354A-84FA-41D663E915C1}"/>
               </a:ext>
             </a:extLst>
           </p:cNvPr>
@@ -1412,7 +1417,7 @@
           <p:cNvPr id="2" name="Title 1">
             <a:extLst>
               <a:ext uri="{FF2B5EF4-FFF2-40B4-BE49-F238E27FC236}">
-                <a16:creationId xmlns:a16="http://schemas.microsoft.com/office/drawing/2014/main" id="{526091DF-5BA2-274A-B69A-982701C36D6D}"/>
+                <a16:creationId xmlns:a16="http://schemas.microsoft.com/office/drawing/2014/main" xmlns="" id="{526091DF-5BA2-274A-B69A-982701C36D6D}"/>
               </a:ext>
             </a:extLst>
           </p:cNvPr>
@@ -1449,7 +1454,7 @@
           <p:cNvPr id="3" name="Text Placeholder 2">
             <a:extLst>
               <a:ext uri="{FF2B5EF4-FFF2-40B4-BE49-F238E27FC236}">
-                <a16:creationId xmlns:a16="http://schemas.microsoft.com/office/drawing/2014/main" id="{A629624E-F879-A448-95CA-AB5B41C4BB74}"/>
+                <a16:creationId xmlns:a16="http://schemas.microsoft.com/office/drawing/2014/main" xmlns="" id="{A629624E-F879-A448-95CA-AB5B41C4BB74}"/>
               </a:ext>
             </a:extLst>
           </p:cNvPr>
@@ -1574,7 +1579,7 @@
           <p:cNvPr id="4" name="Date Placeholder 3">
             <a:extLst>
               <a:ext uri="{FF2B5EF4-FFF2-40B4-BE49-F238E27FC236}">
-                <a16:creationId xmlns:a16="http://schemas.microsoft.com/office/drawing/2014/main" id="{6FDD7A01-683C-E644-9237-57CD6ADDD166}"/>
+                <a16:creationId xmlns:a16="http://schemas.microsoft.com/office/drawing/2014/main" xmlns="" id="{6FDD7A01-683C-E644-9237-57CD6ADDD166}"/>
               </a:ext>
             </a:extLst>
           </p:cNvPr>
@@ -1603,7 +1608,7 @@
           <p:cNvPr id="5" name="Footer Placeholder 4">
             <a:extLst>
               <a:ext uri="{FF2B5EF4-FFF2-40B4-BE49-F238E27FC236}">
-                <a16:creationId xmlns:a16="http://schemas.microsoft.com/office/drawing/2014/main" id="{ADC75F60-CB69-1047-8550-6DFFA205F60F}"/>
+                <a16:creationId xmlns:a16="http://schemas.microsoft.com/office/drawing/2014/main" xmlns="" id="{ADC75F60-CB69-1047-8550-6DFFA205F60F}"/>
               </a:ext>
             </a:extLst>
           </p:cNvPr>
@@ -1628,7 +1633,7 @@
           <p:cNvPr id="6" name="Slide Number Placeholder 5">
             <a:extLst>
               <a:ext uri="{FF2B5EF4-FFF2-40B4-BE49-F238E27FC236}">
-                <a16:creationId xmlns:a16="http://schemas.microsoft.com/office/drawing/2014/main" id="{EA0F37EE-EEB6-7C44-ACDD-D7067CC17A7B}"/>
+                <a16:creationId xmlns:a16="http://schemas.microsoft.com/office/drawing/2014/main" xmlns="" id="{EA0F37EE-EEB6-7C44-ACDD-D7067CC17A7B}"/>
               </a:ext>
             </a:extLst>
           </p:cNvPr>
@@ -1687,7 +1692,7 @@
           <p:cNvPr id="2" name="Title 1">
             <a:extLst>
               <a:ext uri="{FF2B5EF4-FFF2-40B4-BE49-F238E27FC236}">
-                <a16:creationId xmlns:a16="http://schemas.microsoft.com/office/drawing/2014/main" id="{7E92A49A-BB5C-F043-8F9E-75316CAF0319}"/>
+                <a16:creationId xmlns:a16="http://schemas.microsoft.com/office/drawing/2014/main" xmlns="" id="{7E92A49A-BB5C-F043-8F9E-75316CAF0319}"/>
               </a:ext>
             </a:extLst>
           </p:cNvPr>
@@ -1715,7 +1720,7 @@
           <p:cNvPr id="3" name="Content Placeholder 2">
             <a:extLst>
               <a:ext uri="{FF2B5EF4-FFF2-40B4-BE49-F238E27FC236}">
-                <a16:creationId xmlns:a16="http://schemas.microsoft.com/office/drawing/2014/main" id="{0624756D-A887-6D4F-826B-333EE946E897}"/>
+                <a16:creationId xmlns:a16="http://schemas.microsoft.com/office/drawing/2014/main" xmlns="" id="{0624756D-A887-6D4F-826B-333EE946E897}"/>
               </a:ext>
             </a:extLst>
           </p:cNvPr>
@@ -1777,7 +1782,7 @@
           <p:cNvPr id="4" name="Content Placeholder 3">
             <a:extLst>
               <a:ext uri="{FF2B5EF4-FFF2-40B4-BE49-F238E27FC236}">
-                <a16:creationId xmlns:a16="http://schemas.microsoft.com/office/drawing/2014/main" id="{2F341C56-93B1-AB49-B6C4-77DDB6B21BC5}"/>
+                <a16:creationId xmlns:a16="http://schemas.microsoft.com/office/drawing/2014/main" xmlns="" id="{2F341C56-93B1-AB49-B6C4-77DDB6B21BC5}"/>
               </a:ext>
             </a:extLst>
           </p:cNvPr>
@@ -1839,7 +1844,7 @@
           <p:cNvPr id="5" name="Date Placeholder 4">
             <a:extLst>
               <a:ext uri="{FF2B5EF4-FFF2-40B4-BE49-F238E27FC236}">
-                <a16:creationId xmlns:a16="http://schemas.microsoft.com/office/drawing/2014/main" id="{EC948F20-68E0-0B49-8FD5-270C669B84FE}"/>
+                <a16:creationId xmlns:a16="http://schemas.microsoft.com/office/drawing/2014/main" xmlns="" id="{EC948F20-68E0-0B49-8FD5-270C669B84FE}"/>
               </a:ext>
             </a:extLst>
           </p:cNvPr>
@@ -1868,7 +1873,7 @@
           <p:cNvPr id="6" name="Footer Placeholder 5">
             <a:extLst>
               <a:ext uri="{FF2B5EF4-FFF2-40B4-BE49-F238E27FC236}">
-                <a16:creationId xmlns:a16="http://schemas.microsoft.com/office/drawing/2014/main" id="{1D006176-B583-594D-B68E-6985140CA6B3}"/>
+                <a16:creationId xmlns:a16="http://schemas.microsoft.com/office/drawing/2014/main" xmlns="" id="{1D006176-B583-594D-B68E-6985140CA6B3}"/>
               </a:ext>
             </a:extLst>
           </p:cNvPr>
@@ -1893,7 +1898,7 @@
           <p:cNvPr id="7" name="Slide Number Placeholder 6">
             <a:extLst>
               <a:ext uri="{FF2B5EF4-FFF2-40B4-BE49-F238E27FC236}">
-                <a16:creationId xmlns:a16="http://schemas.microsoft.com/office/drawing/2014/main" id="{795F04A6-97C7-E743-A2A6-1251161A1A08}"/>
+                <a16:creationId xmlns:a16="http://schemas.microsoft.com/office/drawing/2014/main" xmlns="" id="{795F04A6-97C7-E743-A2A6-1251161A1A08}"/>
               </a:ext>
             </a:extLst>
           </p:cNvPr>
@@ -1952,7 +1957,7 @@
           <p:cNvPr id="2" name="Title 1">
             <a:extLst>
               <a:ext uri="{FF2B5EF4-FFF2-40B4-BE49-F238E27FC236}">
-                <a16:creationId xmlns:a16="http://schemas.microsoft.com/office/drawing/2014/main" id="{49F8D47D-11C3-DA4D-8EC7-24B43F0EA2D0}"/>
+                <a16:creationId xmlns:a16="http://schemas.microsoft.com/office/drawing/2014/main" xmlns="" id="{49F8D47D-11C3-DA4D-8EC7-24B43F0EA2D0}"/>
               </a:ext>
             </a:extLst>
           </p:cNvPr>
@@ -1985,7 +1990,7 @@
           <p:cNvPr id="3" name="Text Placeholder 2">
             <a:extLst>
               <a:ext uri="{FF2B5EF4-FFF2-40B4-BE49-F238E27FC236}">
-                <a16:creationId xmlns:a16="http://schemas.microsoft.com/office/drawing/2014/main" id="{CA73A14D-8AE9-6B4F-B69A-D63B48A0A8F9}"/>
+                <a16:creationId xmlns:a16="http://schemas.microsoft.com/office/drawing/2014/main" xmlns="" id="{CA73A14D-8AE9-6B4F-B69A-D63B48A0A8F9}"/>
               </a:ext>
             </a:extLst>
           </p:cNvPr>
@@ -2056,7 +2061,7 @@
           <p:cNvPr id="4" name="Content Placeholder 3">
             <a:extLst>
               <a:ext uri="{FF2B5EF4-FFF2-40B4-BE49-F238E27FC236}">
-                <a16:creationId xmlns:a16="http://schemas.microsoft.com/office/drawing/2014/main" id="{13580239-6638-1F4D-9A6A-FA7C758A578E}"/>
+                <a16:creationId xmlns:a16="http://schemas.microsoft.com/office/drawing/2014/main" xmlns="" id="{13580239-6638-1F4D-9A6A-FA7C758A578E}"/>
               </a:ext>
             </a:extLst>
           </p:cNvPr>
@@ -2118,7 +2123,7 @@
           <p:cNvPr id="5" name="Text Placeholder 4">
             <a:extLst>
               <a:ext uri="{FF2B5EF4-FFF2-40B4-BE49-F238E27FC236}">
-                <a16:creationId xmlns:a16="http://schemas.microsoft.com/office/drawing/2014/main" id="{C1929276-65FB-7D47-BA9E-BF77885E8CA7}"/>
+                <a16:creationId xmlns:a16="http://schemas.microsoft.com/office/drawing/2014/main" xmlns="" id="{C1929276-65FB-7D47-BA9E-BF77885E8CA7}"/>
               </a:ext>
             </a:extLst>
           </p:cNvPr>
@@ -2189,7 +2194,7 @@
           <p:cNvPr id="6" name="Content Placeholder 5">
             <a:extLst>
               <a:ext uri="{FF2B5EF4-FFF2-40B4-BE49-F238E27FC236}">
-                <a16:creationId xmlns:a16="http://schemas.microsoft.com/office/drawing/2014/main" id="{5AA151F4-4A3C-2046-B589-BD1250AEF1D7}"/>
+                <a16:creationId xmlns:a16="http://schemas.microsoft.com/office/drawing/2014/main" xmlns="" id="{5AA151F4-4A3C-2046-B589-BD1250AEF1D7}"/>
               </a:ext>
             </a:extLst>
           </p:cNvPr>
@@ -2251,7 +2256,7 @@
           <p:cNvPr id="7" name="Date Placeholder 6">
             <a:extLst>
               <a:ext uri="{FF2B5EF4-FFF2-40B4-BE49-F238E27FC236}">
-                <a16:creationId xmlns:a16="http://schemas.microsoft.com/office/drawing/2014/main" id="{8BF7F29F-F4E0-634D-9226-7DDC352AC0A0}"/>
+                <a16:creationId xmlns:a16="http://schemas.microsoft.com/office/drawing/2014/main" xmlns="" id="{8BF7F29F-F4E0-634D-9226-7DDC352AC0A0}"/>
               </a:ext>
             </a:extLst>
           </p:cNvPr>
@@ -2280,7 +2285,7 @@
           <p:cNvPr id="8" name="Footer Placeholder 7">
             <a:extLst>
               <a:ext uri="{FF2B5EF4-FFF2-40B4-BE49-F238E27FC236}">
-                <a16:creationId xmlns:a16="http://schemas.microsoft.com/office/drawing/2014/main" id="{00DFE62A-EE74-D947-BDA8-C65169E062EC}"/>
+                <a16:creationId xmlns:a16="http://schemas.microsoft.com/office/drawing/2014/main" xmlns="" id="{00DFE62A-EE74-D947-BDA8-C65169E062EC}"/>
               </a:ext>
             </a:extLst>
           </p:cNvPr>
@@ -2305,7 +2310,7 @@
           <p:cNvPr id="9" name="Slide Number Placeholder 8">
             <a:extLst>
               <a:ext uri="{FF2B5EF4-FFF2-40B4-BE49-F238E27FC236}">
-                <a16:creationId xmlns:a16="http://schemas.microsoft.com/office/drawing/2014/main" id="{B4F4C4B7-B999-B84B-AA31-488AFDD25C49}"/>
+                <a16:creationId xmlns:a16="http://schemas.microsoft.com/office/drawing/2014/main" xmlns="" id="{B4F4C4B7-B999-B84B-AA31-488AFDD25C49}"/>
               </a:ext>
             </a:extLst>
           </p:cNvPr>
@@ -2364,7 +2369,7 @@
           <p:cNvPr id="2" name="Title 1">
             <a:extLst>
               <a:ext uri="{FF2B5EF4-FFF2-40B4-BE49-F238E27FC236}">
-                <a16:creationId xmlns:a16="http://schemas.microsoft.com/office/drawing/2014/main" id="{B60657D0-E7EF-E547-B2BB-A546520D70EF}"/>
+                <a16:creationId xmlns:a16="http://schemas.microsoft.com/office/drawing/2014/main" xmlns="" id="{B60657D0-E7EF-E547-B2BB-A546520D70EF}"/>
               </a:ext>
             </a:extLst>
           </p:cNvPr>
@@ -2392,7 +2397,7 @@
           <p:cNvPr id="3" name="Date Placeholder 2">
             <a:extLst>
               <a:ext uri="{FF2B5EF4-FFF2-40B4-BE49-F238E27FC236}">
-                <a16:creationId xmlns:a16="http://schemas.microsoft.com/office/drawing/2014/main" id="{F48331F0-8530-7444-8584-761CD0D45514}"/>
+                <a16:creationId xmlns:a16="http://schemas.microsoft.com/office/drawing/2014/main" xmlns="" id="{F48331F0-8530-7444-8584-761CD0D45514}"/>
               </a:ext>
             </a:extLst>
           </p:cNvPr>
@@ -2421,7 +2426,7 @@
           <p:cNvPr id="4" name="Footer Placeholder 3">
             <a:extLst>
               <a:ext uri="{FF2B5EF4-FFF2-40B4-BE49-F238E27FC236}">
-                <a16:creationId xmlns:a16="http://schemas.microsoft.com/office/drawing/2014/main" id="{95051C0A-47FC-D947-BF3C-A312FD3FE75D}"/>
+                <a16:creationId xmlns:a16="http://schemas.microsoft.com/office/drawing/2014/main" xmlns="" id="{95051C0A-47FC-D947-BF3C-A312FD3FE75D}"/>
               </a:ext>
             </a:extLst>
           </p:cNvPr>
@@ -2446,7 +2451,7 @@
           <p:cNvPr id="5" name="Slide Number Placeholder 4">
             <a:extLst>
               <a:ext uri="{FF2B5EF4-FFF2-40B4-BE49-F238E27FC236}">
-                <a16:creationId xmlns:a16="http://schemas.microsoft.com/office/drawing/2014/main" id="{39025335-5988-E244-9037-F40805A43C46}"/>
+                <a16:creationId xmlns:a16="http://schemas.microsoft.com/office/drawing/2014/main" xmlns="" id="{39025335-5988-E244-9037-F40805A43C46}"/>
               </a:ext>
             </a:extLst>
           </p:cNvPr>
@@ -2505,7 +2510,7 @@
           <p:cNvPr id="2" name="Date Placeholder 1">
             <a:extLst>
               <a:ext uri="{FF2B5EF4-FFF2-40B4-BE49-F238E27FC236}">
-                <a16:creationId xmlns:a16="http://schemas.microsoft.com/office/drawing/2014/main" id="{3ECA6302-4D25-3440-9FB0-3EF1023BEAB3}"/>
+                <a16:creationId xmlns:a16="http://schemas.microsoft.com/office/drawing/2014/main" xmlns="" id="{3ECA6302-4D25-3440-9FB0-3EF1023BEAB3}"/>
               </a:ext>
             </a:extLst>
           </p:cNvPr>
@@ -2534,7 +2539,7 @@
           <p:cNvPr id="3" name="Footer Placeholder 2">
             <a:extLst>
               <a:ext uri="{FF2B5EF4-FFF2-40B4-BE49-F238E27FC236}">
-                <a16:creationId xmlns:a16="http://schemas.microsoft.com/office/drawing/2014/main" id="{81C57DAB-1482-724D-82E8-358839E97E81}"/>
+                <a16:creationId xmlns:a16="http://schemas.microsoft.com/office/drawing/2014/main" xmlns="" id="{81C57DAB-1482-724D-82E8-358839E97E81}"/>
               </a:ext>
             </a:extLst>
           </p:cNvPr>
@@ -2559,7 +2564,7 @@
           <p:cNvPr id="4" name="Slide Number Placeholder 3">
             <a:extLst>
               <a:ext uri="{FF2B5EF4-FFF2-40B4-BE49-F238E27FC236}">
-                <a16:creationId xmlns:a16="http://schemas.microsoft.com/office/drawing/2014/main" id="{2511F44C-D99F-CE40-A410-EEBA4BA5AC95}"/>
+                <a16:creationId xmlns:a16="http://schemas.microsoft.com/office/drawing/2014/main" xmlns="" id="{2511F44C-D99F-CE40-A410-EEBA4BA5AC95}"/>
               </a:ext>
             </a:extLst>
           </p:cNvPr>
@@ -2618,7 +2623,7 @@
           <p:cNvPr id="2" name="Title 1">
             <a:extLst>
               <a:ext uri="{FF2B5EF4-FFF2-40B4-BE49-F238E27FC236}">
-                <a16:creationId xmlns:a16="http://schemas.microsoft.com/office/drawing/2014/main" id="{2A7BD7A4-77A5-994C-9902-BC82C7240A64}"/>
+                <a16:creationId xmlns:a16="http://schemas.microsoft.com/office/drawing/2014/main" xmlns="" id="{2A7BD7A4-77A5-994C-9902-BC82C7240A64}"/>
               </a:ext>
             </a:extLst>
           </p:cNvPr>
@@ -2655,7 +2660,7 @@
           <p:cNvPr id="3" name="Content Placeholder 2">
             <a:extLst>
               <a:ext uri="{FF2B5EF4-FFF2-40B4-BE49-F238E27FC236}">
-                <a16:creationId xmlns:a16="http://schemas.microsoft.com/office/drawing/2014/main" id="{94860483-B85E-664A-B717-5567198C26FB}"/>
+                <a16:creationId xmlns:a16="http://schemas.microsoft.com/office/drawing/2014/main" xmlns="" id="{94860483-B85E-664A-B717-5567198C26FB}"/>
               </a:ext>
             </a:extLst>
           </p:cNvPr>
@@ -2745,7 +2750,7 @@
           <p:cNvPr id="4" name="Text Placeholder 3">
             <a:extLst>
               <a:ext uri="{FF2B5EF4-FFF2-40B4-BE49-F238E27FC236}">
-                <a16:creationId xmlns:a16="http://schemas.microsoft.com/office/drawing/2014/main" id="{BAF1EC0F-EC0E-C044-8E92-C6E65D3C73E9}"/>
+                <a16:creationId xmlns:a16="http://schemas.microsoft.com/office/drawing/2014/main" xmlns="" id="{BAF1EC0F-EC0E-C044-8E92-C6E65D3C73E9}"/>
               </a:ext>
             </a:extLst>
           </p:cNvPr>
@@ -2816,7 +2821,7 @@
           <p:cNvPr id="5" name="Date Placeholder 4">
             <a:extLst>
               <a:ext uri="{FF2B5EF4-FFF2-40B4-BE49-F238E27FC236}">
-                <a16:creationId xmlns:a16="http://schemas.microsoft.com/office/drawing/2014/main" id="{3076C23C-F96C-6A40-878A-432ACA48C805}"/>
+                <a16:creationId xmlns:a16="http://schemas.microsoft.com/office/drawing/2014/main" xmlns="" id="{3076C23C-F96C-6A40-878A-432ACA48C805}"/>
               </a:ext>
             </a:extLst>
           </p:cNvPr>
@@ -2845,7 +2850,7 @@
           <p:cNvPr id="6" name="Footer Placeholder 5">
             <a:extLst>
               <a:ext uri="{FF2B5EF4-FFF2-40B4-BE49-F238E27FC236}">
-                <a16:creationId xmlns:a16="http://schemas.microsoft.com/office/drawing/2014/main" id="{599B3B9C-D088-AA40-B12E-39184FC7FBCE}"/>
+                <a16:creationId xmlns:a16="http://schemas.microsoft.com/office/drawing/2014/main" xmlns="" id="{599B3B9C-D088-AA40-B12E-39184FC7FBCE}"/>
               </a:ext>
             </a:extLst>
           </p:cNvPr>
@@ -2870,7 +2875,7 @@
           <p:cNvPr id="7" name="Slide Number Placeholder 6">
             <a:extLst>
               <a:ext uri="{FF2B5EF4-FFF2-40B4-BE49-F238E27FC236}">
-                <a16:creationId xmlns:a16="http://schemas.microsoft.com/office/drawing/2014/main" id="{B6B336B1-AA0A-754A-AF24-CBECCCD987FB}"/>
+                <a16:creationId xmlns:a16="http://schemas.microsoft.com/office/drawing/2014/main" xmlns="" id="{B6B336B1-AA0A-754A-AF24-CBECCCD987FB}"/>
               </a:ext>
             </a:extLst>
           </p:cNvPr>
@@ -2929,7 +2934,7 @@
           <p:cNvPr id="2" name="Title 1">
             <a:extLst>
               <a:ext uri="{FF2B5EF4-FFF2-40B4-BE49-F238E27FC236}">
-                <a16:creationId xmlns:a16="http://schemas.microsoft.com/office/drawing/2014/main" id="{4BEAEAC1-9BC5-A04E-B235-5231ED2B4B8A}"/>
+                <a16:creationId xmlns:a16="http://schemas.microsoft.com/office/drawing/2014/main" xmlns="" id="{4BEAEAC1-9BC5-A04E-B235-5231ED2B4B8A}"/>
               </a:ext>
             </a:extLst>
           </p:cNvPr>
@@ -2966,7 +2971,7 @@
           <p:cNvPr id="3" name="Picture Placeholder 2">
             <a:extLst>
               <a:ext uri="{FF2B5EF4-FFF2-40B4-BE49-F238E27FC236}">
-                <a16:creationId xmlns:a16="http://schemas.microsoft.com/office/drawing/2014/main" id="{066255F8-E61C-CB47-89C0-450DF460C206}"/>
+                <a16:creationId xmlns:a16="http://schemas.microsoft.com/office/drawing/2014/main" xmlns="" id="{066255F8-E61C-CB47-89C0-450DF460C206}"/>
               </a:ext>
             </a:extLst>
           </p:cNvPr>
@@ -3033,7 +3038,7 @@
           <p:cNvPr id="4" name="Text Placeholder 3">
             <a:extLst>
               <a:ext uri="{FF2B5EF4-FFF2-40B4-BE49-F238E27FC236}">
-                <a16:creationId xmlns:a16="http://schemas.microsoft.com/office/drawing/2014/main" id="{A4138124-B732-6740-9E36-57A34CCDE84F}"/>
+                <a16:creationId xmlns:a16="http://schemas.microsoft.com/office/drawing/2014/main" xmlns="" id="{A4138124-B732-6740-9E36-57A34CCDE84F}"/>
               </a:ext>
             </a:extLst>
           </p:cNvPr>
@@ -3104,7 +3109,7 @@
           <p:cNvPr id="5" name="Date Placeholder 4">
             <a:extLst>
               <a:ext uri="{FF2B5EF4-FFF2-40B4-BE49-F238E27FC236}">
-                <a16:creationId xmlns:a16="http://schemas.microsoft.com/office/drawing/2014/main" id="{43FEDA88-E64E-9042-9F82-8B59EF360510}"/>
+                <a16:creationId xmlns:a16="http://schemas.microsoft.com/office/drawing/2014/main" xmlns="" id="{43FEDA88-E64E-9042-9F82-8B59EF360510}"/>
               </a:ext>
             </a:extLst>
           </p:cNvPr>
@@ -3133,7 +3138,7 @@
           <p:cNvPr id="6" name="Footer Placeholder 5">
             <a:extLst>
               <a:ext uri="{FF2B5EF4-FFF2-40B4-BE49-F238E27FC236}">
-                <a16:creationId xmlns:a16="http://schemas.microsoft.com/office/drawing/2014/main" id="{4594533C-222A-CF49-98A9-5B712936C46E}"/>
+                <a16:creationId xmlns:a16="http://schemas.microsoft.com/office/drawing/2014/main" xmlns="" id="{4594533C-222A-CF49-98A9-5B712936C46E}"/>
               </a:ext>
             </a:extLst>
           </p:cNvPr>
@@ -3158,7 +3163,7 @@
           <p:cNvPr id="7" name="Slide Number Placeholder 6">
             <a:extLst>
               <a:ext uri="{FF2B5EF4-FFF2-40B4-BE49-F238E27FC236}">
-                <a16:creationId xmlns:a16="http://schemas.microsoft.com/office/drawing/2014/main" id="{2399D6DC-EC65-194E-8736-A1CB768532A9}"/>
+                <a16:creationId xmlns:a16="http://schemas.microsoft.com/office/drawing/2014/main" xmlns="" id="{2399D6DC-EC65-194E-8736-A1CB768532A9}"/>
               </a:ext>
             </a:extLst>
           </p:cNvPr>
@@ -3222,7 +3227,7 @@
           <p:cNvPr id="2" name="Title Placeholder 1">
             <a:extLst>
               <a:ext uri="{FF2B5EF4-FFF2-40B4-BE49-F238E27FC236}">
-                <a16:creationId xmlns:a16="http://schemas.microsoft.com/office/drawing/2014/main" id="{8FA5EA42-4900-574B-89B7-4BFA6DE87843}"/>
+                <a16:creationId xmlns:a16="http://schemas.microsoft.com/office/drawing/2014/main" xmlns="" id="{8FA5EA42-4900-574B-89B7-4BFA6DE87843}"/>
               </a:ext>
             </a:extLst>
           </p:cNvPr>
@@ -3260,7 +3265,7 @@
           <p:cNvPr id="3" name="Text Placeholder 2">
             <a:extLst>
               <a:ext uri="{FF2B5EF4-FFF2-40B4-BE49-F238E27FC236}">
-                <a16:creationId xmlns:a16="http://schemas.microsoft.com/office/drawing/2014/main" id="{B5477537-925E-2242-9775-07002C0A001A}"/>
+                <a16:creationId xmlns:a16="http://schemas.microsoft.com/office/drawing/2014/main" xmlns="" id="{B5477537-925E-2242-9775-07002C0A001A}"/>
               </a:ext>
             </a:extLst>
           </p:cNvPr>
@@ -3327,7 +3332,7 @@
           <p:cNvPr id="4" name="Date Placeholder 3">
             <a:extLst>
               <a:ext uri="{FF2B5EF4-FFF2-40B4-BE49-F238E27FC236}">
-                <a16:creationId xmlns:a16="http://schemas.microsoft.com/office/drawing/2014/main" id="{6B41B828-970B-7E42-B203-B63CBCD08131}"/>
+                <a16:creationId xmlns:a16="http://schemas.microsoft.com/office/drawing/2014/main" xmlns="" id="{6B41B828-970B-7E42-B203-B63CBCD08131}"/>
               </a:ext>
             </a:extLst>
           </p:cNvPr>
@@ -3374,7 +3379,7 @@
           <p:cNvPr id="5" name="Footer Placeholder 4">
             <a:extLst>
               <a:ext uri="{FF2B5EF4-FFF2-40B4-BE49-F238E27FC236}">
-                <a16:creationId xmlns:a16="http://schemas.microsoft.com/office/drawing/2014/main" id="{C8907038-34E4-794B-AE2A-68889352CAB8}"/>
+                <a16:creationId xmlns:a16="http://schemas.microsoft.com/office/drawing/2014/main" xmlns="" id="{C8907038-34E4-794B-AE2A-68889352CAB8}"/>
               </a:ext>
             </a:extLst>
           </p:cNvPr>
@@ -3417,7 +3422,7 @@
           <p:cNvPr id="6" name="Slide Number Placeholder 5">
             <a:extLst>
               <a:ext uri="{FF2B5EF4-FFF2-40B4-BE49-F238E27FC236}">
-                <a16:creationId xmlns:a16="http://schemas.microsoft.com/office/drawing/2014/main" id="{60FE36C2-1CDA-474D-B452-711A4D151B91}"/>
+                <a16:creationId xmlns:a16="http://schemas.microsoft.com/office/drawing/2014/main" xmlns="" id="{60FE36C2-1CDA-474D-B452-711A4D151B91}"/>
               </a:ext>
             </a:extLst>
           </p:cNvPr>
@@ -3785,7 +3790,7 @@
           <p:cNvPr id="2" name="Title 1">
             <a:extLst>
               <a:ext uri="{FF2B5EF4-FFF2-40B4-BE49-F238E27FC236}">
-                <a16:creationId xmlns:a16="http://schemas.microsoft.com/office/drawing/2014/main" id="{0CE1A382-F98E-0B47-A9E8-DAA7F6A20A5D}"/>
+                <a16:creationId xmlns:a16="http://schemas.microsoft.com/office/drawing/2014/main" xmlns="" id="{0CE1A382-F98E-0B47-A9E8-DAA7F6A20A5D}"/>
               </a:ext>
             </a:extLst>
           </p:cNvPr>
@@ -3813,7 +3818,7 @@
           <p:cNvPr id="3" name="Subtitle 2">
             <a:extLst>
               <a:ext uri="{FF2B5EF4-FFF2-40B4-BE49-F238E27FC236}">
-                <a16:creationId xmlns:a16="http://schemas.microsoft.com/office/drawing/2014/main" id="{78C261B3-6C4B-D14C-A586-5A9FAFC9B8D9}"/>
+                <a16:creationId xmlns:a16="http://schemas.microsoft.com/office/drawing/2014/main" xmlns="" id="{78C261B3-6C4B-D14C-A586-5A9FAFC9B8D9}"/>
               </a:ext>
             </a:extLst>
           </p:cNvPr>
@@ -3865,6 +3870,78 @@
     <p:extLst>
       <p:ext uri="{BB962C8B-B14F-4D97-AF65-F5344CB8AC3E}">
         <p14:creationId xmlns:p14="http://schemas.microsoft.com/office/powerpoint/2010/main" val="926701933"/>
+      </p:ext>
+    </p:extLst>
+  </p:cSld>
+  <p:clrMapOvr>
+    <a:masterClrMapping/>
+  </p:clrMapOvr>
+</p:sld>
+</file>
+
+<file path=ppt/slides/slide10.xml><?xml version="1.0" encoding="utf-8"?>
+<p:sld xmlns:a="http://schemas.openxmlformats.org/drawingml/2006/main" xmlns:r="http://schemas.openxmlformats.org/officeDocument/2006/relationships" xmlns:p="http://schemas.openxmlformats.org/presentationml/2006/main">
+  <p:cSld>
+    <p:spTree>
+      <p:nvGrpSpPr>
+        <p:cNvPr id="1" name=""/>
+        <p:cNvGrpSpPr/>
+        <p:nvPr/>
+      </p:nvGrpSpPr>
+      <p:grpSpPr>
+        <a:xfrm>
+          <a:off x="0" y="0"/>
+          <a:ext cx="0" cy="0"/>
+          <a:chOff x="0" y="0"/>
+          <a:chExt cx="0" cy="0"/>
+        </a:xfrm>
+      </p:grpSpPr>
+      <p:sp>
+        <p:nvSpPr>
+          <p:cNvPr id="2" name="Title 1"/>
+          <p:cNvSpPr>
+            <a:spLocks noGrp="1"/>
+          </p:cNvSpPr>
+          <p:nvPr>
+            <p:ph type="title"/>
+          </p:nvPr>
+        </p:nvSpPr>
+        <p:spPr/>
+        <p:txBody>
+          <a:bodyPr/>
+          <a:lstStyle/>
+          <a:p>
+            <a:r>
+              <a:rPr lang="en-US" dirty="0" smtClean="0"/>
+              <a:t>MCMC in papers</a:t>
+            </a:r>
+            <a:endParaRPr lang="en-US" dirty="0"/>
+          </a:p>
+        </p:txBody>
+      </p:sp>
+      <p:sp>
+        <p:nvSpPr>
+          <p:cNvPr id="3" name="Content Placeholder 2"/>
+          <p:cNvSpPr>
+            <a:spLocks noGrp="1"/>
+          </p:cNvSpPr>
+          <p:nvPr>
+            <p:ph idx="1"/>
+          </p:nvPr>
+        </p:nvSpPr>
+        <p:spPr/>
+        <p:txBody>
+          <a:bodyPr/>
+          <a:lstStyle/>
+          <a:p>
+            <a:endParaRPr lang="en-US"/>
+          </a:p>
+        </p:txBody>
+      </p:sp>
+    </p:spTree>
+    <p:extLst>
+      <p:ext uri="{BB962C8B-B14F-4D97-AF65-F5344CB8AC3E}">
+        <p14:creationId xmlns:p14="http://schemas.microsoft.com/office/powerpoint/2010/main" val="606161980"/>
       </p:ext>
     </p:extLst>
   </p:cSld>
@@ -3896,7 +3973,7 @@
           <p:cNvPr id="2" name="Title 1">
             <a:extLst>
               <a:ext uri="{FF2B5EF4-FFF2-40B4-BE49-F238E27FC236}">
-                <a16:creationId xmlns:a16="http://schemas.microsoft.com/office/drawing/2014/main" id="{DF8665D3-0A49-E64C-90AD-F8B2DE5DF5F4}"/>
+                <a16:creationId xmlns:a16="http://schemas.microsoft.com/office/drawing/2014/main" xmlns="" id="{DF8665D3-0A49-E64C-90AD-F8B2DE5DF5F4}"/>
               </a:ext>
             </a:extLst>
           </p:cNvPr>
@@ -3924,7 +4001,7 @@
           <p:cNvPr id="3" name="Content Placeholder 2">
             <a:extLst>
               <a:ext uri="{FF2B5EF4-FFF2-40B4-BE49-F238E27FC236}">
-                <a16:creationId xmlns:a16="http://schemas.microsoft.com/office/drawing/2014/main" id="{98374AEE-1BB8-2046-B743-202D555E4203}"/>
+                <a16:creationId xmlns:a16="http://schemas.microsoft.com/office/drawing/2014/main" xmlns="" id="{98374AEE-1BB8-2046-B743-202D555E4203}"/>
               </a:ext>
             </a:extLst>
           </p:cNvPr>
@@ -3982,7 +4059,7 @@
           <p:cNvPr id="2" name="Title 1">
             <a:extLst>
               <a:ext uri="{FF2B5EF4-FFF2-40B4-BE49-F238E27FC236}">
-                <a16:creationId xmlns:a16="http://schemas.microsoft.com/office/drawing/2014/main" id="{524DB304-4D46-D74B-B3CC-6263FC708DD7}"/>
+                <a16:creationId xmlns:a16="http://schemas.microsoft.com/office/drawing/2014/main" xmlns="" id="{524DB304-4D46-D74B-B3CC-6263FC708DD7}"/>
               </a:ext>
             </a:extLst>
           </p:cNvPr>
@@ -4010,7 +4087,7 @@
           <p:cNvPr id="3" name="Content Placeholder 2">
             <a:extLst>
               <a:ext uri="{FF2B5EF4-FFF2-40B4-BE49-F238E27FC236}">
-                <a16:creationId xmlns:a16="http://schemas.microsoft.com/office/drawing/2014/main" id="{76D6D6DC-2792-D64F-887A-08DEC3346D8D}"/>
+                <a16:creationId xmlns:a16="http://schemas.microsoft.com/office/drawing/2014/main" xmlns="" id="{76D6D6DC-2792-D64F-887A-08DEC3346D8D}"/>
               </a:ext>
             </a:extLst>
           </p:cNvPr>
@@ -4205,7 +4282,7 @@
           <p:cNvPr id="4" name="Left Arrow 3">
             <a:extLst>
               <a:ext uri="{FF2B5EF4-FFF2-40B4-BE49-F238E27FC236}">
-                <a16:creationId xmlns:a16="http://schemas.microsoft.com/office/drawing/2014/main" id="{826F816B-5177-FE46-B643-145DEC83B8A7}"/>
+                <a16:creationId xmlns:a16="http://schemas.microsoft.com/office/drawing/2014/main" xmlns="" id="{826F816B-5177-FE46-B643-145DEC83B8A7}"/>
               </a:ext>
             </a:extLst>
           </p:cNvPr>
@@ -4251,7 +4328,7 @@
           <p:cNvPr id="5" name="Left Arrow 4">
             <a:extLst>
               <a:ext uri="{FF2B5EF4-FFF2-40B4-BE49-F238E27FC236}">
-                <a16:creationId xmlns:a16="http://schemas.microsoft.com/office/drawing/2014/main" id="{DE2585E6-A55F-924B-8D45-1326938D78F6}"/>
+                <a16:creationId xmlns:a16="http://schemas.microsoft.com/office/drawing/2014/main" xmlns="" id="{DE2585E6-A55F-924B-8D45-1326938D78F6}"/>
               </a:ext>
             </a:extLst>
           </p:cNvPr>
@@ -4297,7 +4374,7 @@
           <p:cNvPr id="6" name="Left Arrow 5">
             <a:extLst>
               <a:ext uri="{FF2B5EF4-FFF2-40B4-BE49-F238E27FC236}">
-                <a16:creationId xmlns:a16="http://schemas.microsoft.com/office/drawing/2014/main" id="{29505031-97A7-F647-B8B6-770D8B694538}"/>
+                <a16:creationId xmlns:a16="http://schemas.microsoft.com/office/drawing/2014/main" xmlns="" id="{29505031-97A7-F647-B8B6-770D8B694538}"/>
               </a:ext>
             </a:extLst>
           </p:cNvPr>
@@ -4343,7 +4420,7 @@
           <p:cNvPr id="7" name="TextBox 6">
             <a:extLst>
               <a:ext uri="{FF2B5EF4-FFF2-40B4-BE49-F238E27FC236}">
-                <a16:creationId xmlns:a16="http://schemas.microsoft.com/office/drawing/2014/main" id="{965D0F63-9216-DC48-98E3-A604D7AA24A5}"/>
+                <a16:creationId xmlns:a16="http://schemas.microsoft.com/office/drawing/2014/main" xmlns="" id="{965D0F63-9216-DC48-98E3-A604D7AA24A5}"/>
               </a:ext>
             </a:extLst>
           </p:cNvPr>
@@ -4382,7 +4459,7 @@
           <p:cNvPr id="8" name="TextBox 7">
             <a:extLst>
               <a:ext uri="{FF2B5EF4-FFF2-40B4-BE49-F238E27FC236}">
-                <a16:creationId xmlns:a16="http://schemas.microsoft.com/office/drawing/2014/main" id="{1DC41D93-58D7-0545-9320-D820CC325552}"/>
+                <a16:creationId xmlns:a16="http://schemas.microsoft.com/office/drawing/2014/main" xmlns="" id="{1DC41D93-58D7-0545-9320-D820CC325552}"/>
               </a:ext>
             </a:extLst>
           </p:cNvPr>
@@ -4421,7 +4498,7 @@
           <p:cNvPr id="9" name="TextBox 8">
             <a:extLst>
               <a:ext uri="{FF2B5EF4-FFF2-40B4-BE49-F238E27FC236}">
-                <a16:creationId xmlns:a16="http://schemas.microsoft.com/office/drawing/2014/main" id="{46465FE3-EED5-5A46-9BAB-CA8D17D673DE}"/>
+                <a16:creationId xmlns:a16="http://schemas.microsoft.com/office/drawing/2014/main" xmlns="" id="{46465FE3-EED5-5A46-9BAB-CA8D17D673DE}"/>
               </a:ext>
             </a:extLst>
           </p:cNvPr>
@@ -4468,7 +4545,7 @@
   <p:timing>
     <p:tnLst>
       <p:par>
-        <p:cTn id="1" dur="indefinite" restart="never" nodeType="tmRoot">
+        <p:cTn xmlns:p14="http://schemas.microsoft.com/office/powerpoint/2010/main" id="1" dur="indefinite" restart="never" nodeType="tmRoot">
           <p:childTnLst>
             <p:seq concurrent="1" nextAc="seek">
               <p:cTn id="2" dur="indefinite" nodeType="mainSeq">
@@ -4744,7 +4821,7 @@
           <p:cNvPr id="2" name="Title 1">
             <a:extLst>
               <a:ext uri="{FF2B5EF4-FFF2-40B4-BE49-F238E27FC236}">
-                <a16:creationId xmlns:a16="http://schemas.microsoft.com/office/drawing/2014/main" id="{875D083F-22C5-7541-A985-5C2846B75F4A}"/>
+                <a16:creationId xmlns:a16="http://schemas.microsoft.com/office/drawing/2014/main" xmlns="" id="{875D083F-22C5-7541-A985-5C2846B75F4A}"/>
               </a:ext>
             </a:extLst>
           </p:cNvPr>
@@ -4772,7 +4849,7 @@
           <p:cNvPr id="3" name="Content Placeholder 2">
             <a:extLst>
               <a:ext uri="{FF2B5EF4-FFF2-40B4-BE49-F238E27FC236}">
-                <a16:creationId xmlns:a16="http://schemas.microsoft.com/office/drawing/2014/main" id="{6E5BFA7D-9EB0-7B48-BD7D-C89EA2BA4294}"/>
+                <a16:creationId xmlns:a16="http://schemas.microsoft.com/office/drawing/2014/main" xmlns="" id="{6E5BFA7D-9EB0-7B48-BD7D-C89EA2BA4294}"/>
               </a:ext>
             </a:extLst>
           </p:cNvPr>
@@ -4827,7 +4904,7 @@
           <p:cNvPr id="2" name="Title 1">
             <a:extLst>
               <a:ext uri="{FF2B5EF4-FFF2-40B4-BE49-F238E27FC236}">
-                <a16:creationId xmlns:a16="http://schemas.microsoft.com/office/drawing/2014/main" id="{68484C7B-DC80-5444-AAB5-C5211BCC9220}"/>
+                <a16:creationId xmlns:a16="http://schemas.microsoft.com/office/drawing/2014/main" xmlns="" id="{68484C7B-DC80-5444-AAB5-C5211BCC9220}"/>
               </a:ext>
             </a:extLst>
           </p:cNvPr>
@@ -4843,7 +4920,11 @@
           <a:bodyPr/>
           <a:lstStyle/>
           <a:p>
-            <a:endParaRPr lang="en-US"/>
+            <a:r>
+              <a:rPr lang="en-US" dirty="0" smtClean="0"/>
+              <a:t>MCMC Convergence</a:t>
+            </a:r>
+            <a:endParaRPr lang="en-US" dirty="0"/>
           </a:p>
         </p:txBody>
       </p:sp>
@@ -4852,7 +4933,7 @@
           <p:cNvPr id="3" name="Content Placeholder 2">
             <a:extLst>
               <a:ext uri="{FF2B5EF4-FFF2-40B4-BE49-F238E27FC236}">
-                <a16:creationId xmlns:a16="http://schemas.microsoft.com/office/drawing/2014/main" id="{2B0C391B-D405-4D48-B479-3DF7D4DC04B4}"/>
+                <a16:creationId xmlns:a16="http://schemas.microsoft.com/office/drawing/2014/main" xmlns="" id="{2B0C391B-D405-4D48-B479-3DF7D4DC04B4}"/>
               </a:ext>
             </a:extLst>
           </p:cNvPr>
@@ -4868,7 +4949,19 @@
           <a:bodyPr/>
           <a:lstStyle/>
           <a:p>
-            <a:endParaRPr lang="en-US"/>
+            <a:r>
+              <a:rPr lang="en-US" dirty="0" smtClean="0"/>
+              <a:t>See </a:t>
+            </a:r>
+            <a:r>
+              <a:rPr lang="en-US" dirty="0" err="1" smtClean="0"/>
+              <a:t>Jupyter</a:t>
+            </a:r>
+            <a:r>
+              <a:rPr lang="en-US" dirty="0" smtClean="0"/>
+              <a:t> Notebook</a:t>
+            </a:r>
+            <a:endParaRPr lang="en-US" dirty="0"/>
           </a:p>
         </p:txBody>
       </p:sp>
@@ -4876,6 +4969,519 @@
     <p:extLst>
       <p:ext uri="{BB962C8B-B14F-4D97-AF65-F5344CB8AC3E}">
         <p14:creationId xmlns:p14="http://schemas.microsoft.com/office/powerpoint/2010/main" val="1513455755"/>
+      </p:ext>
+    </p:extLst>
+  </p:cSld>
+  <p:clrMapOvr>
+    <a:masterClrMapping/>
+  </p:clrMapOvr>
+</p:sld>
+</file>
+
+<file path=ppt/slides/slide6.xml><?xml version="1.0" encoding="utf-8"?>
+<p:sld xmlns:a="http://schemas.openxmlformats.org/drawingml/2006/main" xmlns:r="http://schemas.openxmlformats.org/officeDocument/2006/relationships" xmlns:p="http://schemas.openxmlformats.org/presentationml/2006/main">
+  <p:cSld>
+    <p:spTree>
+      <p:nvGrpSpPr>
+        <p:cNvPr id="1" name=""/>
+        <p:cNvGrpSpPr/>
+        <p:nvPr/>
+      </p:nvGrpSpPr>
+      <p:grpSpPr>
+        <a:xfrm>
+          <a:off x="0" y="0"/>
+          <a:ext cx="0" cy="0"/>
+          <a:chOff x="0" y="0"/>
+          <a:chExt cx="0" cy="0"/>
+        </a:xfrm>
+      </p:grpSpPr>
+      <p:sp>
+        <p:nvSpPr>
+          <p:cNvPr id="2" name="Title 1"/>
+          <p:cNvSpPr>
+            <a:spLocks noGrp="1"/>
+          </p:cNvSpPr>
+          <p:nvPr>
+            <p:ph type="title"/>
+          </p:nvPr>
+        </p:nvSpPr>
+        <p:spPr/>
+        <p:txBody>
+          <a:bodyPr/>
+          <a:lstStyle/>
+          <a:p>
+            <a:r>
+              <a:rPr lang="en-US" dirty="0" smtClean="0"/>
+              <a:t>MCMC Algorithms (board)</a:t>
+            </a:r>
+            <a:endParaRPr lang="en-US" dirty="0"/>
+          </a:p>
+        </p:txBody>
+      </p:sp>
+      <p:sp>
+        <p:nvSpPr>
+          <p:cNvPr id="3" name="Content Placeholder 2"/>
+          <p:cNvSpPr>
+            <a:spLocks noGrp="1"/>
+          </p:cNvSpPr>
+          <p:nvPr>
+            <p:ph idx="1"/>
+          </p:nvPr>
+        </p:nvSpPr>
+        <p:spPr/>
+        <p:txBody>
+          <a:bodyPr/>
+          <a:lstStyle/>
+          <a:p>
+            <a:endParaRPr lang="en-US"/>
+          </a:p>
+        </p:txBody>
+      </p:sp>
+    </p:spTree>
+    <p:extLst>
+      <p:ext uri="{BB962C8B-B14F-4D97-AF65-F5344CB8AC3E}">
+        <p14:creationId xmlns:p14="http://schemas.microsoft.com/office/powerpoint/2010/main" val="3639503432"/>
+      </p:ext>
+    </p:extLst>
+  </p:cSld>
+  <p:clrMapOvr>
+    <a:masterClrMapping/>
+  </p:clrMapOvr>
+</p:sld>
+</file>
+
+<file path=ppt/slides/slide7.xml><?xml version="1.0" encoding="utf-8"?>
+<p:sld xmlns:a="http://schemas.openxmlformats.org/drawingml/2006/main" xmlns:r="http://schemas.openxmlformats.org/officeDocument/2006/relationships" xmlns:p="http://schemas.openxmlformats.org/presentationml/2006/main">
+  <p:cSld>
+    <p:spTree>
+      <p:nvGrpSpPr>
+        <p:cNvPr id="1" name=""/>
+        <p:cNvGrpSpPr/>
+        <p:nvPr/>
+      </p:nvGrpSpPr>
+      <p:grpSpPr>
+        <a:xfrm>
+          <a:off x="0" y="0"/>
+          <a:ext cx="0" cy="0"/>
+          <a:chOff x="0" y="0"/>
+          <a:chExt cx="0" cy="0"/>
+        </a:xfrm>
+      </p:grpSpPr>
+      <p:sp>
+        <p:nvSpPr>
+          <p:cNvPr id="2" name="Title 1"/>
+          <p:cNvSpPr>
+            <a:spLocks noGrp="1"/>
+          </p:cNvSpPr>
+          <p:nvPr>
+            <p:ph type="title"/>
+          </p:nvPr>
+        </p:nvSpPr>
+        <p:spPr/>
+        <p:txBody>
+          <a:bodyPr/>
+          <a:lstStyle/>
+          <a:p>
+            <a:r>
+              <a:rPr lang="en-US" dirty="0" smtClean="0"/>
+              <a:t>Multi-modal: Parallel Tempering (1)</a:t>
+            </a:r>
+            <a:endParaRPr lang="en-US" dirty="0"/>
+          </a:p>
+        </p:txBody>
+      </p:sp>
+      <p:sp>
+        <p:nvSpPr>
+          <p:cNvPr id="3" name="Content Placeholder 2"/>
+          <p:cNvSpPr>
+            <a:spLocks noGrp="1"/>
+          </p:cNvSpPr>
+          <p:nvPr>
+            <p:ph idx="1"/>
+          </p:nvPr>
+        </p:nvSpPr>
+        <p:spPr/>
+        <p:txBody>
+          <a:bodyPr/>
+          <a:lstStyle/>
+          <a:p>
+            <a:r>
+              <a:rPr lang="en-US" dirty="0" smtClean="0"/>
+              <a:t>Run multiple simultaneous versions of your ensemble at different “temperatures”</a:t>
+            </a:r>
+          </a:p>
+          <a:p>
+            <a:r>
+              <a:rPr lang="en-US" dirty="0" smtClean="0"/>
+              <a:t>Takes your normal likelihood function and raises it to the power of 1/T, so that you are sampling from:</a:t>
+            </a:r>
+          </a:p>
+          <a:p>
+            <a:pPr marL="0" indent="0">
+              <a:buNone/>
+            </a:pPr>
+            <a:r>
+              <a:rPr lang="en-US" dirty="0" smtClean="0"/>
+              <a:t> </a:t>
+            </a:r>
+          </a:p>
+          <a:p>
+            <a:r>
+              <a:rPr lang="en-US" dirty="0" smtClean="0"/>
+              <a:t>Note that for T = 1, this is the same as before</a:t>
+            </a:r>
+          </a:p>
+          <a:p>
+            <a:r>
+              <a:rPr lang="en-US" dirty="0" smtClean="0"/>
+              <a:t>Higher temperatures (T&gt;&gt;1) flattens out the likelihood function, allows sampling across all of prior space</a:t>
+            </a:r>
+          </a:p>
+          <a:p>
+            <a:r>
+              <a:rPr lang="en-US" dirty="0" smtClean="0"/>
+              <a:t>Lower temperatures better at sampling peaks</a:t>
+            </a:r>
+          </a:p>
+          <a:p>
+            <a:endParaRPr lang="en-US" dirty="0" smtClean="0"/>
+          </a:p>
+        </p:txBody>
+      </p:sp>
+      <p:pic>
+        <p:nvPicPr>
+          <p:cNvPr id="4" name="Picture 3"/>
+          <p:cNvPicPr>
+            <a:picLocks noChangeAspect="1"/>
+          </p:cNvPicPr>
+          <p:nvPr/>
+        </p:nvPicPr>
+        <p:blipFill>
+          <a:blip r:embed="rId2"/>
+          <a:stretch>
+            <a:fillRect/>
+          </a:stretch>
+        </p:blipFill>
+        <p:spPr>
+          <a:xfrm>
+            <a:off x="7099424" y="3162939"/>
+            <a:ext cx="3810000" cy="927100"/>
+          </a:xfrm>
+          <a:prstGeom prst="rect">
+            <a:avLst/>
+          </a:prstGeom>
+        </p:spPr>
+      </p:pic>
+      <p:sp>
+        <p:nvSpPr>
+          <p:cNvPr id="5" name="TextBox 4"/>
+          <p:cNvSpPr txBox="1"/>
+          <p:nvPr/>
+        </p:nvSpPr>
+        <p:spPr>
+          <a:xfrm>
+            <a:off x="9004424" y="6369536"/>
+            <a:ext cx="3125412" cy="369332"/>
+          </a:xfrm>
+          <a:prstGeom prst="rect">
+            <a:avLst/>
+          </a:prstGeom>
+          <a:noFill/>
+        </p:spPr>
+        <p:txBody>
+          <a:bodyPr wrap="none" rtlCol="0">
+            <a:spAutoFit/>
+          </a:bodyPr>
+          <a:lstStyle/>
+          <a:p>
+            <a:r>
+              <a:rPr lang="en-US" dirty="0" err="1" smtClean="0"/>
+              <a:t>Vousden</a:t>
+            </a:r>
+            <a:r>
+              <a:rPr lang="en-US" dirty="0" smtClean="0"/>
+              <a:t> et al. 2016, MNRAS</a:t>
+            </a:r>
+            <a:endParaRPr lang="en-US" dirty="0"/>
+          </a:p>
+        </p:txBody>
+      </p:sp>
+    </p:spTree>
+    <p:extLst>
+      <p:ext uri="{BB962C8B-B14F-4D97-AF65-F5344CB8AC3E}">
+        <p14:creationId xmlns:p14="http://schemas.microsoft.com/office/powerpoint/2010/main" val="933585535"/>
+      </p:ext>
+    </p:extLst>
+  </p:cSld>
+  <p:clrMapOvr>
+    <a:masterClrMapping/>
+  </p:clrMapOvr>
+</p:sld>
+</file>
+
+<file path=ppt/slides/slide8.xml><?xml version="1.0" encoding="utf-8"?>
+<p:sld xmlns:a="http://schemas.openxmlformats.org/drawingml/2006/main" xmlns:r="http://schemas.openxmlformats.org/officeDocument/2006/relationships" xmlns:p="http://schemas.openxmlformats.org/presentationml/2006/main">
+  <p:cSld>
+    <p:spTree>
+      <p:nvGrpSpPr>
+        <p:cNvPr id="1" name=""/>
+        <p:cNvGrpSpPr/>
+        <p:nvPr/>
+      </p:nvGrpSpPr>
+      <p:grpSpPr>
+        <a:xfrm>
+          <a:off x="0" y="0"/>
+          <a:ext cx="0" cy="0"/>
+          <a:chOff x="0" y="0"/>
+          <a:chExt cx="0" cy="0"/>
+        </a:xfrm>
+      </p:grpSpPr>
+      <p:sp>
+        <p:nvSpPr>
+          <p:cNvPr id="2" name="Title 1"/>
+          <p:cNvSpPr>
+            <a:spLocks noGrp="1"/>
+          </p:cNvSpPr>
+          <p:nvPr>
+            <p:ph type="title"/>
+          </p:nvPr>
+        </p:nvSpPr>
+        <p:spPr/>
+        <p:txBody>
+          <a:bodyPr/>
+          <a:lstStyle/>
+          <a:p>
+            <a:r>
+              <a:rPr lang="en-US" dirty="0" smtClean="0"/>
+              <a:t>Parallel Tempering (2)</a:t>
+            </a:r>
+            <a:endParaRPr lang="en-US" dirty="0"/>
+          </a:p>
+        </p:txBody>
+      </p:sp>
+      <p:sp>
+        <p:nvSpPr>
+          <p:cNvPr id="3" name="Content Placeholder 2"/>
+          <p:cNvSpPr>
+            <a:spLocks noGrp="1"/>
+          </p:cNvSpPr>
+          <p:nvPr>
+            <p:ph idx="1"/>
+          </p:nvPr>
+        </p:nvSpPr>
+        <p:spPr/>
+        <p:txBody>
+          <a:bodyPr>
+            <a:normAutofit fontScale="85000" lnSpcReduction="20000"/>
+          </a:bodyPr>
+          <a:lstStyle/>
+          <a:p>
+            <a:r>
+              <a:rPr lang="en-US" dirty="0"/>
+              <a:t>Takes your normal likelihood function and raises it to the power of 1/T, so that you are sampling from:</a:t>
+            </a:r>
+          </a:p>
+          <a:p>
+            <a:pPr marL="0" indent="0">
+              <a:buNone/>
+            </a:pPr>
+            <a:r>
+              <a:rPr lang="en-US" dirty="0"/>
+              <a:t>				</a:t>
+            </a:r>
+            <a:endParaRPr lang="en-US" dirty="0" smtClean="0"/>
+          </a:p>
+          <a:p>
+            <a:pPr marL="0" indent="0">
+              <a:buNone/>
+            </a:pPr>
+            <a:r>
+              <a:rPr lang="en-US" dirty="0" smtClean="0"/>
+              <a:t> </a:t>
+            </a:r>
+          </a:p>
+          <a:p>
+            <a:r>
+              <a:rPr lang="en-US" dirty="0" smtClean="0"/>
+              <a:t>At predetermined times, the ensembles at different temperatures proposes to swap positions of their walkers which are accepted with probability (to preserve detailed balance)</a:t>
+            </a:r>
+          </a:p>
+          <a:p>
+            <a:endParaRPr lang="en-US" dirty="0" smtClean="0"/>
+          </a:p>
+          <a:p>
+            <a:endParaRPr lang="en-US" dirty="0"/>
+          </a:p>
+          <a:p>
+            <a:endParaRPr lang="en-US" dirty="0"/>
+          </a:p>
+          <a:p>
+            <a:r>
+              <a:rPr lang="en-US" dirty="0" smtClean="0"/>
+              <a:t>Note: the lowest temperature chain (base chain) is usually the actual output, the other chains are just auxiliary chains to help sample the entire prior space through these swaps</a:t>
+            </a:r>
+            <a:endParaRPr lang="en-US" dirty="0"/>
+          </a:p>
+        </p:txBody>
+      </p:sp>
+      <p:pic>
+        <p:nvPicPr>
+          <p:cNvPr id="4" name="Picture 3"/>
+          <p:cNvPicPr>
+            <a:picLocks noChangeAspect="1"/>
+          </p:cNvPicPr>
+          <p:nvPr/>
+        </p:nvPicPr>
+        <p:blipFill>
+          <a:blip r:embed="rId2"/>
+          <a:stretch>
+            <a:fillRect/>
+          </a:stretch>
+        </p:blipFill>
+        <p:spPr>
+          <a:xfrm>
+            <a:off x="5194424" y="2143745"/>
+            <a:ext cx="3810000" cy="927100"/>
+          </a:xfrm>
+          <a:prstGeom prst="rect">
+            <a:avLst/>
+          </a:prstGeom>
+        </p:spPr>
+      </p:pic>
+      <p:pic>
+        <p:nvPicPr>
+          <p:cNvPr id="5" name="Picture 4"/>
+          <p:cNvPicPr>
+            <a:picLocks noChangeAspect="1"/>
+          </p:cNvPicPr>
+          <p:nvPr/>
+        </p:nvPicPr>
+        <p:blipFill>
+          <a:blip r:embed="rId3"/>
+          <a:stretch>
+            <a:fillRect/>
+          </a:stretch>
+        </p:blipFill>
+        <p:spPr>
+          <a:xfrm>
+            <a:off x="5194424" y="3829565"/>
+            <a:ext cx="4392956" cy="1395596"/>
+          </a:xfrm>
+          <a:prstGeom prst="rect">
+            <a:avLst/>
+          </a:prstGeom>
+        </p:spPr>
+      </p:pic>
+      <p:sp>
+        <p:nvSpPr>
+          <p:cNvPr id="6" name="TextBox 5"/>
+          <p:cNvSpPr txBox="1"/>
+          <p:nvPr/>
+        </p:nvSpPr>
+        <p:spPr>
+          <a:xfrm>
+            <a:off x="9004424" y="6369536"/>
+            <a:ext cx="3125412" cy="369332"/>
+          </a:xfrm>
+          <a:prstGeom prst="rect">
+            <a:avLst/>
+          </a:prstGeom>
+          <a:noFill/>
+        </p:spPr>
+        <p:txBody>
+          <a:bodyPr wrap="none" rtlCol="0">
+            <a:spAutoFit/>
+          </a:bodyPr>
+          <a:lstStyle/>
+          <a:p>
+            <a:r>
+              <a:rPr lang="en-US" dirty="0" err="1" smtClean="0"/>
+              <a:t>Vousden</a:t>
+            </a:r>
+            <a:r>
+              <a:rPr lang="en-US" dirty="0" smtClean="0"/>
+              <a:t> et al. 2016, MNRAS</a:t>
+            </a:r>
+            <a:endParaRPr lang="en-US" dirty="0"/>
+          </a:p>
+        </p:txBody>
+      </p:sp>
+    </p:spTree>
+    <p:extLst>
+      <p:ext uri="{BB962C8B-B14F-4D97-AF65-F5344CB8AC3E}">
+        <p14:creationId xmlns:p14="http://schemas.microsoft.com/office/powerpoint/2010/main" val="2526274701"/>
+      </p:ext>
+    </p:extLst>
+  </p:cSld>
+  <p:clrMapOvr>
+    <a:masterClrMapping/>
+  </p:clrMapOvr>
+</p:sld>
+</file>
+
+<file path=ppt/slides/slide9.xml><?xml version="1.0" encoding="utf-8"?>
+<p:sld xmlns:a="http://schemas.openxmlformats.org/drawingml/2006/main" xmlns:r="http://schemas.openxmlformats.org/officeDocument/2006/relationships" xmlns:p="http://schemas.openxmlformats.org/presentationml/2006/main">
+  <p:cSld>
+    <p:spTree>
+      <p:nvGrpSpPr>
+        <p:cNvPr id="1" name=""/>
+        <p:cNvGrpSpPr/>
+        <p:nvPr/>
+      </p:nvGrpSpPr>
+      <p:grpSpPr>
+        <a:xfrm>
+          <a:off x="0" y="0"/>
+          <a:ext cx="0" cy="0"/>
+          <a:chOff x="0" y="0"/>
+          <a:chExt cx="0" cy="0"/>
+        </a:xfrm>
+      </p:grpSpPr>
+      <p:sp>
+        <p:nvSpPr>
+          <p:cNvPr id="2" name="Title 1"/>
+          <p:cNvSpPr>
+            <a:spLocks noGrp="1"/>
+          </p:cNvSpPr>
+          <p:nvPr>
+            <p:ph type="title"/>
+          </p:nvPr>
+        </p:nvSpPr>
+        <p:spPr/>
+        <p:txBody>
+          <a:bodyPr/>
+          <a:lstStyle/>
+          <a:p>
+            <a:r>
+              <a:rPr lang="en-US" dirty="0" smtClean="0"/>
+              <a:t>Parallel Tempering (Notebook)</a:t>
+            </a:r>
+            <a:endParaRPr lang="en-US" dirty="0"/>
+          </a:p>
+        </p:txBody>
+      </p:sp>
+      <p:sp>
+        <p:nvSpPr>
+          <p:cNvPr id="3" name="Content Placeholder 2"/>
+          <p:cNvSpPr>
+            <a:spLocks noGrp="1"/>
+          </p:cNvSpPr>
+          <p:nvPr>
+            <p:ph idx="1"/>
+          </p:nvPr>
+        </p:nvSpPr>
+        <p:spPr/>
+        <p:txBody>
+          <a:bodyPr/>
+          <a:lstStyle/>
+          <a:p>
+            <a:endParaRPr lang="en-US"/>
+          </a:p>
+        </p:txBody>
+      </p:sp>
+    </p:spTree>
+    <p:extLst>
+      <p:ext uri="{BB962C8B-B14F-4D97-AF65-F5344CB8AC3E}">
+        <p14:creationId xmlns:p14="http://schemas.microsoft.com/office/powerpoint/2010/main" val="4232928735"/>
       </p:ext>
     </p:extLst>
   </p:cSld>
@@ -5141,7 +5747,7 @@
   <a:extraClrSchemeLst/>
   <a:extLst>
     <a:ext uri="{05A4C25C-085E-4340-85A3-A5531E510DB2}">
-      <thm15:themeFamily xmlns:thm15="http://schemas.microsoft.com/office/thememl/2012/main" name="Office Theme" id="{62F939B6-93AF-4DB8-9C6B-D6C7DFDC589F}" vid="{4A3C46E8-61CC-4603-A589-7422A47A8E4A}"/>
+      <thm15:themeFamily xmlns:thm15="http://schemas.microsoft.com/office/thememl/2012/main" xmlns="" name="Office Theme" id="{62F939B6-93AF-4DB8-9C6B-D6C7DFDC589F}" vid="{4A3C46E8-61CC-4603-A589-7422A47A8E4A}"/>
     </a:ext>
   </a:extLst>
 </a:theme>
@@ -5436,7 +6042,7 @@
   <a:extraClrSchemeLst/>
   <a:extLst>
     <a:ext uri="{05A4C25C-085E-4340-85A3-A5531E510DB2}">
-      <thm15:themeFamily xmlns:thm15="http://schemas.microsoft.com/office/thememl/2012/main" name="Office Theme" id="{62F939B6-93AF-4DB8-9C6B-D6C7DFDC589F}" vid="{4A3C46E8-61CC-4603-A589-7422A47A8E4A}"/>
+      <thm15:themeFamily xmlns:thm15="http://schemas.microsoft.com/office/thememl/2012/main" xmlns="" name="Office Theme" id="{62F939B6-93AF-4DB8-9C6B-D6C7DFDC589F}" vid="{4A3C46E8-61CC-4603-A589-7422A47A8E4A}"/>
     </a:ext>
   </a:extLst>
 </a:theme>

--- a/Session2/slides.pptx
+++ b/Session2/slides.pptx
@@ -5,7 +5,7 @@
     <p:sldMasterId id="2147483648" r:id="rId1"/>
   </p:sldMasterIdLst>
   <p:notesMasterIdLst>
-    <p:notesMasterId r:id="rId12"/>
+    <p:notesMasterId r:id="rId20"/>
   </p:notesMasterIdLst>
   <p:sldIdLst>
     <p:sldId id="256" r:id="rId2"/>
@@ -18,6 +18,14 @@
     <p:sldId id="280" r:id="rId9"/>
     <p:sldId id="281" r:id="rId10"/>
     <p:sldId id="282" r:id="rId11"/>
+    <p:sldId id="283" r:id="rId12"/>
+    <p:sldId id="284" r:id="rId13"/>
+    <p:sldId id="285" r:id="rId14"/>
+    <p:sldId id="286" r:id="rId15"/>
+    <p:sldId id="287" r:id="rId16"/>
+    <p:sldId id="288" r:id="rId17"/>
+    <p:sldId id="289" r:id="rId18"/>
+    <p:sldId id="290" r:id="rId19"/>
   </p:sldIdLst>
   <p:sldSz cx="12192000" cy="6858000"/>
   <p:notesSz cx="6858000" cy="9144000"/>
@@ -118,7 +126,7 @@
   </p:defaultTextStyle>
   <p:extLst>
     <p:ext uri="{EFAFB233-063F-42B5-8137-9DF3F51BA10A}">
-      <p15:sldGuideLst xmlns:p15="http://schemas.microsoft.com/office/powerpoint/2012/main" xmlns="">
+      <p15:sldGuideLst xmlns:p15="http://schemas.microsoft.com/office/powerpoint/2012/main">
         <p15:guide id="1" orient="horz" pos="2160">
           <p15:clr>
             <a:srgbClr val="A4A3A4"/>
@@ -217,7 +225,7 @@
           <a:p>
             <a:fld id="{AEFA11D6-7B71-5242-9038-FE53A15D0B92}" type="datetimeFigureOut">
               <a:rPr lang="en-US" smtClean="0"/>
-              <a:t>2/14/19</a:t>
+              <a:t>2/15/19</a:t>
             </a:fld>
             <a:endParaRPr lang="en-US"/>
           </a:p>
@@ -593,7 +601,7 @@
           <p:cNvPr id="2" name="Title 1">
             <a:extLst>
               <a:ext uri="{FF2B5EF4-FFF2-40B4-BE49-F238E27FC236}">
-                <a16:creationId xmlns:a16="http://schemas.microsoft.com/office/drawing/2014/main" xmlns="" id="{2F723727-FD0F-E345-BA5D-16C7AE0ABA05}"/>
+                <a16:creationId xmlns:a16="http://schemas.microsoft.com/office/drawing/2014/main" id="{2F723727-FD0F-E345-BA5D-16C7AE0ABA05}"/>
               </a:ext>
             </a:extLst>
           </p:cNvPr>
@@ -630,7 +638,7 @@
           <p:cNvPr id="3" name="Subtitle 2">
             <a:extLst>
               <a:ext uri="{FF2B5EF4-FFF2-40B4-BE49-F238E27FC236}">
-                <a16:creationId xmlns:a16="http://schemas.microsoft.com/office/drawing/2014/main" xmlns="" id="{169B7B10-3405-5E41-ADA1-4F73455608F0}"/>
+                <a16:creationId xmlns:a16="http://schemas.microsoft.com/office/drawing/2014/main" id="{169B7B10-3405-5E41-ADA1-4F73455608F0}"/>
               </a:ext>
             </a:extLst>
           </p:cNvPr>
@@ -700,7 +708,7 @@
           <p:cNvPr id="4" name="Date Placeholder 3">
             <a:extLst>
               <a:ext uri="{FF2B5EF4-FFF2-40B4-BE49-F238E27FC236}">
-                <a16:creationId xmlns:a16="http://schemas.microsoft.com/office/drawing/2014/main" xmlns="" id="{D6B693D9-AEF2-A545-BDCA-29EC3C29EC2F}"/>
+                <a16:creationId xmlns:a16="http://schemas.microsoft.com/office/drawing/2014/main" id="{D6B693D9-AEF2-A545-BDCA-29EC3C29EC2F}"/>
               </a:ext>
             </a:extLst>
           </p:cNvPr>
@@ -718,7 +726,7 @@
           <a:p>
             <a:fld id="{3A873540-D282-0C47-9A35-4BAD872DA9E7}" type="datetimeFigureOut">
               <a:rPr lang="en-US" smtClean="0"/>
-              <a:t>2/14/19</a:t>
+              <a:t>2/15/19</a:t>
             </a:fld>
             <a:endParaRPr lang="en-US"/>
           </a:p>
@@ -729,7 +737,7 @@
           <p:cNvPr id="5" name="Footer Placeholder 4">
             <a:extLst>
               <a:ext uri="{FF2B5EF4-FFF2-40B4-BE49-F238E27FC236}">
-                <a16:creationId xmlns:a16="http://schemas.microsoft.com/office/drawing/2014/main" xmlns="" id="{039DD7B1-B1A6-4F46-9DFF-81FF8C6ECDC7}"/>
+                <a16:creationId xmlns:a16="http://schemas.microsoft.com/office/drawing/2014/main" id="{039DD7B1-B1A6-4F46-9DFF-81FF8C6ECDC7}"/>
               </a:ext>
             </a:extLst>
           </p:cNvPr>
@@ -754,7 +762,7 @@
           <p:cNvPr id="6" name="Slide Number Placeholder 5">
             <a:extLst>
               <a:ext uri="{FF2B5EF4-FFF2-40B4-BE49-F238E27FC236}">
-                <a16:creationId xmlns:a16="http://schemas.microsoft.com/office/drawing/2014/main" xmlns="" id="{1D1E06AB-9084-4049-94AD-BFBB60C343C8}"/>
+                <a16:creationId xmlns:a16="http://schemas.microsoft.com/office/drawing/2014/main" id="{1D1E06AB-9084-4049-94AD-BFBB60C343C8}"/>
               </a:ext>
             </a:extLst>
           </p:cNvPr>
@@ -813,7 +821,7 @@
           <p:cNvPr id="2" name="Title 1">
             <a:extLst>
               <a:ext uri="{FF2B5EF4-FFF2-40B4-BE49-F238E27FC236}">
-                <a16:creationId xmlns:a16="http://schemas.microsoft.com/office/drawing/2014/main" xmlns="" id="{6E65191E-4526-334B-9995-0AEECC164517}"/>
+                <a16:creationId xmlns:a16="http://schemas.microsoft.com/office/drawing/2014/main" id="{6E65191E-4526-334B-9995-0AEECC164517}"/>
               </a:ext>
             </a:extLst>
           </p:cNvPr>
@@ -841,7 +849,7 @@
           <p:cNvPr id="3" name="Vertical Text Placeholder 2">
             <a:extLst>
               <a:ext uri="{FF2B5EF4-FFF2-40B4-BE49-F238E27FC236}">
-                <a16:creationId xmlns:a16="http://schemas.microsoft.com/office/drawing/2014/main" xmlns="" id="{30A9975F-3FD6-4A4E-8A66-55B20918BD69}"/>
+                <a16:creationId xmlns:a16="http://schemas.microsoft.com/office/drawing/2014/main" id="{30A9975F-3FD6-4A4E-8A66-55B20918BD69}"/>
               </a:ext>
             </a:extLst>
           </p:cNvPr>
@@ -898,7 +906,7 @@
           <p:cNvPr id="4" name="Date Placeholder 3">
             <a:extLst>
               <a:ext uri="{FF2B5EF4-FFF2-40B4-BE49-F238E27FC236}">
-                <a16:creationId xmlns:a16="http://schemas.microsoft.com/office/drawing/2014/main" xmlns="" id="{1769BC02-A778-C74E-9F94-C1D89BA57810}"/>
+                <a16:creationId xmlns:a16="http://schemas.microsoft.com/office/drawing/2014/main" id="{1769BC02-A778-C74E-9F94-C1D89BA57810}"/>
               </a:ext>
             </a:extLst>
           </p:cNvPr>
@@ -916,7 +924,7 @@
           <a:p>
             <a:fld id="{3A873540-D282-0C47-9A35-4BAD872DA9E7}" type="datetimeFigureOut">
               <a:rPr lang="en-US" smtClean="0"/>
-              <a:t>2/14/19</a:t>
+              <a:t>2/15/19</a:t>
             </a:fld>
             <a:endParaRPr lang="en-US"/>
           </a:p>
@@ -927,7 +935,7 @@
           <p:cNvPr id="5" name="Footer Placeholder 4">
             <a:extLst>
               <a:ext uri="{FF2B5EF4-FFF2-40B4-BE49-F238E27FC236}">
-                <a16:creationId xmlns:a16="http://schemas.microsoft.com/office/drawing/2014/main" xmlns="" id="{B737946F-E8FC-9E4E-AB08-CE681BB54648}"/>
+                <a16:creationId xmlns:a16="http://schemas.microsoft.com/office/drawing/2014/main" id="{B737946F-E8FC-9E4E-AB08-CE681BB54648}"/>
               </a:ext>
             </a:extLst>
           </p:cNvPr>
@@ -952,7 +960,7 @@
           <p:cNvPr id="6" name="Slide Number Placeholder 5">
             <a:extLst>
               <a:ext uri="{FF2B5EF4-FFF2-40B4-BE49-F238E27FC236}">
-                <a16:creationId xmlns:a16="http://schemas.microsoft.com/office/drawing/2014/main" xmlns="" id="{DF5CDAE0-9330-8E40-B8A8-4C54C71B9D45}"/>
+                <a16:creationId xmlns:a16="http://schemas.microsoft.com/office/drawing/2014/main" id="{DF5CDAE0-9330-8E40-B8A8-4C54C71B9D45}"/>
               </a:ext>
             </a:extLst>
           </p:cNvPr>
@@ -1011,7 +1019,7 @@
           <p:cNvPr id="2" name="Vertical Title 1">
             <a:extLst>
               <a:ext uri="{FF2B5EF4-FFF2-40B4-BE49-F238E27FC236}">
-                <a16:creationId xmlns:a16="http://schemas.microsoft.com/office/drawing/2014/main" xmlns="" id="{441C6E84-8DE6-A748-83AE-0F3BB0C28DCF}"/>
+                <a16:creationId xmlns:a16="http://schemas.microsoft.com/office/drawing/2014/main" id="{441C6E84-8DE6-A748-83AE-0F3BB0C28DCF}"/>
               </a:ext>
             </a:extLst>
           </p:cNvPr>
@@ -1044,7 +1052,7 @@
           <p:cNvPr id="3" name="Vertical Text Placeholder 2">
             <a:extLst>
               <a:ext uri="{FF2B5EF4-FFF2-40B4-BE49-F238E27FC236}">
-                <a16:creationId xmlns:a16="http://schemas.microsoft.com/office/drawing/2014/main" xmlns="" id="{797671EE-305B-B646-BC61-C2FA6868F404}"/>
+                <a16:creationId xmlns:a16="http://schemas.microsoft.com/office/drawing/2014/main" id="{797671EE-305B-B646-BC61-C2FA6868F404}"/>
               </a:ext>
             </a:extLst>
           </p:cNvPr>
@@ -1106,7 +1114,7 @@
           <p:cNvPr id="4" name="Date Placeholder 3">
             <a:extLst>
               <a:ext uri="{FF2B5EF4-FFF2-40B4-BE49-F238E27FC236}">
-                <a16:creationId xmlns:a16="http://schemas.microsoft.com/office/drawing/2014/main" xmlns="" id="{3A8BB137-AFEA-5646-AF9E-A2DBEBDA38CE}"/>
+                <a16:creationId xmlns:a16="http://schemas.microsoft.com/office/drawing/2014/main" id="{3A8BB137-AFEA-5646-AF9E-A2DBEBDA38CE}"/>
               </a:ext>
             </a:extLst>
           </p:cNvPr>
@@ -1124,7 +1132,7 @@
           <a:p>
             <a:fld id="{3A873540-D282-0C47-9A35-4BAD872DA9E7}" type="datetimeFigureOut">
               <a:rPr lang="en-US" smtClean="0"/>
-              <a:t>2/14/19</a:t>
+              <a:t>2/15/19</a:t>
             </a:fld>
             <a:endParaRPr lang="en-US"/>
           </a:p>
@@ -1135,7 +1143,7 @@
           <p:cNvPr id="5" name="Footer Placeholder 4">
             <a:extLst>
               <a:ext uri="{FF2B5EF4-FFF2-40B4-BE49-F238E27FC236}">
-                <a16:creationId xmlns:a16="http://schemas.microsoft.com/office/drawing/2014/main" xmlns="" id="{6EF96D24-8786-4747-9D0A-233D272EC0BA}"/>
+                <a16:creationId xmlns:a16="http://schemas.microsoft.com/office/drawing/2014/main" id="{6EF96D24-8786-4747-9D0A-233D272EC0BA}"/>
               </a:ext>
             </a:extLst>
           </p:cNvPr>
@@ -1160,7 +1168,7 @@
           <p:cNvPr id="6" name="Slide Number Placeholder 5">
             <a:extLst>
               <a:ext uri="{FF2B5EF4-FFF2-40B4-BE49-F238E27FC236}">
-                <a16:creationId xmlns:a16="http://schemas.microsoft.com/office/drawing/2014/main" xmlns="" id="{B4606A59-F872-DA44-9AD9-336532CDA85E}"/>
+                <a16:creationId xmlns:a16="http://schemas.microsoft.com/office/drawing/2014/main" id="{B4606A59-F872-DA44-9AD9-336532CDA85E}"/>
               </a:ext>
             </a:extLst>
           </p:cNvPr>
@@ -1219,7 +1227,7 @@
           <p:cNvPr id="2" name="Title 1">
             <a:extLst>
               <a:ext uri="{FF2B5EF4-FFF2-40B4-BE49-F238E27FC236}">
-                <a16:creationId xmlns:a16="http://schemas.microsoft.com/office/drawing/2014/main" xmlns="" id="{DF472BF1-F24C-BB4B-99ED-93F5EE675895}"/>
+                <a16:creationId xmlns:a16="http://schemas.microsoft.com/office/drawing/2014/main" id="{DF472BF1-F24C-BB4B-99ED-93F5EE675895}"/>
               </a:ext>
             </a:extLst>
           </p:cNvPr>
@@ -1247,7 +1255,7 @@
           <p:cNvPr id="3" name="Content Placeholder 2">
             <a:extLst>
               <a:ext uri="{FF2B5EF4-FFF2-40B4-BE49-F238E27FC236}">
-                <a16:creationId xmlns:a16="http://schemas.microsoft.com/office/drawing/2014/main" xmlns="" id="{552B67B2-C3D7-2F40-88A3-6CCE1C701D27}"/>
+                <a16:creationId xmlns:a16="http://schemas.microsoft.com/office/drawing/2014/main" id="{552B67B2-C3D7-2F40-88A3-6CCE1C701D27}"/>
               </a:ext>
             </a:extLst>
           </p:cNvPr>
@@ -1304,7 +1312,7 @@
           <p:cNvPr id="4" name="Date Placeholder 3">
             <a:extLst>
               <a:ext uri="{FF2B5EF4-FFF2-40B4-BE49-F238E27FC236}">
-                <a16:creationId xmlns:a16="http://schemas.microsoft.com/office/drawing/2014/main" xmlns="" id="{0B930B2B-FEF1-DE42-941F-DD026BB4AA45}"/>
+                <a16:creationId xmlns:a16="http://schemas.microsoft.com/office/drawing/2014/main" id="{0B930B2B-FEF1-DE42-941F-DD026BB4AA45}"/>
               </a:ext>
             </a:extLst>
           </p:cNvPr>
@@ -1322,7 +1330,7 @@
           <a:p>
             <a:fld id="{3A873540-D282-0C47-9A35-4BAD872DA9E7}" type="datetimeFigureOut">
               <a:rPr lang="en-US" smtClean="0"/>
-              <a:t>2/14/19</a:t>
+              <a:t>2/15/19</a:t>
             </a:fld>
             <a:endParaRPr lang="en-US"/>
           </a:p>
@@ -1333,7 +1341,7 @@
           <p:cNvPr id="5" name="Footer Placeholder 4">
             <a:extLst>
               <a:ext uri="{FF2B5EF4-FFF2-40B4-BE49-F238E27FC236}">
-                <a16:creationId xmlns:a16="http://schemas.microsoft.com/office/drawing/2014/main" xmlns="" id="{54526F13-72DB-5E40-860D-3FBAB56D95F9}"/>
+                <a16:creationId xmlns:a16="http://schemas.microsoft.com/office/drawing/2014/main" id="{54526F13-72DB-5E40-860D-3FBAB56D95F9}"/>
               </a:ext>
             </a:extLst>
           </p:cNvPr>
@@ -1358,7 +1366,7 @@
           <p:cNvPr id="6" name="Slide Number Placeholder 5">
             <a:extLst>
               <a:ext uri="{FF2B5EF4-FFF2-40B4-BE49-F238E27FC236}">
-                <a16:creationId xmlns:a16="http://schemas.microsoft.com/office/drawing/2014/main" xmlns="" id="{A11AD1F7-0C7C-354A-84FA-41D663E915C1}"/>
+                <a16:creationId xmlns:a16="http://schemas.microsoft.com/office/drawing/2014/main" id="{A11AD1F7-0C7C-354A-84FA-41D663E915C1}"/>
               </a:ext>
             </a:extLst>
           </p:cNvPr>
@@ -1417,7 +1425,7 @@
           <p:cNvPr id="2" name="Title 1">
             <a:extLst>
               <a:ext uri="{FF2B5EF4-FFF2-40B4-BE49-F238E27FC236}">
-                <a16:creationId xmlns:a16="http://schemas.microsoft.com/office/drawing/2014/main" xmlns="" id="{526091DF-5BA2-274A-B69A-982701C36D6D}"/>
+                <a16:creationId xmlns:a16="http://schemas.microsoft.com/office/drawing/2014/main" id="{526091DF-5BA2-274A-B69A-982701C36D6D}"/>
               </a:ext>
             </a:extLst>
           </p:cNvPr>
@@ -1454,7 +1462,7 @@
           <p:cNvPr id="3" name="Text Placeholder 2">
             <a:extLst>
               <a:ext uri="{FF2B5EF4-FFF2-40B4-BE49-F238E27FC236}">
-                <a16:creationId xmlns:a16="http://schemas.microsoft.com/office/drawing/2014/main" xmlns="" id="{A629624E-F879-A448-95CA-AB5B41C4BB74}"/>
+                <a16:creationId xmlns:a16="http://schemas.microsoft.com/office/drawing/2014/main" id="{A629624E-F879-A448-95CA-AB5B41C4BB74}"/>
               </a:ext>
             </a:extLst>
           </p:cNvPr>
@@ -1579,7 +1587,7 @@
           <p:cNvPr id="4" name="Date Placeholder 3">
             <a:extLst>
               <a:ext uri="{FF2B5EF4-FFF2-40B4-BE49-F238E27FC236}">
-                <a16:creationId xmlns:a16="http://schemas.microsoft.com/office/drawing/2014/main" xmlns="" id="{6FDD7A01-683C-E644-9237-57CD6ADDD166}"/>
+                <a16:creationId xmlns:a16="http://schemas.microsoft.com/office/drawing/2014/main" id="{6FDD7A01-683C-E644-9237-57CD6ADDD166}"/>
               </a:ext>
             </a:extLst>
           </p:cNvPr>
@@ -1597,7 +1605,7 @@
           <a:p>
             <a:fld id="{3A873540-D282-0C47-9A35-4BAD872DA9E7}" type="datetimeFigureOut">
               <a:rPr lang="en-US" smtClean="0"/>
-              <a:t>2/14/19</a:t>
+              <a:t>2/15/19</a:t>
             </a:fld>
             <a:endParaRPr lang="en-US"/>
           </a:p>
@@ -1608,7 +1616,7 @@
           <p:cNvPr id="5" name="Footer Placeholder 4">
             <a:extLst>
               <a:ext uri="{FF2B5EF4-FFF2-40B4-BE49-F238E27FC236}">
-                <a16:creationId xmlns:a16="http://schemas.microsoft.com/office/drawing/2014/main" xmlns="" id="{ADC75F60-CB69-1047-8550-6DFFA205F60F}"/>
+                <a16:creationId xmlns:a16="http://schemas.microsoft.com/office/drawing/2014/main" id="{ADC75F60-CB69-1047-8550-6DFFA205F60F}"/>
               </a:ext>
             </a:extLst>
           </p:cNvPr>
@@ -1633,7 +1641,7 @@
           <p:cNvPr id="6" name="Slide Number Placeholder 5">
             <a:extLst>
               <a:ext uri="{FF2B5EF4-FFF2-40B4-BE49-F238E27FC236}">
-                <a16:creationId xmlns:a16="http://schemas.microsoft.com/office/drawing/2014/main" xmlns="" id="{EA0F37EE-EEB6-7C44-ACDD-D7067CC17A7B}"/>
+                <a16:creationId xmlns:a16="http://schemas.microsoft.com/office/drawing/2014/main" id="{EA0F37EE-EEB6-7C44-ACDD-D7067CC17A7B}"/>
               </a:ext>
             </a:extLst>
           </p:cNvPr>
@@ -1692,7 +1700,7 @@
           <p:cNvPr id="2" name="Title 1">
             <a:extLst>
               <a:ext uri="{FF2B5EF4-FFF2-40B4-BE49-F238E27FC236}">
-                <a16:creationId xmlns:a16="http://schemas.microsoft.com/office/drawing/2014/main" xmlns="" id="{7E92A49A-BB5C-F043-8F9E-75316CAF0319}"/>
+                <a16:creationId xmlns:a16="http://schemas.microsoft.com/office/drawing/2014/main" id="{7E92A49A-BB5C-F043-8F9E-75316CAF0319}"/>
               </a:ext>
             </a:extLst>
           </p:cNvPr>
@@ -1720,7 +1728,7 @@
           <p:cNvPr id="3" name="Content Placeholder 2">
             <a:extLst>
               <a:ext uri="{FF2B5EF4-FFF2-40B4-BE49-F238E27FC236}">
-                <a16:creationId xmlns:a16="http://schemas.microsoft.com/office/drawing/2014/main" xmlns="" id="{0624756D-A887-6D4F-826B-333EE946E897}"/>
+                <a16:creationId xmlns:a16="http://schemas.microsoft.com/office/drawing/2014/main" id="{0624756D-A887-6D4F-826B-333EE946E897}"/>
               </a:ext>
             </a:extLst>
           </p:cNvPr>
@@ -1782,7 +1790,7 @@
           <p:cNvPr id="4" name="Content Placeholder 3">
             <a:extLst>
               <a:ext uri="{FF2B5EF4-FFF2-40B4-BE49-F238E27FC236}">
-                <a16:creationId xmlns:a16="http://schemas.microsoft.com/office/drawing/2014/main" xmlns="" id="{2F341C56-93B1-AB49-B6C4-77DDB6B21BC5}"/>
+                <a16:creationId xmlns:a16="http://schemas.microsoft.com/office/drawing/2014/main" id="{2F341C56-93B1-AB49-B6C4-77DDB6B21BC5}"/>
               </a:ext>
             </a:extLst>
           </p:cNvPr>
@@ -1844,7 +1852,7 @@
           <p:cNvPr id="5" name="Date Placeholder 4">
             <a:extLst>
               <a:ext uri="{FF2B5EF4-FFF2-40B4-BE49-F238E27FC236}">
-                <a16:creationId xmlns:a16="http://schemas.microsoft.com/office/drawing/2014/main" xmlns="" id="{EC948F20-68E0-0B49-8FD5-270C669B84FE}"/>
+                <a16:creationId xmlns:a16="http://schemas.microsoft.com/office/drawing/2014/main" id="{EC948F20-68E0-0B49-8FD5-270C669B84FE}"/>
               </a:ext>
             </a:extLst>
           </p:cNvPr>
@@ -1862,7 +1870,7 @@
           <a:p>
             <a:fld id="{3A873540-D282-0C47-9A35-4BAD872DA9E7}" type="datetimeFigureOut">
               <a:rPr lang="en-US" smtClean="0"/>
-              <a:t>2/14/19</a:t>
+              <a:t>2/15/19</a:t>
             </a:fld>
             <a:endParaRPr lang="en-US"/>
           </a:p>
@@ -1873,7 +1881,7 @@
           <p:cNvPr id="6" name="Footer Placeholder 5">
             <a:extLst>
               <a:ext uri="{FF2B5EF4-FFF2-40B4-BE49-F238E27FC236}">
-                <a16:creationId xmlns:a16="http://schemas.microsoft.com/office/drawing/2014/main" xmlns="" id="{1D006176-B583-594D-B68E-6985140CA6B3}"/>
+                <a16:creationId xmlns:a16="http://schemas.microsoft.com/office/drawing/2014/main" id="{1D006176-B583-594D-B68E-6985140CA6B3}"/>
               </a:ext>
             </a:extLst>
           </p:cNvPr>
@@ -1898,7 +1906,7 @@
           <p:cNvPr id="7" name="Slide Number Placeholder 6">
             <a:extLst>
               <a:ext uri="{FF2B5EF4-FFF2-40B4-BE49-F238E27FC236}">
-                <a16:creationId xmlns:a16="http://schemas.microsoft.com/office/drawing/2014/main" xmlns="" id="{795F04A6-97C7-E743-A2A6-1251161A1A08}"/>
+                <a16:creationId xmlns:a16="http://schemas.microsoft.com/office/drawing/2014/main" id="{795F04A6-97C7-E743-A2A6-1251161A1A08}"/>
               </a:ext>
             </a:extLst>
           </p:cNvPr>
@@ -1957,7 +1965,7 @@
           <p:cNvPr id="2" name="Title 1">
             <a:extLst>
               <a:ext uri="{FF2B5EF4-FFF2-40B4-BE49-F238E27FC236}">
-                <a16:creationId xmlns:a16="http://schemas.microsoft.com/office/drawing/2014/main" xmlns="" id="{49F8D47D-11C3-DA4D-8EC7-24B43F0EA2D0}"/>
+                <a16:creationId xmlns:a16="http://schemas.microsoft.com/office/drawing/2014/main" id="{49F8D47D-11C3-DA4D-8EC7-24B43F0EA2D0}"/>
               </a:ext>
             </a:extLst>
           </p:cNvPr>
@@ -1990,7 +1998,7 @@
           <p:cNvPr id="3" name="Text Placeholder 2">
             <a:extLst>
               <a:ext uri="{FF2B5EF4-FFF2-40B4-BE49-F238E27FC236}">
-                <a16:creationId xmlns:a16="http://schemas.microsoft.com/office/drawing/2014/main" xmlns="" id="{CA73A14D-8AE9-6B4F-B69A-D63B48A0A8F9}"/>
+                <a16:creationId xmlns:a16="http://schemas.microsoft.com/office/drawing/2014/main" id="{CA73A14D-8AE9-6B4F-B69A-D63B48A0A8F9}"/>
               </a:ext>
             </a:extLst>
           </p:cNvPr>
@@ -2061,7 +2069,7 @@
           <p:cNvPr id="4" name="Content Placeholder 3">
             <a:extLst>
               <a:ext uri="{FF2B5EF4-FFF2-40B4-BE49-F238E27FC236}">
-                <a16:creationId xmlns:a16="http://schemas.microsoft.com/office/drawing/2014/main" xmlns="" id="{13580239-6638-1F4D-9A6A-FA7C758A578E}"/>
+                <a16:creationId xmlns:a16="http://schemas.microsoft.com/office/drawing/2014/main" id="{13580239-6638-1F4D-9A6A-FA7C758A578E}"/>
               </a:ext>
             </a:extLst>
           </p:cNvPr>
@@ -2123,7 +2131,7 @@
           <p:cNvPr id="5" name="Text Placeholder 4">
             <a:extLst>
               <a:ext uri="{FF2B5EF4-FFF2-40B4-BE49-F238E27FC236}">
-                <a16:creationId xmlns:a16="http://schemas.microsoft.com/office/drawing/2014/main" xmlns="" id="{C1929276-65FB-7D47-BA9E-BF77885E8CA7}"/>
+                <a16:creationId xmlns:a16="http://schemas.microsoft.com/office/drawing/2014/main" id="{C1929276-65FB-7D47-BA9E-BF77885E8CA7}"/>
               </a:ext>
             </a:extLst>
           </p:cNvPr>
@@ -2194,7 +2202,7 @@
           <p:cNvPr id="6" name="Content Placeholder 5">
             <a:extLst>
               <a:ext uri="{FF2B5EF4-FFF2-40B4-BE49-F238E27FC236}">
-                <a16:creationId xmlns:a16="http://schemas.microsoft.com/office/drawing/2014/main" xmlns="" id="{5AA151F4-4A3C-2046-B589-BD1250AEF1D7}"/>
+                <a16:creationId xmlns:a16="http://schemas.microsoft.com/office/drawing/2014/main" id="{5AA151F4-4A3C-2046-B589-BD1250AEF1D7}"/>
               </a:ext>
             </a:extLst>
           </p:cNvPr>
@@ -2256,7 +2264,7 @@
           <p:cNvPr id="7" name="Date Placeholder 6">
             <a:extLst>
               <a:ext uri="{FF2B5EF4-FFF2-40B4-BE49-F238E27FC236}">
-                <a16:creationId xmlns:a16="http://schemas.microsoft.com/office/drawing/2014/main" xmlns="" id="{8BF7F29F-F4E0-634D-9226-7DDC352AC0A0}"/>
+                <a16:creationId xmlns:a16="http://schemas.microsoft.com/office/drawing/2014/main" id="{8BF7F29F-F4E0-634D-9226-7DDC352AC0A0}"/>
               </a:ext>
             </a:extLst>
           </p:cNvPr>
@@ -2274,7 +2282,7 @@
           <a:p>
             <a:fld id="{3A873540-D282-0C47-9A35-4BAD872DA9E7}" type="datetimeFigureOut">
               <a:rPr lang="en-US" smtClean="0"/>
-              <a:t>2/14/19</a:t>
+              <a:t>2/15/19</a:t>
             </a:fld>
             <a:endParaRPr lang="en-US"/>
           </a:p>
@@ -2285,7 +2293,7 @@
           <p:cNvPr id="8" name="Footer Placeholder 7">
             <a:extLst>
               <a:ext uri="{FF2B5EF4-FFF2-40B4-BE49-F238E27FC236}">
-                <a16:creationId xmlns:a16="http://schemas.microsoft.com/office/drawing/2014/main" xmlns="" id="{00DFE62A-EE74-D947-BDA8-C65169E062EC}"/>
+                <a16:creationId xmlns:a16="http://schemas.microsoft.com/office/drawing/2014/main" id="{00DFE62A-EE74-D947-BDA8-C65169E062EC}"/>
               </a:ext>
             </a:extLst>
           </p:cNvPr>
@@ -2310,7 +2318,7 @@
           <p:cNvPr id="9" name="Slide Number Placeholder 8">
             <a:extLst>
               <a:ext uri="{FF2B5EF4-FFF2-40B4-BE49-F238E27FC236}">
-                <a16:creationId xmlns:a16="http://schemas.microsoft.com/office/drawing/2014/main" xmlns="" id="{B4F4C4B7-B999-B84B-AA31-488AFDD25C49}"/>
+                <a16:creationId xmlns:a16="http://schemas.microsoft.com/office/drawing/2014/main" id="{B4F4C4B7-B999-B84B-AA31-488AFDD25C49}"/>
               </a:ext>
             </a:extLst>
           </p:cNvPr>
@@ -2369,7 +2377,7 @@
           <p:cNvPr id="2" name="Title 1">
             <a:extLst>
               <a:ext uri="{FF2B5EF4-FFF2-40B4-BE49-F238E27FC236}">
-                <a16:creationId xmlns:a16="http://schemas.microsoft.com/office/drawing/2014/main" xmlns="" id="{B60657D0-E7EF-E547-B2BB-A546520D70EF}"/>
+                <a16:creationId xmlns:a16="http://schemas.microsoft.com/office/drawing/2014/main" id="{B60657D0-E7EF-E547-B2BB-A546520D70EF}"/>
               </a:ext>
             </a:extLst>
           </p:cNvPr>
@@ -2397,7 +2405,7 @@
           <p:cNvPr id="3" name="Date Placeholder 2">
             <a:extLst>
               <a:ext uri="{FF2B5EF4-FFF2-40B4-BE49-F238E27FC236}">
-                <a16:creationId xmlns:a16="http://schemas.microsoft.com/office/drawing/2014/main" xmlns="" id="{F48331F0-8530-7444-8584-761CD0D45514}"/>
+                <a16:creationId xmlns:a16="http://schemas.microsoft.com/office/drawing/2014/main" id="{F48331F0-8530-7444-8584-761CD0D45514}"/>
               </a:ext>
             </a:extLst>
           </p:cNvPr>
@@ -2415,7 +2423,7 @@
           <a:p>
             <a:fld id="{3A873540-D282-0C47-9A35-4BAD872DA9E7}" type="datetimeFigureOut">
               <a:rPr lang="en-US" smtClean="0"/>
-              <a:t>2/14/19</a:t>
+              <a:t>2/15/19</a:t>
             </a:fld>
             <a:endParaRPr lang="en-US"/>
           </a:p>
@@ -2426,7 +2434,7 @@
           <p:cNvPr id="4" name="Footer Placeholder 3">
             <a:extLst>
               <a:ext uri="{FF2B5EF4-FFF2-40B4-BE49-F238E27FC236}">
-                <a16:creationId xmlns:a16="http://schemas.microsoft.com/office/drawing/2014/main" xmlns="" id="{95051C0A-47FC-D947-BF3C-A312FD3FE75D}"/>
+                <a16:creationId xmlns:a16="http://schemas.microsoft.com/office/drawing/2014/main" id="{95051C0A-47FC-D947-BF3C-A312FD3FE75D}"/>
               </a:ext>
             </a:extLst>
           </p:cNvPr>
@@ -2451,7 +2459,7 @@
           <p:cNvPr id="5" name="Slide Number Placeholder 4">
             <a:extLst>
               <a:ext uri="{FF2B5EF4-FFF2-40B4-BE49-F238E27FC236}">
-                <a16:creationId xmlns:a16="http://schemas.microsoft.com/office/drawing/2014/main" xmlns="" id="{39025335-5988-E244-9037-F40805A43C46}"/>
+                <a16:creationId xmlns:a16="http://schemas.microsoft.com/office/drawing/2014/main" id="{39025335-5988-E244-9037-F40805A43C46}"/>
               </a:ext>
             </a:extLst>
           </p:cNvPr>
@@ -2510,7 +2518,7 @@
           <p:cNvPr id="2" name="Date Placeholder 1">
             <a:extLst>
               <a:ext uri="{FF2B5EF4-FFF2-40B4-BE49-F238E27FC236}">
-                <a16:creationId xmlns:a16="http://schemas.microsoft.com/office/drawing/2014/main" xmlns="" id="{3ECA6302-4D25-3440-9FB0-3EF1023BEAB3}"/>
+                <a16:creationId xmlns:a16="http://schemas.microsoft.com/office/drawing/2014/main" id="{3ECA6302-4D25-3440-9FB0-3EF1023BEAB3}"/>
               </a:ext>
             </a:extLst>
           </p:cNvPr>
@@ -2528,7 +2536,7 @@
           <a:p>
             <a:fld id="{3A873540-D282-0C47-9A35-4BAD872DA9E7}" type="datetimeFigureOut">
               <a:rPr lang="en-US" smtClean="0"/>
-              <a:t>2/14/19</a:t>
+              <a:t>2/15/19</a:t>
             </a:fld>
             <a:endParaRPr lang="en-US"/>
           </a:p>
@@ -2539,7 +2547,7 @@
           <p:cNvPr id="3" name="Footer Placeholder 2">
             <a:extLst>
               <a:ext uri="{FF2B5EF4-FFF2-40B4-BE49-F238E27FC236}">
-                <a16:creationId xmlns:a16="http://schemas.microsoft.com/office/drawing/2014/main" xmlns="" id="{81C57DAB-1482-724D-82E8-358839E97E81}"/>
+                <a16:creationId xmlns:a16="http://schemas.microsoft.com/office/drawing/2014/main" id="{81C57DAB-1482-724D-82E8-358839E97E81}"/>
               </a:ext>
             </a:extLst>
           </p:cNvPr>
@@ -2564,7 +2572,7 @@
           <p:cNvPr id="4" name="Slide Number Placeholder 3">
             <a:extLst>
               <a:ext uri="{FF2B5EF4-FFF2-40B4-BE49-F238E27FC236}">
-                <a16:creationId xmlns:a16="http://schemas.microsoft.com/office/drawing/2014/main" xmlns="" id="{2511F44C-D99F-CE40-A410-EEBA4BA5AC95}"/>
+                <a16:creationId xmlns:a16="http://schemas.microsoft.com/office/drawing/2014/main" id="{2511F44C-D99F-CE40-A410-EEBA4BA5AC95}"/>
               </a:ext>
             </a:extLst>
           </p:cNvPr>
@@ -2623,7 +2631,7 @@
           <p:cNvPr id="2" name="Title 1">
             <a:extLst>
               <a:ext uri="{FF2B5EF4-FFF2-40B4-BE49-F238E27FC236}">
-                <a16:creationId xmlns:a16="http://schemas.microsoft.com/office/drawing/2014/main" xmlns="" id="{2A7BD7A4-77A5-994C-9902-BC82C7240A64}"/>
+                <a16:creationId xmlns:a16="http://schemas.microsoft.com/office/drawing/2014/main" id="{2A7BD7A4-77A5-994C-9902-BC82C7240A64}"/>
               </a:ext>
             </a:extLst>
           </p:cNvPr>
@@ -2660,7 +2668,7 @@
           <p:cNvPr id="3" name="Content Placeholder 2">
             <a:extLst>
               <a:ext uri="{FF2B5EF4-FFF2-40B4-BE49-F238E27FC236}">
-                <a16:creationId xmlns:a16="http://schemas.microsoft.com/office/drawing/2014/main" xmlns="" id="{94860483-B85E-664A-B717-5567198C26FB}"/>
+                <a16:creationId xmlns:a16="http://schemas.microsoft.com/office/drawing/2014/main" id="{94860483-B85E-664A-B717-5567198C26FB}"/>
               </a:ext>
             </a:extLst>
           </p:cNvPr>
@@ -2750,7 +2758,7 @@
           <p:cNvPr id="4" name="Text Placeholder 3">
             <a:extLst>
               <a:ext uri="{FF2B5EF4-FFF2-40B4-BE49-F238E27FC236}">
-                <a16:creationId xmlns:a16="http://schemas.microsoft.com/office/drawing/2014/main" xmlns="" id="{BAF1EC0F-EC0E-C044-8E92-C6E65D3C73E9}"/>
+                <a16:creationId xmlns:a16="http://schemas.microsoft.com/office/drawing/2014/main" id="{BAF1EC0F-EC0E-C044-8E92-C6E65D3C73E9}"/>
               </a:ext>
             </a:extLst>
           </p:cNvPr>
@@ -2821,7 +2829,7 @@
           <p:cNvPr id="5" name="Date Placeholder 4">
             <a:extLst>
               <a:ext uri="{FF2B5EF4-FFF2-40B4-BE49-F238E27FC236}">
-                <a16:creationId xmlns:a16="http://schemas.microsoft.com/office/drawing/2014/main" xmlns="" id="{3076C23C-F96C-6A40-878A-432ACA48C805}"/>
+                <a16:creationId xmlns:a16="http://schemas.microsoft.com/office/drawing/2014/main" id="{3076C23C-F96C-6A40-878A-432ACA48C805}"/>
               </a:ext>
             </a:extLst>
           </p:cNvPr>
@@ -2839,7 +2847,7 @@
           <a:p>
             <a:fld id="{3A873540-D282-0C47-9A35-4BAD872DA9E7}" type="datetimeFigureOut">
               <a:rPr lang="en-US" smtClean="0"/>
-              <a:t>2/14/19</a:t>
+              <a:t>2/15/19</a:t>
             </a:fld>
             <a:endParaRPr lang="en-US"/>
           </a:p>
@@ -2850,7 +2858,7 @@
           <p:cNvPr id="6" name="Footer Placeholder 5">
             <a:extLst>
               <a:ext uri="{FF2B5EF4-FFF2-40B4-BE49-F238E27FC236}">
-                <a16:creationId xmlns:a16="http://schemas.microsoft.com/office/drawing/2014/main" xmlns="" id="{599B3B9C-D088-AA40-B12E-39184FC7FBCE}"/>
+                <a16:creationId xmlns:a16="http://schemas.microsoft.com/office/drawing/2014/main" id="{599B3B9C-D088-AA40-B12E-39184FC7FBCE}"/>
               </a:ext>
             </a:extLst>
           </p:cNvPr>
@@ -2875,7 +2883,7 @@
           <p:cNvPr id="7" name="Slide Number Placeholder 6">
             <a:extLst>
               <a:ext uri="{FF2B5EF4-FFF2-40B4-BE49-F238E27FC236}">
-                <a16:creationId xmlns:a16="http://schemas.microsoft.com/office/drawing/2014/main" xmlns="" id="{B6B336B1-AA0A-754A-AF24-CBECCCD987FB}"/>
+                <a16:creationId xmlns:a16="http://schemas.microsoft.com/office/drawing/2014/main" id="{B6B336B1-AA0A-754A-AF24-CBECCCD987FB}"/>
               </a:ext>
             </a:extLst>
           </p:cNvPr>
@@ -2934,7 +2942,7 @@
           <p:cNvPr id="2" name="Title 1">
             <a:extLst>
               <a:ext uri="{FF2B5EF4-FFF2-40B4-BE49-F238E27FC236}">
-                <a16:creationId xmlns:a16="http://schemas.microsoft.com/office/drawing/2014/main" xmlns="" id="{4BEAEAC1-9BC5-A04E-B235-5231ED2B4B8A}"/>
+                <a16:creationId xmlns:a16="http://schemas.microsoft.com/office/drawing/2014/main" id="{4BEAEAC1-9BC5-A04E-B235-5231ED2B4B8A}"/>
               </a:ext>
             </a:extLst>
           </p:cNvPr>
@@ -2971,7 +2979,7 @@
           <p:cNvPr id="3" name="Picture Placeholder 2">
             <a:extLst>
               <a:ext uri="{FF2B5EF4-FFF2-40B4-BE49-F238E27FC236}">
-                <a16:creationId xmlns:a16="http://schemas.microsoft.com/office/drawing/2014/main" xmlns="" id="{066255F8-E61C-CB47-89C0-450DF460C206}"/>
+                <a16:creationId xmlns:a16="http://schemas.microsoft.com/office/drawing/2014/main" id="{066255F8-E61C-CB47-89C0-450DF460C206}"/>
               </a:ext>
             </a:extLst>
           </p:cNvPr>
@@ -3038,7 +3046,7 @@
           <p:cNvPr id="4" name="Text Placeholder 3">
             <a:extLst>
               <a:ext uri="{FF2B5EF4-FFF2-40B4-BE49-F238E27FC236}">
-                <a16:creationId xmlns:a16="http://schemas.microsoft.com/office/drawing/2014/main" xmlns="" id="{A4138124-B732-6740-9E36-57A34CCDE84F}"/>
+                <a16:creationId xmlns:a16="http://schemas.microsoft.com/office/drawing/2014/main" id="{A4138124-B732-6740-9E36-57A34CCDE84F}"/>
               </a:ext>
             </a:extLst>
           </p:cNvPr>
@@ -3109,7 +3117,7 @@
           <p:cNvPr id="5" name="Date Placeholder 4">
             <a:extLst>
               <a:ext uri="{FF2B5EF4-FFF2-40B4-BE49-F238E27FC236}">
-                <a16:creationId xmlns:a16="http://schemas.microsoft.com/office/drawing/2014/main" xmlns="" id="{43FEDA88-E64E-9042-9F82-8B59EF360510}"/>
+                <a16:creationId xmlns:a16="http://schemas.microsoft.com/office/drawing/2014/main" id="{43FEDA88-E64E-9042-9F82-8B59EF360510}"/>
               </a:ext>
             </a:extLst>
           </p:cNvPr>
@@ -3127,7 +3135,7 @@
           <a:p>
             <a:fld id="{3A873540-D282-0C47-9A35-4BAD872DA9E7}" type="datetimeFigureOut">
               <a:rPr lang="en-US" smtClean="0"/>
-              <a:t>2/14/19</a:t>
+              <a:t>2/15/19</a:t>
             </a:fld>
             <a:endParaRPr lang="en-US"/>
           </a:p>
@@ -3138,7 +3146,7 @@
           <p:cNvPr id="6" name="Footer Placeholder 5">
             <a:extLst>
               <a:ext uri="{FF2B5EF4-FFF2-40B4-BE49-F238E27FC236}">
-                <a16:creationId xmlns:a16="http://schemas.microsoft.com/office/drawing/2014/main" xmlns="" id="{4594533C-222A-CF49-98A9-5B712936C46E}"/>
+                <a16:creationId xmlns:a16="http://schemas.microsoft.com/office/drawing/2014/main" id="{4594533C-222A-CF49-98A9-5B712936C46E}"/>
               </a:ext>
             </a:extLst>
           </p:cNvPr>
@@ -3163,7 +3171,7 @@
           <p:cNvPr id="7" name="Slide Number Placeholder 6">
             <a:extLst>
               <a:ext uri="{FF2B5EF4-FFF2-40B4-BE49-F238E27FC236}">
-                <a16:creationId xmlns:a16="http://schemas.microsoft.com/office/drawing/2014/main" xmlns="" id="{2399D6DC-EC65-194E-8736-A1CB768532A9}"/>
+                <a16:creationId xmlns:a16="http://schemas.microsoft.com/office/drawing/2014/main" id="{2399D6DC-EC65-194E-8736-A1CB768532A9}"/>
               </a:ext>
             </a:extLst>
           </p:cNvPr>
@@ -3227,7 +3235,7 @@
           <p:cNvPr id="2" name="Title Placeholder 1">
             <a:extLst>
               <a:ext uri="{FF2B5EF4-FFF2-40B4-BE49-F238E27FC236}">
-                <a16:creationId xmlns:a16="http://schemas.microsoft.com/office/drawing/2014/main" xmlns="" id="{8FA5EA42-4900-574B-89B7-4BFA6DE87843}"/>
+                <a16:creationId xmlns:a16="http://schemas.microsoft.com/office/drawing/2014/main" id="{8FA5EA42-4900-574B-89B7-4BFA6DE87843}"/>
               </a:ext>
             </a:extLst>
           </p:cNvPr>
@@ -3265,7 +3273,7 @@
           <p:cNvPr id="3" name="Text Placeholder 2">
             <a:extLst>
               <a:ext uri="{FF2B5EF4-FFF2-40B4-BE49-F238E27FC236}">
-                <a16:creationId xmlns:a16="http://schemas.microsoft.com/office/drawing/2014/main" xmlns="" id="{B5477537-925E-2242-9775-07002C0A001A}"/>
+                <a16:creationId xmlns:a16="http://schemas.microsoft.com/office/drawing/2014/main" id="{B5477537-925E-2242-9775-07002C0A001A}"/>
               </a:ext>
             </a:extLst>
           </p:cNvPr>
@@ -3332,7 +3340,7 @@
           <p:cNvPr id="4" name="Date Placeholder 3">
             <a:extLst>
               <a:ext uri="{FF2B5EF4-FFF2-40B4-BE49-F238E27FC236}">
-                <a16:creationId xmlns:a16="http://schemas.microsoft.com/office/drawing/2014/main" xmlns="" id="{6B41B828-970B-7E42-B203-B63CBCD08131}"/>
+                <a16:creationId xmlns:a16="http://schemas.microsoft.com/office/drawing/2014/main" id="{6B41B828-970B-7E42-B203-B63CBCD08131}"/>
               </a:ext>
             </a:extLst>
           </p:cNvPr>
@@ -3368,7 +3376,7 @@
           <a:p>
             <a:fld id="{3A873540-D282-0C47-9A35-4BAD872DA9E7}" type="datetimeFigureOut">
               <a:rPr lang="en-US" smtClean="0"/>
-              <a:t>2/14/19</a:t>
+              <a:t>2/15/19</a:t>
             </a:fld>
             <a:endParaRPr lang="en-US"/>
           </a:p>
@@ -3379,7 +3387,7 @@
           <p:cNvPr id="5" name="Footer Placeholder 4">
             <a:extLst>
               <a:ext uri="{FF2B5EF4-FFF2-40B4-BE49-F238E27FC236}">
-                <a16:creationId xmlns:a16="http://schemas.microsoft.com/office/drawing/2014/main" xmlns="" id="{C8907038-34E4-794B-AE2A-68889352CAB8}"/>
+                <a16:creationId xmlns:a16="http://schemas.microsoft.com/office/drawing/2014/main" id="{C8907038-34E4-794B-AE2A-68889352CAB8}"/>
               </a:ext>
             </a:extLst>
           </p:cNvPr>
@@ -3422,7 +3430,7 @@
           <p:cNvPr id="6" name="Slide Number Placeholder 5">
             <a:extLst>
               <a:ext uri="{FF2B5EF4-FFF2-40B4-BE49-F238E27FC236}">
-                <a16:creationId xmlns:a16="http://schemas.microsoft.com/office/drawing/2014/main" xmlns="" id="{60FE36C2-1CDA-474D-B452-711A4D151B91}"/>
+                <a16:creationId xmlns:a16="http://schemas.microsoft.com/office/drawing/2014/main" id="{60FE36C2-1CDA-474D-B452-711A4D151B91}"/>
               </a:ext>
             </a:extLst>
           </p:cNvPr>
@@ -3790,7 +3798,7 @@
           <p:cNvPr id="2" name="Title 1">
             <a:extLst>
               <a:ext uri="{FF2B5EF4-FFF2-40B4-BE49-F238E27FC236}">
-                <a16:creationId xmlns:a16="http://schemas.microsoft.com/office/drawing/2014/main" xmlns="" id="{0CE1A382-F98E-0B47-A9E8-DAA7F6A20A5D}"/>
+                <a16:creationId xmlns:a16="http://schemas.microsoft.com/office/drawing/2014/main" id="{0CE1A382-F98E-0B47-A9E8-DAA7F6A20A5D}"/>
               </a:ext>
             </a:extLst>
           </p:cNvPr>
@@ -3818,7 +3826,7 @@
           <p:cNvPr id="3" name="Subtitle 2">
             <a:extLst>
               <a:ext uri="{FF2B5EF4-FFF2-40B4-BE49-F238E27FC236}">
-                <a16:creationId xmlns:a16="http://schemas.microsoft.com/office/drawing/2014/main" xmlns="" id="{78C261B3-6C4B-D14C-A586-5A9FAFC9B8D9}"/>
+                <a16:creationId xmlns:a16="http://schemas.microsoft.com/office/drawing/2014/main" id="{78C261B3-6C4B-D14C-A586-5A9FAFC9B8D9}"/>
               </a:ext>
             </a:extLst>
           </p:cNvPr>
@@ -3912,29 +3920,56 @@
           <a:lstStyle/>
           <a:p>
             <a:r>
-              <a:rPr lang="en-US" dirty="0" smtClean="0"/>
-              <a:t>MCMC in papers</a:t>
-            </a:r>
+              <a:rPr lang="en-US" dirty="0"/>
+              <a:t>Bayesian and MCMC in papers</a:t>
+            </a:r>
+          </a:p>
+        </p:txBody>
+      </p:sp>
+      <p:sp>
+        <p:nvSpPr>
+          <p:cNvPr id="3" name="Content Placeholder 2"/>
+          <p:cNvSpPr>
+            <a:spLocks noGrp="1"/>
+          </p:cNvSpPr>
+          <p:nvPr>
+            <p:ph idx="1"/>
+          </p:nvPr>
+        </p:nvSpPr>
+        <p:spPr/>
+        <p:txBody>
+          <a:bodyPr/>
+          <a:lstStyle/>
+          <a:p>
+            <a:r>
+              <a:rPr lang="en-US" dirty="0"/>
+              <a:t>Bayesian inference / MCMC removes some arbitrary choices that frequentist analysis requires (e.g. p-value level), but you still have to make some choices (e.g. likelihood function form, priors, initial guesses)</a:t>
+            </a:r>
+          </a:p>
+          <a:p>
             <a:endParaRPr lang="en-US" dirty="0"/>
           </a:p>
-        </p:txBody>
-      </p:sp>
-      <p:sp>
-        <p:nvSpPr>
-          <p:cNvPr id="3" name="Content Placeholder 2"/>
-          <p:cNvSpPr>
-            <a:spLocks noGrp="1"/>
-          </p:cNvSpPr>
-          <p:nvPr>
-            <p:ph idx="1"/>
-          </p:nvPr>
-        </p:nvSpPr>
-        <p:spPr/>
-        <p:txBody>
-          <a:bodyPr/>
-          <a:lstStyle/>
-          <a:p>
-            <a:endParaRPr lang="en-US"/>
+          <a:p>
+            <a:r>
+              <a:rPr lang="en-US" dirty="0"/>
+              <a:t>Important part is to be </a:t>
+            </a:r>
+            <a:r>
+              <a:rPr lang="en-US" b="1" dirty="0"/>
+              <a:t>explicit</a:t>
+            </a:r>
+            <a:r>
+              <a:rPr lang="en-US" dirty="0"/>
+              <a:t> about all of your choices and while different choices will lead to different posteriors, the goal is for the reader to be able to </a:t>
+            </a:r>
+            <a:r>
+              <a:rPr lang="en-US" b="1" dirty="0"/>
+              <a:t>reproduce</a:t>
+            </a:r>
+            <a:r>
+              <a:rPr lang="en-US" dirty="0"/>
+              <a:t> your analysis if they made the same choices as you. </a:t>
+            </a:r>
           </a:p>
         </p:txBody>
       </p:sp>
@@ -3942,6 +3977,1589 @@
     <p:extLst>
       <p:ext uri="{BB962C8B-B14F-4D97-AF65-F5344CB8AC3E}">
         <p14:creationId xmlns:p14="http://schemas.microsoft.com/office/powerpoint/2010/main" val="606161980"/>
+      </p:ext>
+    </p:extLst>
+  </p:cSld>
+  <p:clrMapOvr>
+    <a:masterClrMapping/>
+  </p:clrMapOvr>
+</p:sld>
+</file>
+
+<file path=ppt/slides/slide11.xml><?xml version="1.0" encoding="utf-8"?>
+<p:sld xmlns:a="http://schemas.openxmlformats.org/drawingml/2006/main" xmlns:r="http://schemas.openxmlformats.org/officeDocument/2006/relationships" xmlns:p="http://schemas.openxmlformats.org/presentationml/2006/main">
+  <p:cSld>
+    <p:spTree>
+      <p:nvGrpSpPr>
+        <p:cNvPr id="1" name=""/>
+        <p:cNvGrpSpPr/>
+        <p:nvPr/>
+      </p:nvGrpSpPr>
+      <p:grpSpPr>
+        <a:xfrm>
+          <a:off x="0" y="0"/>
+          <a:ext cx="0" cy="0"/>
+          <a:chOff x="0" y="0"/>
+          <a:chExt cx="0" cy="0"/>
+        </a:xfrm>
+      </p:grpSpPr>
+      <p:sp>
+        <p:nvSpPr>
+          <p:cNvPr id="2" name="Title 1">
+            <a:extLst>
+              <a:ext uri="{FF2B5EF4-FFF2-40B4-BE49-F238E27FC236}">
+                <a16:creationId xmlns:a16="http://schemas.microsoft.com/office/drawing/2014/main" id="{68D2141D-73A5-7042-81F0-32D5844014AE}"/>
+              </a:ext>
+            </a:extLst>
+          </p:cNvPr>
+          <p:cNvSpPr>
+            <a:spLocks noGrp="1"/>
+          </p:cNvSpPr>
+          <p:nvPr>
+            <p:ph type="title"/>
+          </p:nvPr>
+        </p:nvSpPr>
+        <p:spPr/>
+        <p:txBody>
+          <a:bodyPr>
+            <a:normAutofit/>
+          </a:bodyPr>
+          <a:lstStyle/>
+          <a:p>
+            <a:r>
+              <a:rPr lang="en-US" sz="3600" dirty="0"/>
+              <a:t>Best practices for Bayesian analysis in papers</a:t>
+            </a:r>
+          </a:p>
+        </p:txBody>
+      </p:sp>
+      <p:sp>
+        <p:nvSpPr>
+          <p:cNvPr id="3" name="Content Placeholder 2">
+            <a:extLst>
+              <a:ext uri="{FF2B5EF4-FFF2-40B4-BE49-F238E27FC236}">
+                <a16:creationId xmlns:a16="http://schemas.microsoft.com/office/drawing/2014/main" id="{FE2C232F-DEBD-334A-9845-936664110A8A}"/>
+              </a:ext>
+            </a:extLst>
+          </p:cNvPr>
+          <p:cNvSpPr>
+            <a:spLocks noGrp="1"/>
+          </p:cNvSpPr>
+          <p:nvPr>
+            <p:ph idx="1"/>
+          </p:nvPr>
+        </p:nvSpPr>
+        <p:spPr>
+          <a:xfrm>
+            <a:off x="838200" y="1499016"/>
+            <a:ext cx="10515600" cy="5156617"/>
+          </a:xfrm>
+        </p:spPr>
+        <p:txBody>
+          <a:bodyPr>
+            <a:normAutofit lnSpcReduction="10000"/>
+          </a:bodyPr>
+          <a:lstStyle/>
+          <a:p>
+            <a:r>
+              <a:rPr lang="en-US" dirty="0"/>
+              <a:t>Be explicit about…</a:t>
+            </a:r>
+          </a:p>
+          <a:p>
+            <a:pPr lvl="1"/>
+            <a:r>
+              <a:rPr lang="en-US" dirty="0"/>
+              <a:t>Your prior distributions</a:t>
+            </a:r>
+          </a:p>
+          <a:p>
+            <a:pPr lvl="1"/>
+            <a:r>
+              <a:rPr lang="en-US" dirty="0"/>
+              <a:t>Your likelihood functional form</a:t>
+            </a:r>
+          </a:p>
+          <a:p>
+            <a:pPr lvl="1"/>
+            <a:r>
+              <a:rPr lang="en-US" dirty="0"/>
+              <a:t>What your data are --- make them available to the reader!</a:t>
+            </a:r>
+          </a:p>
+          <a:p>
+            <a:pPr lvl="1"/>
+            <a:r>
+              <a:rPr lang="en-US" dirty="0"/>
+              <a:t>What your posteriors are </a:t>
+            </a:r>
+          </a:p>
+          <a:p>
+            <a:pPr lvl="2"/>
+            <a:r>
+              <a:rPr lang="en-US" dirty="0"/>
+              <a:t>Publish the distribution and/or the samples, don’t just report median +/- </a:t>
+            </a:r>
+            <a:r>
+              <a:rPr lang="en-US" dirty="0" err="1"/>
+              <a:t>stddev</a:t>
+            </a:r>
+            <a:endParaRPr lang="en-US" dirty="0"/>
+          </a:p>
+          <a:p>
+            <a:pPr lvl="2"/>
+            <a:r>
+              <a:rPr lang="en-US" dirty="0"/>
+              <a:t>Plot the 1-D marginalized distributions, show corner plots to check for correlations (provide full N-D posterior for the reader to look in other ways)</a:t>
+            </a:r>
+          </a:p>
+          <a:p>
+            <a:pPr lvl="1"/>
+            <a:r>
+              <a:rPr lang="en-US" dirty="0"/>
+              <a:t>What your summary statistics mean</a:t>
+            </a:r>
+          </a:p>
+          <a:p>
+            <a:pPr lvl="2"/>
+            <a:r>
+              <a:rPr lang="en-US" dirty="0"/>
+              <a:t>Median? Mean? Confidence Interval: highest mass or centered on median?</a:t>
+            </a:r>
+          </a:p>
+          <a:p>
+            <a:pPr lvl="1"/>
+            <a:r>
+              <a:rPr lang="en-US" dirty="0"/>
+              <a:t>How your posteriors compare to your priors</a:t>
+            </a:r>
+          </a:p>
+          <a:p>
+            <a:pPr lvl="1"/>
+            <a:r>
+              <a:rPr lang="en-US" dirty="0"/>
+              <a:t>If MCMC, some discussion of convergence</a:t>
+            </a:r>
+          </a:p>
+          <a:p>
+            <a:pPr lvl="1"/>
+            <a:r>
+              <a:rPr lang="en-US" dirty="0"/>
+              <a:t>What choices in algorithms used (</a:t>
+            </a:r>
+            <a:r>
+              <a:rPr lang="en-US" dirty="0" err="1"/>
+              <a:t>eg.</a:t>
+            </a:r>
+            <a:r>
+              <a:rPr lang="en-US" dirty="0"/>
+              <a:t> sampling algorithm, # of walkers)</a:t>
+            </a:r>
+          </a:p>
+          <a:p>
+            <a:pPr lvl="1"/>
+            <a:r>
+              <a:rPr lang="en-US" dirty="0"/>
+              <a:t>Code/software version you used (cite the code!)</a:t>
+            </a:r>
+          </a:p>
+          <a:p>
+            <a:pPr lvl="2"/>
+            <a:r>
+              <a:rPr lang="en-US" dirty="0"/>
+              <a:t>If using your own code, consider publishing it as well</a:t>
+            </a:r>
+          </a:p>
+          <a:p>
+            <a:pPr lvl="1"/>
+            <a:endParaRPr lang="en-US" dirty="0"/>
+          </a:p>
+          <a:p>
+            <a:pPr lvl="1"/>
+            <a:endParaRPr lang="en-US" dirty="0"/>
+          </a:p>
+        </p:txBody>
+      </p:sp>
+    </p:spTree>
+    <p:extLst>
+      <p:ext uri="{BB962C8B-B14F-4D97-AF65-F5344CB8AC3E}">
+        <p14:creationId xmlns:p14="http://schemas.microsoft.com/office/powerpoint/2010/main" val="1324713668"/>
+      </p:ext>
+    </p:extLst>
+  </p:cSld>
+  <p:clrMapOvr>
+    <a:masterClrMapping/>
+  </p:clrMapOvr>
+</p:sld>
+</file>
+
+<file path=ppt/slides/slide12.xml><?xml version="1.0" encoding="utf-8"?>
+<p:sld xmlns:a="http://schemas.openxmlformats.org/drawingml/2006/main" xmlns:r="http://schemas.openxmlformats.org/officeDocument/2006/relationships" xmlns:p="http://schemas.openxmlformats.org/presentationml/2006/main">
+  <p:cSld>
+    <p:spTree>
+      <p:nvGrpSpPr>
+        <p:cNvPr id="1" name=""/>
+        <p:cNvGrpSpPr/>
+        <p:nvPr/>
+      </p:nvGrpSpPr>
+      <p:grpSpPr>
+        <a:xfrm>
+          <a:off x="0" y="0"/>
+          <a:ext cx="0" cy="0"/>
+          <a:chOff x="0" y="0"/>
+          <a:chExt cx="0" cy="0"/>
+        </a:xfrm>
+      </p:grpSpPr>
+      <p:pic>
+        <p:nvPicPr>
+          <p:cNvPr id="4" name="Picture 3">
+            <a:extLst>
+              <a:ext uri="{FF2B5EF4-FFF2-40B4-BE49-F238E27FC236}">
+                <a16:creationId xmlns:a16="http://schemas.microsoft.com/office/drawing/2014/main" id="{47DA0A25-9B72-ED49-9CC1-D1E243A2F3B8}"/>
+              </a:ext>
+            </a:extLst>
+          </p:cNvPr>
+          <p:cNvPicPr>
+            <a:picLocks noChangeAspect="1"/>
+          </p:cNvPicPr>
+          <p:nvPr/>
+        </p:nvPicPr>
+        <p:blipFill>
+          <a:blip r:embed="rId2"/>
+          <a:stretch>
+            <a:fillRect/>
+          </a:stretch>
+        </p:blipFill>
+        <p:spPr>
+          <a:xfrm>
+            <a:off x="356882" y="0"/>
+            <a:ext cx="8657203" cy="6858000"/>
+          </a:xfrm>
+          <a:prstGeom prst="rect">
+            <a:avLst/>
+          </a:prstGeom>
+        </p:spPr>
+      </p:pic>
+      <p:sp>
+        <p:nvSpPr>
+          <p:cNvPr id="5" name="TextBox 4">
+            <a:extLst>
+              <a:ext uri="{FF2B5EF4-FFF2-40B4-BE49-F238E27FC236}">
+                <a16:creationId xmlns:a16="http://schemas.microsoft.com/office/drawing/2014/main" id="{8BD65D95-67B9-564D-82A4-A6663DBB4321}"/>
+              </a:ext>
+            </a:extLst>
+          </p:cNvPr>
+          <p:cNvSpPr txBox="1"/>
+          <p:nvPr/>
+        </p:nvSpPr>
+        <p:spPr>
+          <a:xfrm>
+            <a:off x="9188971" y="1304146"/>
+            <a:ext cx="2818150" cy="1200329"/>
+          </a:xfrm>
+          <a:prstGeom prst="rect">
+            <a:avLst/>
+          </a:prstGeom>
+          <a:noFill/>
+        </p:spPr>
+        <p:txBody>
+          <a:bodyPr wrap="square" rtlCol="0">
+            <a:spAutoFit/>
+          </a:bodyPr>
+          <a:lstStyle/>
+          <a:p>
+            <a:r>
+              <a:rPr lang="en-US" dirty="0"/>
+              <a:t>Ruane et al. 2019</a:t>
+            </a:r>
+          </a:p>
+          <a:p>
+            <a:r>
+              <a:rPr lang="en-US" dirty="0">
+                <a:hlinkClick r:id="rId3"/>
+              </a:rPr>
+              <a:t>https://</a:t>
+            </a:r>
+            <a:r>
+              <a:rPr lang="en-US" dirty="0" err="1">
+                <a:hlinkClick r:id="rId3"/>
+              </a:rPr>
+              <a:t>ui.adsabs.harvard.edu</a:t>
+            </a:r>
+            <a:r>
+              <a:rPr lang="en-US" dirty="0">
+                <a:hlinkClick r:id="rId3"/>
+              </a:rPr>
+              <a:t>/#abs/2019arXiv190104090R/abstract</a:t>
+            </a:r>
+            <a:endParaRPr lang="en-US" dirty="0"/>
+          </a:p>
+        </p:txBody>
+      </p:sp>
+    </p:spTree>
+    <p:extLst>
+      <p:ext uri="{BB962C8B-B14F-4D97-AF65-F5344CB8AC3E}">
+        <p14:creationId xmlns:p14="http://schemas.microsoft.com/office/powerpoint/2010/main" val="2241277864"/>
+      </p:ext>
+    </p:extLst>
+  </p:cSld>
+  <p:clrMapOvr>
+    <a:masterClrMapping/>
+  </p:clrMapOvr>
+</p:sld>
+</file>
+
+<file path=ppt/slides/slide13.xml><?xml version="1.0" encoding="utf-8"?>
+<p:sld xmlns:a="http://schemas.openxmlformats.org/drawingml/2006/main" xmlns:r="http://schemas.openxmlformats.org/officeDocument/2006/relationships" xmlns:p="http://schemas.openxmlformats.org/presentationml/2006/main">
+  <p:cSld>
+    <p:spTree>
+      <p:nvGrpSpPr>
+        <p:cNvPr id="1" name=""/>
+        <p:cNvGrpSpPr/>
+        <p:nvPr/>
+      </p:nvGrpSpPr>
+      <p:grpSpPr>
+        <a:xfrm>
+          <a:off x="0" y="0"/>
+          <a:ext cx="0" cy="0"/>
+          <a:chOff x="0" y="0"/>
+          <a:chExt cx="0" cy="0"/>
+        </a:xfrm>
+      </p:grpSpPr>
+      <p:sp>
+        <p:nvSpPr>
+          <p:cNvPr id="2" name="Rectangle 1">
+            <a:extLst>
+              <a:ext uri="{FF2B5EF4-FFF2-40B4-BE49-F238E27FC236}">
+                <a16:creationId xmlns:a16="http://schemas.microsoft.com/office/drawing/2014/main" id="{A20CF656-39F8-2B47-B397-8F45C757CDB8}"/>
+              </a:ext>
+            </a:extLst>
+          </p:cNvPr>
+          <p:cNvSpPr/>
+          <p:nvPr/>
+        </p:nvSpPr>
+        <p:spPr>
+          <a:xfrm>
+            <a:off x="424721" y="362635"/>
+            <a:ext cx="3802505" cy="923330"/>
+          </a:xfrm>
+          <a:prstGeom prst="rect">
+            <a:avLst/>
+          </a:prstGeom>
+        </p:spPr>
+        <p:txBody>
+          <a:bodyPr wrap="square">
+            <a:spAutoFit/>
+          </a:bodyPr>
+          <a:lstStyle/>
+          <a:p>
+            <a:r>
+              <a:rPr lang="en-US" dirty="0"/>
+              <a:t>Wolfgang et al. 2016</a:t>
+            </a:r>
+          </a:p>
+          <a:p>
+            <a:r>
+              <a:rPr lang="en-US" dirty="0">
+                <a:hlinkClick r:id="rId2"/>
+              </a:rPr>
+              <a:t>https://</a:t>
+            </a:r>
+            <a:r>
+              <a:rPr lang="en-US" dirty="0" err="1">
+                <a:hlinkClick r:id="rId2"/>
+              </a:rPr>
+              <a:t>ui.adsabs.harvard.edu</a:t>
+            </a:r>
+            <a:r>
+              <a:rPr lang="en-US" dirty="0">
+                <a:hlinkClick r:id="rId2"/>
+              </a:rPr>
+              <a:t>/#abs/2016ApJ...825...19W/abstract</a:t>
+            </a:r>
+            <a:endParaRPr lang="en-US" dirty="0"/>
+          </a:p>
+        </p:txBody>
+      </p:sp>
+      <p:pic>
+        <p:nvPicPr>
+          <p:cNvPr id="3" name="Picture 2">
+            <a:extLst>
+              <a:ext uri="{FF2B5EF4-FFF2-40B4-BE49-F238E27FC236}">
+                <a16:creationId xmlns:a16="http://schemas.microsoft.com/office/drawing/2014/main" id="{66C1AFCE-F4C2-4A42-9918-A0E37907D69B}"/>
+              </a:ext>
+            </a:extLst>
+          </p:cNvPr>
+          <p:cNvPicPr>
+            <a:picLocks noChangeAspect="1"/>
+          </p:cNvPicPr>
+          <p:nvPr/>
+        </p:nvPicPr>
+        <p:blipFill>
+          <a:blip r:embed="rId3"/>
+          <a:stretch>
+            <a:fillRect/>
+          </a:stretch>
+        </p:blipFill>
+        <p:spPr>
+          <a:xfrm>
+            <a:off x="5970665" y="362635"/>
+            <a:ext cx="4927600" cy="6032500"/>
+          </a:xfrm>
+          <a:prstGeom prst="rect">
+            <a:avLst/>
+          </a:prstGeom>
+        </p:spPr>
+      </p:pic>
+      <p:pic>
+        <p:nvPicPr>
+          <p:cNvPr id="5" name="Picture 4">
+            <a:extLst>
+              <a:ext uri="{FF2B5EF4-FFF2-40B4-BE49-F238E27FC236}">
+                <a16:creationId xmlns:a16="http://schemas.microsoft.com/office/drawing/2014/main" id="{1155E742-2054-7245-AE5A-C775AEB74226}"/>
+              </a:ext>
+            </a:extLst>
+          </p:cNvPr>
+          <p:cNvPicPr>
+            <a:picLocks noChangeAspect="1"/>
+          </p:cNvPicPr>
+          <p:nvPr/>
+        </p:nvPicPr>
+        <p:blipFill>
+          <a:blip r:embed="rId4"/>
+          <a:stretch>
+            <a:fillRect/>
+          </a:stretch>
+        </p:blipFill>
+        <p:spPr>
+          <a:xfrm>
+            <a:off x="189875" y="2942029"/>
+            <a:ext cx="5780790" cy="1776220"/>
+          </a:xfrm>
+          <a:prstGeom prst="rect">
+            <a:avLst/>
+          </a:prstGeom>
+        </p:spPr>
+      </p:pic>
+      <p:pic>
+        <p:nvPicPr>
+          <p:cNvPr id="6" name="Picture 5">
+            <a:extLst>
+              <a:ext uri="{FF2B5EF4-FFF2-40B4-BE49-F238E27FC236}">
+                <a16:creationId xmlns:a16="http://schemas.microsoft.com/office/drawing/2014/main" id="{E83ED152-CAA9-7A48-957A-C991860F9B04}"/>
+              </a:ext>
+            </a:extLst>
+          </p:cNvPr>
+          <p:cNvPicPr>
+            <a:picLocks noChangeAspect="1"/>
+          </p:cNvPicPr>
+          <p:nvPr/>
+        </p:nvPicPr>
+        <p:blipFill rotWithShape="1">
+          <a:blip r:embed="rId5"/>
+          <a:srcRect l="17583"/>
+          <a:stretch/>
+        </p:blipFill>
+        <p:spPr>
+          <a:xfrm>
+            <a:off x="554635" y="1922823"/>
+            <a:ext cx="5620895" cy="1019206"/>
+          </a:xfrm>
+          <a:prstGeom prst="rect">
+            <a:avLst/>
+          </a:prstGeom>
+        </p:spPr>
+      </p:pic>
+      <p:pic>
+        <p:nvPicPr>
+          <p:cNvPr id="7" name="Picture 6">
+            <a:extLst>
+              <a:ext uri="{FF2B5EF4-FFF2-40B4-BE49-F238E27FC236}">
+                <a16:creationId xmlns:a16="http://schemas.microsoft.com/office/drawing/2014/main" id="{1FF33683-8372-B841-8E5C-9868FB8BF216}"/>
+              </a:ext>
+            </a:extLst>
+          </p:cNvPr>
+          <p:cNvPicPr>
+            <a:picLocks noChangeAspect="1"/>
+          </p:cNvPicPr>
+          <p:nvPr/>
+        </p:nvPicPr>
+        <p:blipFill>
+          <a:blip r:embed="rId6"/>
+          <a:stretch>
+            <a:fillRect/>
+          </a:stretch>
+        </p:blipFill>
+        <p:spPr>
+          <a:xfrm>
+            <a:off x="0" y="5054102"/>
+            <a:ext cx="6125981" cy="915475"/>
+          </a:xfrm>
+          <a:prstGeom prst="rect">
+            <a:avLst/>
+          </a:prstGeom>
+        </p:spPr>
+      </p:pic>
+    </p:spTree>
+    <p:extLst>
+      <p:ext uri="{BB962C8B-B14F-4D97-AF65-F5344CB8AC3E}">
+        <p14:creationId xmlns:p14="http://schemas.microsoft.com/office/powerpoint/2010/main" val="1325116297"/>
+      </p:ext>
+    </p:extLst>
+  </p:cSld>
+  <p:clrMapOvr>
+    <a:masterClrMapping/>
+  </p:clrMapOvr>
+</p:sld>
+</file>
+
+<file path=ppt/slides/slide14.xml><?xml version="1.0" encoding="utf-8"?>
+<p:sld xmlns:a="http://schemas.openxmlformats.org/drawingml/2006/main" xmlns:r="http://schemas.openxmlformats.org/officeDocument/2006/relationships" xmlns:p="http://schemas.openxmlformats.org/presentationml/2006/main">
+  <p:cSld>
+    <p:spTree>
+      <p:nvGrpSpPr>
+        <p:cNvPr id="1" name=""/>
+        <p:cNvGrpSpPr/>
+        <p:nvPr/>
+      </p:nvGrpSpPr>
+      <p:grpSpPr>
+        <a:xfrm>
+          <a:off x="0" y="0"/>
+          <a:ext cx="0" cy="0"/>
+          <a:chOff x="0" y="0"/>
+          <a:chExt cx="0" cy="0"/>
+        </a:xfrm>
+      </p:grpSpPr>
+      <p:sp>
+        <p:nvSpPr>
+          <p:cNvPr id="2" name="Rectangle 1">
+            <a:extLst>
+              <a:ext uri="{FF2B5EF4-FFF2-40B4-BE49-F238E27FC236}">
+                <a16:creationId xmlns:a16="http://schemas.microsoft.com/office/drawing/2014/main" id="{00CE6C84-03AF-F04B-92B8-50D9283C39A2}"/>
+              </a:ext>
+            </a:extLst>
+          </p:cNvPr>
+          <p:cNvSpPr/>
+          <p:nvPr/>
+        </p:nvSpPr>
+        <p:spPr>
+          <a:xfrm>
+            <a:off x="424721" y="362635"/>
+            <a:ext cx="3802505" cy="923330"/>
+          </a:xfrm>
+          <a:prstGeom prst="rect">
+            <a:avLst/>
+          </a:prstGeom>
+        </p:spPr>
+        <p:txBody>
+          <a:bodyPr wrap="square">
+            <a:spAutoFit/>
+          </a:bodyPr>
+          <a:lstStyle/>
+          <a:p>
+            <a:r>
+              <a:rPr lang="en-US" dirty="0"/>
+              <a:t>Wolfgang et al. 2016</a:t>
+            </a:r>
+          </a:p>
+          <a:p>
+            <a:r>
+              <a:rPr lang="en-US" dirty="0">
+                <a:hlinkClick r:id="rId2"/>
+              </a:rPr>
+              <a:t>https://</a:t>
+            </a:r>
+            <a:r>
+              <a:rPr lang="en-US" dirty="0" err="1">
+                <a:hlinkClick r:id="rId2"/>
+              </a:rPr>
+              <a:t>ui.adsabs.harvard.edu</a:t>
+            </a:r>
+            <a:r>
+              <a:rPr lang="en-US" dirty="0">
+                <a:hlinkClick r:id="rId2"/>
+              </a:rPr>
+              <a:t>/#abs/2016ApJ...825...19W/abstract</a:t>
+            </a:r>
+            <a:endParaRPr lang="en-US" dirty="0"/>
+          </a:p>
+        </p:txBody>
+      </p:sp>
+      <p:pic>
+        <p:nvPicPr>
+          <p:cNvPr id="3" name="Picture 2">
+            <a:extLst>
+              <a:ext uri="{FF2B5EF4-FFF2-40B4-BE49-F238E27FC236}">
+                <a16:creationId xmlns:a16="http://schemas.microsoft.com/office/drawing/2014/main" id="{CD130CB7-2148-AD41-A609-2E64D3893708}"/>
+              </a:ext>
+            </a:extLst>
+          </p:cNvPr>
+          <p:cNvPicPr>
+            <a:picLocks noChangeAspect="1"/>
+          </p:cNvPicPr>
+          <p:nvPr/>
+        </p:nvPicPr>
+        <p:blipFill>
+          <a:blip r:embed="rId3"/>
+          <a:stretch>
+            <a:fillRect/>
+          </a:stretch>
+        </p:blipFill>
+        <p:spPr>
+          <a:xfrm>
+            <a:off x="4769475" y="114300"/>
+            <a:ext cx="7150100" cy="6629400"/>
+          </a:xfrm>
+          <a:prstGeom prst="rect">
+            <a:avLst/>
+          </a:prstGeom>
+        </p:spPr>
+      </p:pic>
+    </p:spTree>
+    <p:extLst>
+      <p:ext uri="{BB962C8B-B14F-4D97-AF65-F5344CB8AC3E}">
+        <p14:creationId xmlns:p14="http://schemas.microsoft.com/office/powerpoint/2010/main" val="3043959457"/>
+      </p:ext>
+    </p:extLst>
+  </p:cSld>
+  <p:clrMapOvr>
+    <a:masterClrMapping/>
+  </p:clrMapOvr>
+</p:sld>
+</file>
+
+<file path=ppt/slides/slide15.xml><?xml version="1.0" encoding="utf-8"?>
+<p:sld xmlns:a="http://schemas.openxmlformats.org/drawingml/2006/main" xmlns:r="http://schemas.openxmlformats.org/officeDocument/2006/relationships" xmlns:p="http://schemas.openxmlformats.org/presentationml/2006/main">
+  <p:cSld>
+    <p:spTree>
+      <p:nvGrpSpPr>
+        <p:cNvPr id="1" name=""/>
+        <p:cNvGrpSpPr/>
+        <p:nvPr/>
+      </p:nvGrpSpPr>
+      <p:grpSpPr>
+        <a:xfrm>
+          <a:off x="0" y="0"/>
+          <a:ext cx="0" cy="0"/>
+          <a:chOff x="0" y="0"/>
+          <a:chExt cx="0" cy="0"/>
+        </a:xfrm>
+      </p:grpSpPr>
+      <p:pic>
+        <p:nvPicPr>
+          <p:cNvPr id="10" name="Picture 9">
+            <a:extLst>
+              <a:ext uri="{FF2B5EF4-FFF2-40B4-BE49-F238E27FC236}">
+                <a16:creationId xmlns:a16="http://schemas.microsoft.com/office/drawing/2014/main" id="{6384E565-54CA-3C4E-9EA6-28B9C014B3AF}"/>
+              </a:ext>
+            </a:extLst>
+          </p:cNvPr>
+          <p:cNvPicPr>
+            <a:picLocks noChangeAspect="1"/>
+          </p:cNvPicPr>
+          <p:nvPr/>
+        </p:nvPicPr>
+        <p:blipFill>
+          <a:blip r:embed="rId2"/>
+          <a:stretch>
+            <a:fillRect/>
+          </a:stretch>
+        </p:blipFill>
+        <p:spPr>
+          <a:xfrm>
+            <a:off x="4518138" y="1018499"/>
+            <a:ext cx="6692900" cy="4787900"/>
+          </a:xfrm>
+          <a:prstGeom prst="rect">
+            <a:avLst/>
+          </a:prstGeom>
+        </p:spPr>
+      </p:pic>
+      <p:sp>
+        <p:nvSpPr>
+          <p:cNvPr id="3" name="Rectangle 2">
+            <a:extLst>
+              <a:ext uri="{FF2B5EF4-FFF2-40B4-BE49-F238E27FC236}">
+                <a16:creationId xmlns:a16="http://schemas.microsoft.com/office/drawing/2014/main" id="{78BFDAAE-B2CB-0148-A62E-C66195A43444}"/>
+              </a:ext>
+            </a:extLst>
+          </p:cNvPr>
+          <p:cNvSpPr/>
+          <p:nvPr/>
+        </p:nvSpPr>
+        <p:spPr>
+          <a:xfrm>
+            <a:off x="424721" y="362635"/>
+            <a:ext cx="3802505" cy="923330"/>
+          </a:xfrm>
+          <a:prstGeom prst="rect">
+            <a:avLst/>
+          </a:prstGeom>
+        </p:spPr>
+        <p:txBody>
+          <a:bodyPr wrap="square">
+            <a:spAutoFit/>
+          </a:bodyPr>
+          <a:lstStyle/>
+          <a:p>
+            <a:r>
+              <a:rPr lang="en-US" dirty="0"/>
+              <a:t>Wolfgang et al. 2016</a:t>
+            </a:r>
+          </a:p>
+          <a:p>
+            <a:r>
+              <a:rPr lang="en-US" dirty="0">
+                <a:hlinkClick r:id="rId3"/>
+              </a:rPr>
+              <a:t>https://</a:t>
+            </a:r>
+            <a:r>
+              <a:rPr lang="en-US" dirty="0" err="1">
+                <a:hlinkClick r:id="rId3"/>
+              </a:rPr>
+              <a:t>ui.adsabs.harvard.edu</a:t>
+            </a:r>
+            <a:r>
+              <a:rPr lang="en-US" dirty="0">
+                <a:hlinkClick r:id="rId3"/>
+              </a:rPr>
+              <a:t>/#abs/2016ApJ...825...19W/abstract</a:t>
+            </a:r>
+            <a:endParaRPr lang="en-US" dirty="0"/>
+          </a:p>
+        </p:txBody>
+      </p:sp>
+      <p:sp>
+        <p:nvSpPr>
+          <p:cNvPr id="4" name="Rectangle 3">
+            <a:extLst>
+              <a:ext uri="{FF2B5EF4-FFF2-40B4-BE49-F238E27FC236}">
+                <a16:creationId xmlns:a16="http://schemas.microsoft.com/office/drawing/2014/main" id="{4C583C6B-BBA8-CA49-BAFC-601F7042E880}"/>
+              </a:ext>
+            </a:extLst>
+          </p:cNvPr>
+          <p:cNvSpPr/>
+          <p:nvPr/>
+        </p:nvSpPr>
+        <p:spPr>
+          <a:xfrm>
+            <a:off x="4736892" y="1018499"/>
+            <a:ext cx="5381469" cy="267466"/>
+          </a:xfrm>
+          <a:prstGeom prst="rect">
+            <a:avLst/>
+          </a:prstGeom>
+          <a:solidFill>
+            <a:schemeClr val="accent2">
+              <a:lumMod val="75000"/>
+              <a:alpha val="39000"/>
+            </a:schemeClr>
+          </a:solidFill>
+          <a:ln>
+            <a:noFill/>
+          </a:ln>
+        </p:spPr>
+        <p:style>
+          <a:lnRef idx="2">
+            <a:schemeClr val="accent1">
+              <a:shade val="50000"/>
+            </a:schemeClr>
+          </a:lnRef>
+          <a:fillRef idx="1">
+            <a:schemeClr val="accent1"/>
+          </a:fillRef>
+          <a:effectRef idx="0">
+            <a:schemeClr val="accent1"/>
+          </a:effectRef>
+          <a:fontRef idx="minor">
+            <a:schemeClr val="lt1"/>
+          </a:fontRef>
+        </p:style>
+        <p:txBody>
+          <a:bodyPr rtlCol="0" anchor="ctr"/>
+          <a:lstStyle/>
+          <a:p>
+            <a:pPr algn="ctr"/>
+            <a:endParaRPr lang="en-US"/>
+          </a:p>
+        </p:txBody>
+      </p:sp>
+      <p:sp>
+        <p:nvSpPr>
+          <p:cNvPr id="5" name="Rectangle 4">
+            <a:extLst>
+              <a:ext uri="{FF2B5EF4-FFF2-40B4-BE49-F238E27FC236}">
+                <a16:creationId xmlns:a16="http://schemas.microsoft.com/office/drawing/2014/main" id="{98B1048A-7939-B146-9694-3565AADAA2D3}"/>
+              </a:ext>
+            </a:extLst>
+          </p:cNvPr>
+          <p:cNvSpPr/>
+          <p:nvPr/>
+        </p:nvSpPr>
+        <p:spPr>
+          <a:xfrm>
+            <a:off x="4488409" y="3832457"/>
+            <a:ext cx="3577905" cy="266014"/>
+          </a:xfrm>
+          <a:prstGeom prst="rect">
+            <a:avLst/>
+          </a:prstGeom>
+          <a:solidFill>
+            <a:schemeClr val="accent2">
+              <a:lumMod val="75000"/>
+              <a:alpha val="39000"/>
+            </a:schemeClr>
+          </a:solidFill>
+          <a:ln>
+            <a:noFill/>
+          </a:ln>
+        </p:spPr>
+        <p:style>
+          <a:lnRef idx="2">
+            <a:schemeClr val="accent1">
+              <a:shade val="50000"/>
+            </a:schemeClr>
+          </a:lnRef>
+          <a:fillRef idx="1">
+            <a:schemeClr val="accent1"/>
+          </a:fillRef>
+          <a:effectRef idx="0">
+            <a:schemeClr val="accent1"/>
+          </a:effectRef>
+          <a:fontRef idx="minor">
+            <a:schemeClr val="lt1"/>
+          </a:fontRef>
+        </p:style>
+        <p:txBody>
+          <a:bodyPr rtlCol="0" anchor="ctr"/>
+          <a:lstStyle/>
+          <a:p>
+            <a:pPr algn="ctr"/>
+            <a:endParaRPr lang="en-US"/>
+          </a:p>
+        </p:txBody>
+      </p:sp>
+      <p:sp>
+        <p:nvSpPr>
+          <p:cNvPr id="6" name="Rectangle 5">
+            <a:extLst>
+              <a:ext uri="{FF2B5EF4-FFF2-40B4-BE49-F238E27FC236}">
+                <a16:creationId xmlns:a16="http://schemas.microsoft.com/office/drawing/2014/main" id="{72039915-3A62-A24A-8337-A0D9844842D1}"/>
+              </a:ext>
+            </a:extLst>
+          </p:cNvPr>
+          <p:cNvSpPr/>
+          <p:nvPr/>
+        </p:nvSpPr>
+        <p:spPr>
+          <a:xfrm>
+            <a:off x="7864588" y="3550113"/>
+            <a:ext cx="3189856" cy="282343"/>
+          </a:xfrm>
+          <a:prstGeom prst="rect">
+            <a:avLst/>
+          </a:prstGeom>
+          <a:solidFill>
+            <a:schemeClr val="accent2">
+              <a:lumMod val="75000"/>
+              <a:alpha val="39000"/>
+            </a:schemeClr>
+          </a:solidFill>
+          <a:ln>
+            <a:noFill/>
+          </a:ln>
+        </p:spPr>
+        <p:style>
+          <a:lnRef idx="2">
+            <a:schemeClr val="accent1">
+              <a:shade val="50000"/>
+            </a:schemeClr>
+          </a:lnRef>
+          <a:fillRef idx="1">
+            <a:schemeClr val="accent1"/>
+          </a:fillRef>
+          <a:effectRef idx="0">
+            <a:schemeClr val="accent1"/>
+          </a:effectRef>
+          <a:fontRef idx="minor">
+            <a:schemeClr val="lt1"/>
+          </a:fontRef>
+        </p:style>
+        <p:txBody>
+          <a:bodyPr rtlCol="0" anchor="ctr"/>
+          <a:lstStyle/>
+          <a:p>
+            <a:pPr algn="ctr"/>
+            <a:endParaRPr lang="en-US"/>
+          </a:p>
+        </p:txBody>
+      </p:sp>
+      <p:sp>
+        <p:nvSpPr>
+          <p:cNvPr id="7" name="Rectangle 6">
+            <a:extLst>
+              <a:ext uri="{FF2B5EF4-FFF2-40B4-BE49-F238E27FC236}">
+                <a16:creationId xmlns:a16="http://schemas.microsoft.com/office/drawing/2014/main" id="{E587B56F-C035-654E-A315-C9B0E97888C5}"/>
+              </a:ext>
+            </a:extLst>
+          </p:cNvPr>
+          <p:cNvSpPr/>
+          <p:nvPr/>
+        </p:nvSpPr>
+        <p:spPr>
+          <a:xfrm>
+            <a:off x="5208474" y="4656826"/>
+            <a:ext cx="5845970" cy="307060"/>
+          </a:xfrm>
+          <a:prstGeom prst="rect">
+            <a:avLst/>
+          </a:prstGeom>
+          <a:solidFill>
+            <a:schemeClr val="accent2">
+              <a:lumMod val="75000"/>
+              <a:alpha val="39000"/>
+            </a:schemeClr>
+          </a:solidFill>
+          <a:ln>
+            <a:noFill/>
+          </a:ln>
+        </p:spPr>
+        <p:style>
+          <a:lnRef idx="2">
+            <a:schemeClr val="accent1">
+              <a:shade val="50000"/>
+            </a:schemeClr>
+          </a:lnRef>
+          <a:fillRef idx="1">
+            <a:schemeClr val="accent1"/>
+          </a:fillRef>
+          <a:effectRef idx="0">
+            <a:schemeClr val="accent1"/>
+          </a:effectRef>
+          <a:fontRef idx="minor">
+            <a:schemeClr val="lt1"/>
+          </a:fontRef>
+        </p:style>
+        <p:txBody>
+          <a:bodyPr rtlCol="0" anchor="ctr"/>
+          <a:lstStyle/>
+          <a:p>
+            <a:pPr algn="ctr"/>
+            <a:endParaRPr lang="en-US"/>
+          </a:p>
+        </p:txBody>
+      </p:sp>
+      <p:sp>
+        <p:nvSpPr>
+          <p:cNvPr id="8" name="Rectangle 7">
+            <a:extLst>
+              <a:ext uri="{FF2B5EF4-FFF2-40B4-BE49-F238E27FC236}">
+                <a16:creationId xmlns:a16="http://schemas.microsoft.com/office/drawing/2014/main" id="{21A92CB9-1125-644D-ACDF-79243957C45A}"/>
+              </a:ext>
+            </a:extLst>
+          </p:cNvPr>
+          <p:cNvSpPr/>
+          <p:nvPr/>
+        </p:nvSpPr>
+        <p:spPr>
+          <a:xfrm>
+            <a:off x="4504640" y="4922841"/>
+            <a:ext cx="6549803" cy="599400"/>
+          </a:xfrm>
+          <a:prstGeom prst="rect">
+            <a:avLst/>
+          </a:prstGeom>
+          <a:solidFill>
+            <a:schemeClr val="accent2">
+              <a:lumMod val="75000"/>
+              <a:alpha val="39000"/>
+            </a:schemeClr>
+          </a:solidFill>
+          <a:ln>
+            <a:noFill/>
+          </a:ln>
+        </p:spPr>
+        <p:style>
+          <a:lnRef idx="2">
+            <a:schemeClr val="accent1">
+              <a:shade val="50000"/>
+            </a:schemeClr>
+          </a:lnRef>
+          <a:fillRef idx="1">
+            <a:schemeClr val="accent1"/>
+          </a:fillRef>
+          <a:effectRef idx="0">
+            <a:schemeClr val="accent1"/>
+          </a:effectRef>
+          <a:fontRef idx="minor">
+            <a:schemeClr val="lt1"/>
+          </a:fontRef>
+        </p:style>
+        <p:txBody>
+          <a:bodyPr rtlCol="0" anchor="ctr"/>
+          <a:lstStyle/>
+          <a:p>
+            <a:pPr algn="ctr"/>
+            <a:endParaRPr lang="en-US"/>
+          </a:p>
+        </p:txBody>
+      </p:sp>
+      <p:sp>
+        <p:nvSpPr>
+          <p:cNvPr id="11" name="Rectangle 10">
+            <a:extLst>
+              <a:ext uri="{FF2B5EF4-FFF2-40B4-BE49-F238E27FC236}">
+                <a16:creationId xmlns:a16="http://schemas.microsoft.com/office/drawing/2014/main" id="{744B7239-F5F8-AB4F-BE0E-0A0269195AE8}"/>
+              </a:ext>
+            </a:extLst>
+          </p:cNvPr>
+          <p:cNvSpPr/>
+          <p:nvPr/>
+        </p:nvSpPr>
+        <p:spPr>
+          <a:xfrm>
+            <a:off x="4488409" y="5496376"/>
+            <a:ext cx="1154136" cy="293694"/>
+          </a:xfrm>
+          <a:prstGeom prst="rect">
+            <a:avLst/>
+          </a:prstGeom>
+          <a:solidFill>
+            <a:schemeClr val="accent2">
+              <a:lumMod val="75000"/>
+              <a:alpha val="39000"/>
+            </a:schemeClr>
+          </a:solidFill>
+          <a:ln>
+            <a:noFill/>
+          </a:ln>
+        </p:spPr>
+        <p:style>
+          <a:lnRef idx="2">
+            <a:schemeClr val="accent1">
+              <a:shade val="50000"/>
+            </a:schemeClr>
+          </a:lnRef>
+          <a:fillRef idx="1">
+            <a:schemeClr val="accent1"/>
+          </a:fillRef>
+          <a:effectRef idx="0">
+            <a:schemeClr val="accent1"/>
+          </a:effectRef>
+          <a:fontRef idx="minor">
+            <a:schemeClr val="lt1"/>
+          </a:fontRef>
+        </p:style>
+        <p:txBody>
+          <a:bodyPr rtlCol="0" anchor="ctr"/>
+          <a:lstStyle/>
+          <a:p>
+            <a:pPr algn="ctr"/>
+            <a:endParaRPr lang="en-US"/>
+          </a:p>
+        </p:txBody>
+      </p:sp>
+    </p:spTree>
+    <p:extLst>
+      <p:ext uri="{BB962C8B-B14F-4D97-AF65-F5344CB8AC3E}">
+        <p14:creationId xmlns:p14="http://schemas.microsoft.com/office/powerpoint/2010/main" val="553253144"/>
+      </p:ext>
+    </p:extLst>
+  </p:cSld>
+  <p:clrMapOvr>
+    <a:masterClrMapping/>
+  </p:clrMapOvr>
+</p:sld>
+</file>
+
+<file path=ppt/slides/slide16.xml><?xml version="1.0" encoding="utf-8"?>
+<p:sld xmlns:a="http://schemas.openxmlformats.org/drawingml/2006/main" xmlns:r="http://schemas.openxmlformats.org/officeDocument/2006/relationships" xmlns:p="http://schemas.openxmlformats.org/presentationml/2006/main">
+  <p:cSld>
+    <p:spTree>
+      <p:nvGrpSpPr>
+        <p:cNvPr id="1" name=""/>
+        <p:cNvGrpSpPr/>
+        <p:nvPr/>
+      </p:nvGrpSpPr>
+      <p:grpSpPr>
+        <a:xfrm>
+          <a:off x="0" y="0"/>
+          <a:ext cx="0" cy="0"/>
+          <a:chOff x="0" y="0"/>
+          <a:chExt cx="0" cy="0"/>
+        </a:xfrm>
+      </p:grpSpPr>
+      <p:pic>
+        <p:nvPicPr>
+          <p:cNvPr id="2" name="Picture 1">
+            <a:extLst>
+              <a:ext uri="{FF2B5EF4-FFF2-40B4-BE49-F238E27FC236}">
+                <a16:creationId xmlns:a16="http://schemas.microsoft.com/office/drawing/2014/main" id="{711746BB-C395-F949-9FC2-3C7E6D4C7352}"/>
+              </a:ext>
+            </a:extLst>
+          </p:cNvPr>
+          <p:cNvPicPr>
+            <a:picLocks noChangeAspect="1"/>
+          </p:cNvPicPr>
+          <p:nvPr/>
+        </p:nvPicPr>
+        <p:blipFill>
+          <a:blip r:embed="rId2"/>
+          <a:stretch>
+            <a:fillRect/>
+          </a:stretch>
+        </p:blipFill>
+        <p:spPr>
+          <a:xfrm>
+            <a:off x="5236029" y="607786"/>
+            <a:ext cx="6553200" cy="2311400"/>
+          </a:xfrm>
+          <a:prstGeom prst="rect">
+            <a:avLst/>
+          </a:prstGeom>
+        </p:spPr>
+      </p:pic>
+      <p:sp>
+        <p:nvSpPr>
+          <p:cNvPr id="3" name="Rectangle 2">
+            <a:extLst>
+              <a:ext uri="{FF2B5EF4-FFF2-40B4-BE49-F238E27FC236}">
+                <a16:creationId xmlns:a16="http://schemas.microsoft.com/office/drawing/2014/main" id="{781EABF4-406A-6A4D-B094-08CF62778B74}"/>
+              </a:ext>
+            </a:extLst>
+          </p:cNvPr>
+          <p:cNvSpPr/>
+          <p:nvPr/>
+        </p:nvSpPr>
+        <p:spPr>
+          <a:xfrm>
+            <a:off x="424721" y="362635"/>
+            <a:ext cx="3802505" cy="923330"/>
+          </a:xfrm>
+          <a:prstGeom prst="rect">
+            <a:avLst/>
+          </a:prstGeom>
+        </p:spPr>
+        <p:txBody>
+          <a:bodyPr wrap="square">
+            <a:spAutoFit/>
+          </a:bodyPr>
+          <a:lstStyle/>
+          <a:p>
+            <a:r>
+              <a:rPr lang="en-US" dirty="0"/>
+              <a:t>Wolfgang et al. 2016</a:t>
+            </a:r>
+          </a:p>
+          <a:p>
+            <a:r>
+              <a:rPr lang="en-US" dirty="0">
+                <a:hlinkClick r:id="rId3"/>
+              </a:rPr>
+              <a:t>https://</a:t>
+            </a:r>
+            <a:r>
+              <a:rPr lang="en-US" dirty="0" err="1">
+                <a:hlinkClick r:id="rId3"/>
+              </a:rPr>
+              <a:t>ui.adsabs.harvard.edu</a:t>
+            </a:r>
+            <a:r>
+              <a:rPr lang="en-US" dirty="0">
+                <a:hlinkClick r:id="rId3"/>
+              </a:rPr>
+              <a:t>/#abs/2016ApJ...825...19W/abstract</a:t>
+            </a:r>
+            <a:endParaRPr lang="en-US" dirty="0"/>
+          </a:p>
+        </p:txBody>
+      </p:sp>
+      <p:pic>
+        <p:nvPicPr>
+          <p:cNvPr id="4" name="Picture 3">
+            <a:extLst>
+              <a:ext uri="{FF2B5EF4-FFF2-40B4-BE49-F238E27FC236}">
+                <a16:creationId xmlns:a16="http://schemas.microsoft.com/office/drawing/2014/main" id="{D78B9C9F-80A1-D740-98DD-73321823348D}"/>
+              </a:ext>
+            </a:extLst>
+          </p:cNvPr>
+          <p:cNvPicPr>
+            <a:picLocks noChangeAspect="1"/>
+          </p:cNvPicPr>
+          <p:nvPr/>
+        </p:nvPicPr>
+        <p:blipFill>
+          <a:blip r:embed="rId4"/>
+          <a:stretch>
+            <a:fillRect/>
+          </a:stretch>
+        </p:blipFill>
+        <p:spPr>
+          <a:xfrm>
+            <a:off x="5236029" y="3466193"/>
+            <a:ext cx="6553200" cy="2832100"/>
+          </a:xfrm>
+          <a:prstGeom prst="rect">
+            <a:avLst/>
+          </a:prstGeom>
+        </p:spPr>
+      </p:pic>
+      <p:sp>
+        <p:nvSpPr>
+          <p:cNvPr id="5" name="Rectangle 4">
+            <a:extLst>
+              <a:ext uri="{FF2B5EF4-FFF2-40B4-BE49-F238E27FC236}">
+                <a16:creationId xmlns:a16="http://schemas.microsoft.com/office/drawing/2014/main" id="{5DA09791-4352-BD4B-BBFE-73B5087679AC}"/>
+              </a:ext>
+            </a:extLst>
+          </p:cNvPr>
+          <p:cNvSpPr/>
+          <p:nvPr/>
+        </p:nvSpPr>
+        <p:spPr>
+          <a:xfrm>
+            <a:off x="6055854" y="5118783"/>
+            <a:ext cx="5733375" cy="1179509"/>
+          </a:xfrm>
+          <a:prstGeom prst="rect">
+            <a:avLst/>
+          </a:prstGeom>
+          <a:solidFill>
+            <a:schemeClr val="accent2">
+              <a:lumMod val="75000"/>
+              <a:alpha val="39000"/>
+            </a:schemeClr>
+          </a:solidFill>
+          <a:ln>
+            <a:noFill/>
+          </a:ln>
+        </p:spPr>
+        <p:style>
+          <a:lnRef idx="2">
+            <a:schemeClr val="accent1">
+              <a:shade val="50000"/>
+            </a:schemeClr>
+          </a:lnRef>
+          <a:fillRef idx="1">
+            <a:schemeClr val="accent1"/>
+          </a:fillRef>
+          <a:effectRef idx="0">
+            <a:schemeClr val="accent1"/>
+          </a:effectRef>
+          <a:fontRef idx="minor">
+            <a:schemeClr val="lt1"/>
+          </a:fontRef>
+        </p:style>
+        <p:txBody>
+          <a:bodyPr rtlCol="0" anchor="ctr"/>
+          <a:lstStyle/>
+          <a:p>
+            <a:pPr algn="ctr"/>
+            <a:endParaRPr lang="en-US"/>
+          </a:p>
+        </p:txBody>
+      </p:sp>
+      <p:sp>
+        <p:nvSpPr>
+          <p:cNvPr id="6" name="Rectangle 5">
+            <a:extLst>
+              <a:ext uri="{FF2B5EF4-FFF2-40B4-BE49-F238E27FC236}">
+                <a16:creationId xmlns:a16="http://schemas.microsoft.com/office/drawing/2014/main" id="{9EA62E74-E793-A94C-B469-382628D82AEA}"/>
+              </a:ext>
+            </a:extLst>
+          </p:cNvPr>
+          <p:cNvSpPr/>
+          <p:nvPr/>
+        </p:nvSpPr>
+        <p:spPr>
+          <a:xfrm>
+            <a:off x="5236028" y="5415643"/>
+            <a:ext cx="819825" cy="882649"/>
+          </a:xfrm>
+          <a:prstGeom prst="rect">
+            <a:avLst/>
+          </a:prstGeom>
+          <a:solidFill>
+            <a:schemeClr val="accent2">
+              <a:lumMod val="75000"/>
+              <a:alpha val="39000"/>
+            </a:schemeClr>
+          </a:solidFill>
+          <a:ln>
+            <a:noFill/>
+          </a:ln>
+        </p:spPr>
+        <p:style>
+          <a:lnRef idx="2">
+            <a:schemeClr val="accent1">
+              <a:shade val="50000"/>
+            </a:schemeClr>
+          </a:lnRef>
+          <a:fillRef idx="1">
+            <a:schemeClr val="accent1"/>
+          </a:fillRef>
+          <a:effectRef idx="0">
+            <a:schemeClr val="accent1"/>
+          </a:effectRef>
+          <a:fontRef idx="minor">
+            <a:schemeClr val="lt1"/>
+          </a:fontRef>
+        </p:style>
+        <p:txBody>
+          <a:bodyPr rtlCol="0" anchor="ctr"/>
+          <a:lstStyle/>
+          <a:p>
+            <a:pPr algn="ctr"/>
+            <a:endParaRPr lang="en-US"/>
+          </a:p>
+        </p:txBody>
+      </p:sp>
+    </p:spTree>
+    <p:extLst>
+      <p:ext uri="{BB962C8B-B14F-4D97-AF65-F5344CB8AC3E}">
+        <p14:creationId xmlns:p14="http://schemas.microsoft.com/office/powerpoint/2010/main" val="2621006697"/>
+      </p:ext>
+    </p:extLst>
+  </p:cSld>
+  <p:clrMapOvr>
+    <a:masterClrMapping/>
+  </p:clrMapOvr>
+</p:sld>
+</file>
+
+<file path=ppt/slides/slide17.xml><?xml version="1.0" encoding="utf-8"?>
+<p:sld xmlns:a="http://schemas.openxmlformats.org/drawingml/2006/main" xmlns:r="http://schemas.openxmlformats.org/officeDocument/2006/relationships" xmlns:p="http://schemas.openxmlformats.org/presentationml/2006/main">
+  <p:cSld>
+    <p:spTree>
+      <p:nvGrpSpPr>
+        <p:cNvPr id="1" name=""/>
+        <p:cNvGrpSpPr/>
+        <p:nvPr/>
+      </p:nvGrpSpPr>
+      <p:grpSpPr>
+        <a:xfrm>
+          <a:off x="0" y="0"/>
+          <a:ext cx="0" cy="0"/>
+          <a:chOff x="0" y="0"/>
+          <a:chExt cx="0" cy="0"/>
+        </a:xfrm>
+      </p:grpSpPr>
+      <p:sp>
+        <p:nvSpPr>
+          <p:cNvPr id="2" name="Rectangle 1">
+            <a:extLst>
+              <a:ext uri="{FF2B5EF4-FFF2-40B4-BE49-F238E27FC236}">
+                <a16:creationId xmlns:a16="http://schemas.microsoft.com/office/drawing/2014/main" id="{36FEC782-BD56-1843-9A7F-E51E3BD2F8D5}"/>
+              </a:ext>
+            </a:extLst>
+          </p:cNvPr>
+          <p:cNvSpPr/>
+          <p:nvPr/>
+        </p:nvSpPr>
+        <p:spPr>
+          <a:xfrm>
+            <a:off x="0" y="689206"/>
+            <a:ext cx="3185003" cy="1200329"/>
+          </a:xfrm>
+          <a:prstGeom prst="rect">
+            <a:avLst/>
+          </a:prstGeom>
+        </p:spPr>
+        <p:txBody>
+          <a:bodyPr wrap="square">
+            <a:spAutoFit/>
+          </a:bodyPr>
+          <a:lstStyle/>
+          <a:p>
+            <a:r>
+              <a:rPr lang="en-US" dirty="0"/>
+              <a:t>Wolfgang et al. 2016</a:t>
+            </a:r>
+          </a:p>
+          <a:p>
+            <a:r>
+              <a:rPr lang="en-US" dirty="0">
+                <a:hlinkClick r:id="rId2"/>
+              </a:rPr>
+              <a:t>https://</a:t>
+            </a:r>
+            <a:r>
+              <a:rPr lang="en-US" dirty="0" err="1">
+                <a:hlinkClick r:id="rId2"/>
+              </a:rPr>
+              <a:t>ui.adsabs.harvard.edu</a:t>
+            </a:r>
+            <a:r>
+              <a:rPr lang="en-US" dirty="0">
+                <a:hlinkClick r:id="rId2"/>
+              </a:rPr>
+              <a:t>/#abs/2016ApJ...825...19W/abstract</a:t>
+            </a:r>
+            <a:endParaRPr lang="en-US" dirty="0"/>
+          </a:p>
+        </p:txBody>
+      </p:sp>
+      <p:pic>
+        <p:nvPicPr>
+          <p:cNvPr id="3" name="Picture 2">
+            <a:extLst>
+              <a:ext uri="{FF2B5EF4-FFF2-40B4-BE49-F238E27FC236}">
+                <a16:creationId xmlns:a16="http://schemas.microsoft.com/office/drawing/2014/main" id="{241F0702-7D19-6F4A-8AA6-BA151AA1454A}"/>
+              </a:ext>
+            </a:extLst>
+          </p:cNvPr>
+          <p:cNvPicPr>
+            <a:picLocks noChangeAspect="1"/>
+          </p:cNvPicPr>
+          <p:nvPr/>
+        </p:nvPicPr>
+        <p:blipFill>
+          <a:blip r:embed="rId3"/>
+          <a:stretch>
+            <a:fillRect/>
+          </a:stretch>
+        </p:blipFill>
+        <p:spPr>
+          <a:xfrm>
+            <a:off x="3185003" y="0"/>
+            <a:ext cx="9006997" cy="6858000"/>
+          </a:xfrm>
+          <a:prstGeom prst="rect">
+            <a:avLst/>
+          </a:prstGeom>
+        </p:spPr>
+      </p:pic>
+    </p:spTree>
+    <p:extLst>
+      <p:ext uri="{BB962C8B-B14F-4D97-AF65-F5344CB8AC3E}">
+        <p14:creationId xmlns:p14="http://schemas.microsoft.com/office/powerpoint/2010/main" val="1437639476"/>
+      </p:ext>
+    </p:extLst>
+  </p:cSld>
+  <p:clrMapOvr>
+    <a:masterClrMapping/>
+  </p:clrMapOvr>
+</p:sld>
+</file>
+
+<file path=ppt/slides/slide18.xml><?xml version="1.0" encoding="utf-8"?>
+<p:sld xmlns:a="http://schemas.openxmlformats.org/drawingml/2006/main" xmlns:r="http://schemas.openxmlformats.org/officeDocument/2006/relationships" xmlns:p="http://schemas.openxmlformats.org/presentationml/2006/main">
+  <p:cSld>
+    <p:spTree>
+      <p:nvGrpSpPr>
+        <p:cNvPr id="1" name=""/>
+        <p:cNvGrpSpPr/>
+        <p:nvPr/>
+      </p:nvGrpSpPr>
+      <p:grpSpPr>
+        <a:xfrm>
+          <a:off x="0" y="0"/>
+          <a:ext cx="0" cy="0"/>
+          <a:chOff x="0" y="0"/>
+          <a:chExt cx="0" cy="0"/>
+        </a:xfrm>
+      </p:grpSpPr>
+      <p:pic>
+        <p:nvPicPr>
+          <p:cNvPr id="2" name="Picture 1">
+            <a:extLst>
+              <a:ext uri="{FF2B5EF4-FFF2-40B4-BE49-F238E27FC236}">
+                <a16:creationId xmlns:a16="http://schemas.microsoft.com/office/drawing/2014/main" id="{63852A16-93E6-C746-8747-6892ABAD379B}"/>
+              </a:ext>
+            </a:extLst>
+          </p:cNvPr>
+          <p:cNvPicPr>
+            <a:picLocks noChangeAspect="1"/>
+          </p:cNvPicPr>
+          <p:nvPr/>
+        </p:nvPicPr>
+        <p:blipFill>
+          <a:blip r:embed="rId2"/>
+          <a:stretch>
+            <a:fillRect/>
+          </a:stretch>
+        </p:blipFill>
+        <p:spPr>
+          <a:xfrm>
+            <a:off x="1809750" y="1558472"/>
+            <a:ext cx="9029700" cy="4165600"/>
+          </a:xfrm>
+          <a:prstGeom prst="rect">
+            <a:avLst/>
+          </a:prstGeom>
+        </p:spPr>
+      </p:pic>
+      <p:pic>
+        <p:nvPicPr>
+          <p:cNvPr id="3" name="Picture 2">
+            <a:extLst>
+              <a:ext uri="{FF2B5EF4-FFF2-40B4-BE49-F238E27FC236}">
+                <a16:creationId xmlns:a16="http://schemas.microsoft.com/office/drawing/2014/main" id="{1AC53082-9869-9248-B58B-EE081864616E}"/>
+              </a:ext>
+            </a:extLst>
+          </p:cNvPr>
+          <p:cNvPicPr>
+            <a:picLocks noChangeAspect="1"/>
+          </p:cNvPicPr>
+          <p:nvPr/>
+        </p:nvPicPr>
+        <p:blipFill>
+          <a:blip r:embed="rId3"/>
+          <a:stretch>
+            <a:fillRect/>
+          </a:stretch>
+        </p:blipFill>
+        <p:spPr>
+          <a:xfrm>
+            <a:off x="1809750" y="159657"/>
+            <a:ext cx="8724900" cy="1346200"/>
+          </a:xfrm>
+          <a:prstGeom prst="rect">
+            <a:avLst/>
+          </a:prstGeom>
+        </p:spPr>
+      </p:pic>
+      <p:sp>
+        <p:nvSpPr>
+          <p:cNvPr id="4" name="TextBox 3">
+            <a:extLst>
+              <a:ext uri="{FF2B5EF4-FFF2-40B4-BE49-F238E27FC236}">
+                <a16:creationId xmlns:a16="http://schemas.microsoft.com/office/drawing/2014/main" id="{2C3FC242-04AF-674D-A391-DD4AA8591869}"/>
+              </a:ext>
+            </a:extLst>
+          </p:cNvPr>
+          <p:cNvSpPr txBox="1"/>
+          <p:nvPr/>
+        </p:nvSpPr>
+        <p:spPr>
+          <a:xfrm>
+            <a:off x="1289957" y="5845629"/>
+            <a:ext cx="9549493" cy="646331"/>
+          </a:xfrm>
+          <a:prstGeom prst="rect">
+            <a:avLst/>
+          </a:prstGeom>
+          <a:noFill/>
+        </p:spPr>
+        <p:txBody>
+          <a:bodyPr wrap="square" rtlCol="0">
+            <a:spAutoFit/>
+          </a:bodyPr>
+          <a:lstStyle/>
+          <a:p>
+            <a:pPr algn="ctr"/>
+            <a:r>
+              <a:rPr lang="en-US" sz="3600" dirty="0"/>
+              <a:t>DAO Colloquium Speaker: 12 March 2019</a:t>
+            </a:r>
+          </a:p>
+        </p:txBody>
+      </p:sp>
+    </p:spTree>
+    <p:extLst>
+      <p:ext uri="{BB962C8B-B14F-4D97-AF65-F5344CB8AC3E}">
+        <p14:creationId xmlns:p14="http://schemas.microsoft.com/office/powerpoint/2010/main" val="1957601603"/>
       </p:ext>
     </p:extLst>
   </p:cSld>
@@ -3973,7 +5591,7 @@
           <p:cNvPr id="2" name="Title 1">
             <a:extLst>
               <a:ext uri="{FF2B5EF4-FFF2-40B4-BE49-F238E27FC236}">
-                <a16:creationId xmlns:a16="http://schemas.microsoft.com/office/drawing/2014/main" xmlns="" id="{DF8665D3-0A49-E64C-90AD-F8B2DE5DF5F4}"/>
+                <a16:creationId xmlns:a16="http://schemas.microsoft.com/office/drawing/2014/main" id="{DF8665D3-0A49-E64C-90AD-F8B2DE5DF5F4}"/>
               </a:ext>
             </a:extLst>
           </p:cNvPr>
@@ -4001,7 +5619,7 @@
           <p:cNvPr id="3" name="Content Placeholder 2">
             <a:extLst>
               <a:ext uri="{FF2B5EF4-FFF2-40B4-BE49-F238E27FC236}">
-                <a16:creationId xmlns:a16="http://schemas.microsoft.com/office/drawing/2014/main" xmlns="" id="{98374AEE-1BB8-2046-B743-202D555E4203}"/>
+                <a16:creationId xmlns:a16="http://schemas.microsoft.com/office/drawing/2014/main" id="{98374AEE-1BB8-2046-B743-202D555E4203}"/>
               </a:ext>
             </a:extLst>
           </p:cNvPr>
@@ -4059,7 +5677,7 @@
           <p:cNvPr id="2" name="Title 1">
             <a:extLst>
               <a:ext uri="{FF2B5EF4-FFF2-40B4-BE49-F238E27FC236}">
-                <a16:creationId xmlns:a16="http://schemas.microsoft.com/office/drawing/2014/main" xmlns="" id="{524DB304-4D46-D74B-B3CC-6263FC708DD7}"/>
+                <a16:creationId xmlns:a16="http://schemas.microsoft.com/office/drawing/2014/main" id="{524DB304-4D46-D74B-B3CC-6263FC708DD7}"/>
               </a:ext>
             </a:extLst>
           </p:cNvPr>
@@ -4087,7 +5705,7 @@
           <p:cNvPr id="3" name="Content Placeholder 2">
             <a:extLst>
               <a:ext uri="{FF2B5EF4-FFF2-40B4-BE49-F238E27FC236}">
-                <a16:creationId xmlns:a16="http://schemas.microsoft.com/office/drawing/2014/main" xmlns="" id="{76D6D6DC-2792-D64F-887A-08DEC3346D8D}"/>
+                <a16:creationId xmlns:a16="http://schemas.microsoft.com/office/drawing/2014/main" id="{76D6D6DC-2792-D64F-887A-08DEC3346D8D}"/>
               </a:ext>
             </a:extLst>
           </p:cNvPr>
@@ -4282,7 +5900,7 @@
           <p:cNvPr id="4" name="Left Arrow 3">
             <a:extLst>
               <a:ext uri="{FF2B5EF4-FFF2-40B4-BE49-F238E27FC236}">
-                <a16:creationId xmlns:a16="http://schemas.microsoft.com/office/drawing/2014/main" xmlns="" id="{826F816B-5177-FE46-B643-145DEC83B8A7}"/>
+                <a16:creationId xmlns:a16="http://schemas.microsoft.com/office/drawing/2014/main" id="{826F816B-5177-FE46-B643-145DEC83B8A7}"/>
               </a:ext>
             </a:extLst>
           </p:cNvPr>
@@ -4328,7 +5946,7 @@
           <p:cNvPr id="5" name="Left Arrow 4">
             <a:extLst>
               <a:ext uri="{FF2B5EF4-FFF2-40B4-BE49-F238E27FC236}">
-                <a16:creationId xmlns:a16="http://schemas.microsoft.com/office/drawing/2014/main" xmlns="" id="{DE2585E6-A55F-924B-8D45-1326938D78F6}"/>
+                <a16:creationId xmlns:a16="http://schemas.microsoft.com/office/drawing/2014/main" id="{DE2585E6-A55F-924B-8D45-1326938D78F6}"/>
               </a:ext>
             </a:extLst>
           </p:cNvPr>
@@ -4374,7 +5992,7 @@
           <p:cNvPr id="6" name="Left Arrow 5">
             <a:extLst>
               <a:ext uri="{FF2B5EF4-FFF2-40B4-BE49-F238E27FC236}">
-                <a16:creationId xmlns:a16="http://schemas.microsoft.com/office/drawing/2014/main" xmlns="" id="{29505031-97A7-F647-B8B6-770D8B694538}"/>
+                <a16:creationId xmlns:a16="http://schemas.microsoft.com/office/drawing/2014/main" id="{29505031-97A7-F647-B8B6-770D8B694538}"/>
               </a:ext>
             </a:extLst>
           </p:cNvPr>
@@ -4420,7 +6038,7 @@
           <p:cNvPr id="7" name="TextBox 6">
             <a:extLst>
               <a:ext uri="{FF2B5EF4-FFF2-40B4-BE49-F238E27FC236}">
-                <a16:creationId xmlns:a16="http://schemas.microsoft.com/office/drawing/2014/main" xmlns="" id="{965D0F63-9216-DC48-98E3-A604D7AA24A5}"/>
+                <a16:creationId xmlns:a16="http://schemas.microsoft.com/office/drawing/2014/main" id="{965D0F63-9216-DC48-98E3-A604D7AA24A5}"/>
               </a:ext>
             </a:extLst>
           </p:cNvPr>
@@ -4459,7 +6077,7 @@
           <p:cNvPr id="8" name="TextBox 7">
             <a:extLst>
               <a:ext uri="{FF2B5EF4-FFF2-40B4-BE49-F238E27FC236}">
-                <a16:creationId xmlns:a16="http://schemas.microsoft.com/office/drawing/2014/main" xmlns="" id="{1DC41D93-58D7-0545-9320-D820CC325552}"/>
+                <a16:creationId xmlns:a16="http://schemas.microsoft.com/office/drawing/2014/main" id="{1DC41D93-58D7-0545-9320-D820CC325552}"/>
               </a:ext>
             </a:extLst>
           </p:cNvPr>
@@ -4498,7 +6116,7 @@
           <p:cNvPr id="9" name="TextBox 8">
             <a:extLst>
               <a:ext uri="{FF2B5EF4-FFF2-40B4-BE49-F238E27FC236}">
-                <a16:creationId xmlns:a16="http://schemas.microsoft.com/office/drawing/2014/main" xmlns="" id="{46465FE3-EED5-5A46-9BAB-CA8D17D673DE}"/>
+                <a16:creationId xmlns:a16="http://schemas.microsoft.com/office/drawing/2014/main" id="{46465FE3-EED5-5A46-9BAB-CA8D17D673DE}"/>
               </a:ext>
             </a:extLst>
           </p:cNvPr>
@@ -4545,7 +6163,7 @@
   <p:timing>
     <p:tnLst>
       <p:par>
-        <p:cTn xmlns:p14="http://schemas.microsoft.com/office/powerpoint/2010/main" id="1" dur="indefinite" restart="never" nodeType="tmRoot">
+        <p:cTn id="1" dur="indefinite" restart="never" nodeType="tmRoot">
           <p:childTnLst>
             <p:seq concurrent="1" nextAc="seek">
               <p:cTn id="2" dur="indefinite" nodeType="mainSeq">
@@ -4821,7 +6439,7 @@
           <p:cNvPr id="2" name="Title 1">
             <a:extLst>
               <a:ext uri="{FF2B5EF4-FFF2-40B4-BE49-F238E27FC236}">
-                <a16:creationId xmlns:a16="http://schemas.microsoft.com/office/drawing/2014/main" xmlns="" id="{875D083F-22C5-7541-A985-5C2846B75F4A}"/>
+                <a16:creationId xmlns:a16="http://schemas.microsoft.com/office/drawing/2014/main" id="{875D083F-22C5-7541-A985-5C2846B75F4A}"/>
               </a:ext>
             </a:extLst>
           </p:cNvPr>
@@ -4849,7 +6467,7 @@
           <p:cNvPr id="3" name="Content Placeholder 2">
             <a:extLst>
               <a:ext uri="{FF2B5EF4-FFF2-40B4-BE49-F238E27FC236}">
-                <a16:creationId xmlns:a16="http://schemas.microsoft.com/office/drawing/2014/main" xmlns="" id="{6E5BFA7D-9EB0-7B48-BD7D-C89EA2BA4294}"/>
+                <a16:creationId xmlns:a16="http://schemas.microsoft.com/office/drawing/2014/main" id="{6E5BFA7D-9EB0-7B48-BD7D-C89EA2BA4294}"/>
               </a:ext>
             </a:extLst>
           </p:cNvPr>
@@ -4904,7 +6522,7 @@
           <p:cNvPr id="2" name="Title 1">
             <a:extLst>
               <a:ext uri="{FF2B5EF4-FFF2-40B4-BE49-F238E27FC236}">
-                <a16:creationId xmlns:a16="http://schemas.microsoft.com/office/drawing/2014/main" xmlns="" id="{68484C7B-DC80-5444-AAB5-C5211BCC9220}"/>
+                <a16:creationId xmlns:a16="http://schemas.microsoft.com/office/drawing/2014/main" id="{68484C7B-DC80-5444-AAB5-C5211BCC9220}"/>
               </a:ext>
             </a:extLst>
           </p:cNvPr>
@@ -4921,10 +6539,9 @@
           <a:lstStyle/>
           <a:p>
             <a:r>
-              <a:rPr lang="en-US" dirty="0" smtClean="0"/>
+              <a:rPr lang="en-US" dirty="0"/>
               <a:t>MCMC Convergence</a:t>
             </a:r>
-            <a:endParaRPr lang="en-US" dirty="0"/>
           </a:p>
         </p:txBody>
       </p:sp>
@@ -4933,7 +6550,7 @@
           <p:cNvPr id="3" name="Content Placeholder 2">
             <a:extLst>
               <a:ext uri="{FF2B5EF4-FFF2-40B4-BE49-F238E27FC236}">
-                <a16:creationId xmlns:a16="http://schemas.microsoft.com/office/drawing/2014/main" xmlns="" id="{2B0C391B-D405-4D48-B479-3DF7D4DC04B4}"/>
+                <a16:creationId xmlns:a16="http://schemas.microsoft.com/office/drawing/2014/main" id="{2B0C391B-D405-4D48-B479-3DF7D4DC04B4}"/>
               </a:ext>
             </a:extLst>
           </p:cNvPr>
@@ -4950,18 +6567,17 @@
           <a:lstStyle/>
           <a:p>
             <a:r>
-              <a:rPr lang="en-US" dirty="0" smtClean="0"/>
+              <a:rPr lang="en-US" dirty="0"/>
               <a:t>See </a:t>
             </a:r>
             <a:r>
-              <a:rPr lang="en-US" dirty="0" err="1" smtClean="0"/>
+              <a:rPr lang="en-US" dirty="0" err="1"/>
               <a:t>Jupyter</a:t>
             </a:r>
             <a:r>
-              <a:rPr lang="en-US" dirty="0" smtClean="0"/>
+              <a:rPr lang="en-US" dirty="0"/>
               <a:t> Notebook</a:t>
             </a:r>
-            <a:endParaRPr lang="en-US" dirty="0"/>
           </a:p>
         </p:txBody>
       </p:sp>
@@ -5011,10 +6627,9 @@
           <a:lstStyle/>
           <a:p>
             <a:r>
-              <a:rPr lang="en-US" dirty="0" smtClean="0"/>
+              <a:rPr lang="en-US" dirty="0"/>
               <a:t>MCMC Algorithms (board)</a:t>
             </a:r>
-            <a:endParaRPr lang="en-US" dirty="0"/>
           </a:p>
         </p:txBody>
       </p:sp>
@@ -5083,10 +6698,9 @@
           <a:lstStyle/>
           <a:p>
             <a:r>
-              <a:rPr lang="en-US" dirty="0" smtClean="0"/>
+              <a:rPr lang="en-US" dirty="0"/>
               <a:t>Multi-modal: Parallel Tempering (1)</a:t>
             </a:r>
-            <a:endParaRPr lang="en-US" dirty="0"/>
           </a:p>
         </p:txBody>
       </p:sp>
@@ -5106,13 +6720,13 @@
           <a:lstStyle/>
           <a:p>
             <a:r>
-              <a:rPr lang="en-US" dirty="0" smtClean="0"/>
+              <a:rPr lang="en-US" dirty="0"/>
               <a:t>Run multiple simultaneous versions of your ensemble at different “temperatures”</a:t>
             </a:r>
           </a:p>
           <a:p>
             <a:r>
-              <a:rPr lang="en-US" dirty="0" smtClean="0"/>
+              <a:rPr lang="en-US" dirty="0"/>
               <a:t>Takes your normal likelihood function and raises it to the power of 1/T, so that you are sampling from:</a:t>
             </a:r>
           </a:p>
@@ -5121,30 +6735,30 @@
               <a:buNone/>
             </a:pPr>
             <a:r>
-              <a:rPr lang="en-US" dirty="0" smtClean="0"/>
+              <a:rPr lang="en-US" dirty="0"/>
               <a:t> </a:t>
             </a:r>
           </a:p>
           <a:p>
             <a:r>
-              <a:rPr lang="en-US" dirty="0" smtClean="0"/>
+              <a:rPr lang="en-US" dirty="0"/>
               <a:t>Note that for T = 1, this is the same as before</a:t>
             </a:r>
           </a:p>
           <a:p>
             <a:r>
-              <a:rPr lang="en-US" dirty="0" smtClean="0"/>
+              <a:rPr lang="en-US" dirty="0"/>
               <a:t>Higher temperatures (T&gt;&gt;1) flattens out the likelihood function, allows sampling across all of prior space</a:t>
             </a:r>
           </a:p>
           <a:p>
             <a:r>
-              <a:rPr lang="en-US" dirty="0" smtClean="0"/>
+              <a:rPr lang="en-US" dirty="0"/>
               <a:t>Lower temperatures better at sampling peaks</a:t>
             </a:r>
           </a:p>
           <a:p>
-            <a:endParaRPr lang="en-US" dirty="0" smtClean="0"/>
+            <a:endParaRPr lang="en-US" dirty="0"/>
           </a:p>
         </p:txBody>
       </p:sp>
@@ -5195,14 +6809,13 @@
           <a:lstStyle/>
           <a:p>
             <a:r>
-              <a:rPr lang="en-US" dirty="0" err="1" smtClean="0"/>
+              <a:rPr lang="en-US" dirty="0" err="1"/>
               <a:t>Vousden</a:t>
             </a:r>
             <a:r>
-              <a:rPr lang="en-US" dirty="0" smtClean="0"/>
+              <a:rPr lang="en-US" dirty="0"/>
               <a:t> et al. 2016, MNRAS</a:t>
             </a:r>
-            <a:endParaRPr lang="en-US" dirty="0"/>
           </a:p>
         </p:txBody>
       </p:sp>
@@ -5252,10 +6865,9 @@
           <a:lstStyle/>
           <a:p>
             <a:r>
-              <a:rPr lang="en-US" dirty="0" smtClean="0"/>
+              <a:rPr lang="en-US" dirty="0"/>
               <a:t>Parallel Tempering (2)</a:t>
             </a:r>
-            <a:endParaRPr lang="en-US" dirty="0"/>
           </a:p>
         </p:txBody>
       </p:sp>
@@ -5289,38 +6901,36 @@
               <a:rPr lang="en-US" dirty="0"/>
               <a:t>				</a:t>
             </a:r>
-            <a:endParaRPr lang="en-US" dirty="0" smtClean="0"/>
           </a:p>
           <a:p>
             <a:pPr marL="0" indent="0">
               <a:buNone/>
             </a:pPr>
             <a:r>
-              <a:rPr lang="en-US" dirty="0" smtClean="0"/>
+              <a:rPr lang="en-US" dirty="0"/>
               <a:t> </a:t>
             </a:r>
           </a:p>
           <a:p>
             <a:r>
-              <a:rPr lang="en-US" dirty="0" smtClean="0"/>
+              <a:rPr lang="en-US" dirty="0"/>
               <a:t>At predetermined times, the ensembles at different temperatures proposes to swap positions of their walkers which are accepted with probability (to preserve detailed balance)</a:t>
             </a:r>
           </a:p>
           <a:p>
-            <a:endParaRPr lang="en-US" dirty="0" smtClean="0"/>
-          </a:p>
-          <a:p>
             <a:endParaRPr lang="en-US" dirty="0"/>
           </a:p>
           <a:p>
             <a:endParaRPr lang="en-US" dirty="0"/>
           </a:p>
           <a:p>
-            <a:r>
-              <a:rPr lang="en-US" dirty="0" smtClean="0"/>
+            <a:endParaRPr lang="en-US" dirty="0"/>
+          </a:p>
+          <a:p>
+            <a:r>
+              <a:rPr lang="en-US" dirty="0"/>
               <a:t>Note: the lowest temperature chain (base chain) is usually the actual output, the other chains are just auxiliary chains to help sample the entire prior space through these swaps</a:t>
             </a:r>
-            <a:endParaRPr lang="en-US" dirty="0"/>
           </a:p>
         </p:txBody>
       </p:sp>
@@ -5395,14 +7005,13 @@
           <a:lstStyle/>
           <a:p>
             <a:r>
-              <a:rPr lang="en-US" dirty="0" err="1" smtClean="0"/>
+              <a:rPr lang="en-US" dirty="0" err="1"/>
               <a:t>Vousden</a:t>
             </a:r>
             <a:r>
-              <a:rPr lang="en-US" dirty="0" smtClean="0"/>
+              <a:rPr lang="en-US" dirty="0"/>
               <a:t> et al. 2016, MNRAS</a:t>
             </a:r>
-            <a:endParaRPr lang="en-US" dirty="0"/>
           </a:p>
         </p:txBody>
       </p:sp>
@@ -5452,10 +7061,9 @@
           <a:lstStyle/>
           <a:p>
             <a:r>
-              <a:rPr lang="en-US" dirty="0" smtClean="0"/>
+              <a:rPr lang="en-US" dirty="0"/>
               <a:t>Parallel Tempering (Notebook)</a:t>
             </a:r>
-            <a:endParaRPr lang="en-US" dirty="0"/>
           </a:p>
         </p:txBody>
       </p:sp>
@@ -5747,7 +7355,7 @@
   <a:extraClrSchemeLst/>
   <a:extLst>
     <a:ext uri="{05A4C25C-085E-4340-85A3-A5531E510DB2}">
-      <thm15:themeFamily xmlns:thm15="http://schemas.microsoft.com/office/thememl/2012/main" xmlns="" name="Office Theme" id="{62F939B6-93AF-4DB8-9C6B-D6C7DFDC589F}" vid="{4A3C46E8-61CC-4603-A589-7422A47A8E4A}"/>
+      <thm15:themeFamily xmlns:thm15="http://schemas.microsoft.com/office/thememl/2012/main" name="Office Theme" id="{62F939B6-93AF-4DB8-9C6B-D6C7DFDC589F}" vid="{4A3C46E8-61CC-4603-A589-7422A47A8E4A}"/>
     </a:ext>
   </a:extLst>
 </a:theme>
@@ -6042,7 +7650,7 @@
   <a:extraClrSchemeLst/>
   <a:extLst>
     <a:ext uri="{05A4C25C-085E-4340-85A3-A5531E510DB2}">
-      <thm15:themeFamily xmlns:thm15="http://schemas.microsoft.com/office/thememl/2012/main" xmlns="" name="Office Theme" id="{62F939B6-93AF-4DB8-9C6B-D6C7DFDC589F}" vid="{4A3C46E8-61CC-4603-A589-7422A47A8E4A}"/>
+      <thm15:themeFamily xmlns:thm15="http://schemas.microsoft.com/office/thememl/2012/main" name="Office Theme" id="{62F939B6-93AF-4DB8-9C6B-D6C7DFDC589F}" vid="{4A3C46E8-61CC-4603-A589-7422A47A8E4A}"/>
     </a:ext>
   </a:extLst>
 </a:theme>

--- a/Session2/slides.pptx
+++ b/Session2/slides.pptx
@@ -5,7 +5,7 @@
     <p:sldMasterId id="2147483648" r:id="rId1"/>
   </p:sldMasterIdLst>
   <p:notesMasterIdLst>
-    <p:notesMasterId r:id="rId20"/>
+    <p:notesMasterId r:id="rId22"/>
   </p:notesMasterIdLst>
   <p:sldIdLst>
     <p:sldId id="256" r:id="rId2"/>
@@ -14,18 +14,20 @@
     <p:sldId id="276" r:id="rId5"/>
     <p:sldId id="277" r:id="rId6"/>
     <p:sldId id="278" r:id="rId7"/>
-    <p:sldId id="279" r:id="rId8"/>
-    <p:sldId id="280" r:id="rId9"/>
-    <p:sldId id="281" r:id="rId10"/>
-    <p:sldId id="282" r:id="rId11"/>
-    <p:sldId id="283" r:id="rId12"/>
-    <p:sldId id="284" r:id="rId13"/>
-    <p:sldId id="285" r:id="rId14"/>
-    <p:sldId id="286" r:id="rId15"/>
-    <p:sldId id="287" r:id="rId16"/>
-    <p:sldId id="288" r:id="rId17"/>
-    <p:sldId id="289" r:id="rId18"/>
-    <p:sldId id="290" r:id="rId19"/>
+    <p:sldId id="291" r:id="rId8"/>
+    <p:sldId id="292" r:id="rId9"/>
+    <p:sldId id="279" r:id="rId10"/>
+    <p:sldId id="280" r:id="rId11"/>
+    <p:sldId id="281" r:id="rId12"/>
+    <p:sldId id="282" r:id="rId13"/>
+    <p:sldId id="283" r:id="rId14"/>
+    <p:sldId id="284" r:id="rId15"/>
+    <p:sldId id="285" r:id="rId16"/>
+    <p:sldId id="286" r:id="rId17"/>
+    <p:sldId id="287" r:id="rId18"/>
+    <p:sldId id="288" r:id="rId19"/>
+    <p:sldId id="289" r:id="rId20"/>
+    <p:sldId id="290" r:id="rId21"/>
   </p:sldIdLst>
   <p:sldSz cx="12192000" cy="6858000"/>
   <p:notesSz cx="6858000" cy="9144000"/>
@@ -3921,7 +3923,7 @@
           <a:p>
             <a:r>
               <a:rPr lang="en-US" dirty="0"/>
-              <a:t>Bayesian and MCMC in papers</a:t>
+              <a:t>Parallel Tempering (2)</a:t>
             </a:r>
           </a:p>
         </p:txBody>
@@ -3938,37 +3940,134 @@
         </p:nvSpPr>
         <p:spPr/>
         <p:txBody>
-          <a:bodyPr/>
+          <a:bodyPr>
+            <a:normAutofit fontScale="85000" lnSpcReduction="20000"/>
+          </a:bodyPr>
           <a:lstStyle/>
           <a:p>
             <a:r>
               <a:rPr lang="en-US" dirty="0"/>
-              <a:t>Bayesian inference / MCMC removes some arbitrary choices that frequentist analysis requires (e.g. p-value level), but you still have to make some choices (e.g. likelihood function form, priors, initial guesses)</a:t>
+              <a:t>Takes your normal likelihood function and raises it to the power of 1/T, so that you are sampling from:</a:t>
+            </a:r>
+          </a:p>
+          <a:p>
+            <a:pPr marL="0" indent="0">
+              <a:buNone/>
+            </a:pPr>
+            <a:r>
+              <a:rPr lang="en-US" dirty="0"/>
+              <a:t>				</a:t>
+            </a:r>
+          </a:p>
+          <a:p>
+            <a:pPr marL="0" indent="0">
+              <a:buNone/>
+            </a:pPr>
+            <a:r>
+              <a:rPr lang="en-US" dirty="0"/>
+              <a:t> </a:t>
+            </a:r>
+          </a:p>
+          <a:p>
+            <a:r>
+              <a:rPr lang="en-US" dirty="0"/>
+              <a:t>At predetermined times, the ensembles at different temperatures proposes to swap positions of their walkers which are accepted with probability (to preserve detailed balance)</a:t>
             </a:r>
           </a:p>
           <a:p>
             <a:endParaRPr lang="en-US" dirty="0"/>
           </a:p>
           <a:p>
+            <a:endParaRPr lang="en-US" dirty="0"/>
+          </a:p>
+          <a:p>
+            <a:endParaRPr lang="en-US" dirty="0"/>
+          </a:p>
+          <a:p>
             <a:r>
               <a:rPr lang="en-US" dirty="0"/>
-              <a:t>Important part is to be </a:t>
-            </a:r>
-            <a:r>
-              <a:rPr lang="en-US" b="1" dirty="0"/>
-              <a:t>explicit</a:t>
+              <a:t>Note: the lowest temperature chain (base chain) is usually the actual output, the other chains are just auxiliary chains to help sample the entire prior space through these swaps</a:t>
+            </a:r>
+          </a:p>
+        </p:txBody>
+      </p:sp>
+      <p:pic>
+        <p:nvPicPr>
+          <p:cNvPr id="4" name="Picture 3"/>
+          <p:cNvPicPr>
+            <a:picLocks noChangeAspect="1"/>
+          </p:cNvPicPr>
+          <p:nvPr/>
+        </p:nvPicPr>
+        <p:blipFill>
+          <a:blip r:embed="rId2"/>
+          <a:stretch>
+            <a:fillRect/>
+          </a:stretch>
+        </p:blipFill>
+        <p:spPr>
+          <a:xfrm>
+            <a:off x="5194424" y="2143745"/>
+            <a:ext cx="3810000" cy="927100"/>
+          </a:xfrm>
+          <a:prstGeom prst="rect">
+            <a:avLst/>
+          </a:prstGeom>
+        </p:spPr>
+      </p:pic>
+      <p:pic>
+        <p:nvPicPr>
+          <p:cNvPr id="5" name="Picture 4"/>
+          <p:cNvPicPr>
+            <a:picLocks noChangeAspect="1"/>
+          </p:cNvPicPr>
+          <p:nvPr/>
+        </p:nvPicPr>
+        <p:blipFill>
+          <a:blip r:embed="rId3"/>
+          <a:stretch>
+            <a:fillRect/>
+          </a:stretch>
+        </p:blipFill>
+        <p:spPr>
+          <a:xfrm>
+            <a:off x="5194424" y="3829565"/>
+            <a:ext cx="4392956" cy="1395596"/>
+          </a:xfrm>
+          <a:prstGeom prst="rect">
+            <a:avLst/>
+          </a:prstGeom>
+        </p:spPr>
+      </p:pic>
+      <p:sp>
+        <p:nvSpPr>
+          <p:cNvPr id="6" name="TextBox 5"/>
+          <p:cNvSpPr txBox="1"/>
+          <p:nvPr/>
+        </p:nvSpPr>
+        <p:spPr>
+          <a:xfrm>
+            <a:off x="9004424" y="6369536"/>
+            <a:ext cx="3125412" cy="369332"/>
+          </a:xfrm>
+          <a:prstGeom prst="rect">
+            <a:avLst/>
+          </a:prstGeom>
+          <a:noFill/>
+        </p:spPr>
+        <p:txBody>
+          <a:bodyPr wrap="none" rtlCol="0">
+            <a:spAutoFit/>
+          </a:bodyPr>
+          <a:lstStyle/>
+          <a:p>
+            <a:r>
+              <a:rPr lang="en-US" dirty="0" err="1"/>
+              <a:t>Vousden</a:t>
             </a:r>
             <a:r>
               <a:rPr lang="en-US" dirty="0"/>
-              <a:t> about all of your choices and while different choices will lead to different posteriors, the goal is for the reader to be able to </a:t>
-            </a:r>
-            <a:r>
-              <a:rPr lang="en-US" b="1" dirty="0"/>
-              <a:t>reproduce</a:t>
-            </a:r>
-            <a:r>
-              <a:rPr lang="en-US" dirty="0"/>
-              <a:t> your analysis if they made the same choices as you. </a:t>
+              <a:t> et al. 2016, MNRAS</a:t>
             </a:r>
           </a:p>
         </p:txBody>
@@ -3976,7 +4075,7 @@
     </p:spTree>
     <p:extLst>
       <p:ext uri="{BB962C8B-B14F-4D97-AF65-F5344CB8AC3E}">
-        <p14:creationId xmlns:p14="http://schemas.microsoft.com/office/powerpoint/2010/main" val="606161980"/>
+        <p14:creationId xmlns:p14="http://schemas.microsoft.com/office/powerpoint/2010/main" val="2526274701"/>
       </p:ext>
     </p:extLst>
   </p:cSld>
@@ -4005,13 +4104,7 @@
       </p:grpSpPr>
       <p:sp>
         <p:nvSpPr>
-          <p:cNvPr id="2" name="Title 1">
-            <a:extLst>
-              <a:ext uri="{FF2B5EF4-FFF2-40B4-BE49-F238E27FC236}">
-                <a16:creationId xmlns:a16="http://schemas.microsoft.com/office/drawing/2014/main" id="{68D2141D-73A5-7042-81F0-32D5844014AE}"/>
-              </a:ext>
-            </a:extLst>
-          </p:cNvPr>
+          <p:cNvPr id="2" name="Title 1"/>
           <p:cNvSpPr>
             <a:spLocks noGrp="1"/>
           </p:cNvSpPr>
@@ -4021,27 +4114,19 @@
         </p:nvSpPr>
         <p:spPr/>
         <p:txBody>
-          <a:bodyPr>
-            <a:normAutofit/>
-          </a:bodyPr>
-          <a:lstStyle/>
-          <a:p>
-            <a:r>
-              <a:rPr lang="en-US" sz="3600" dirty="0"/>
-              <a:t>Best practices for Bayesian analysis in papers</a:t>
-            </a:r>
-          </a:p>
-        </p:txBody>
-      </p:sp>
-      <p:sp>
-        <p:nvSpPr>
-          <p:cNvPr id="3" name="Content Placeholder 2">
-            <a:extLst>
-              <a:ext uri="{FF2B5EF4-FFF2-40B4-BE49-F238E27FC236}">
-                <a16:creationId xmlns:a16="http://schemas.microsoft.com/office/drawing/2014/main" id="{FE2C232F-DEBD-334A-9845-936664110A8A}"/>
-              </a:ext>
-            </a:extLst>
-          </p:cNvPr>
+          <a:bodyPr/>
+          <a:lstStyle/>
+          <a:p>
+            <a:r>
+              <a:rPr lang="en-US" dirty="0"/>
+              <a:t>Parallel Tempering (Notebook)</a:t>
+            </a:r>
+          </a:p>
+        </p:txBody>
+      </p:sp>
+      <p:sp>
+        <p:nvSpPr>
+          <p:cNvPr id="3" name="Content Placeholder 2"/>
           <p:cNvSpPr>
             <a:spLocks noGrp="1"/>
           </p:cNvSpPr>
@@ -4049,141 +4134,19 @@
             <p:ph idx="1"/>
           </p:nvPr>
         </p:nvSpPr>
-        <p:spPr>
-          <a:xfrm>
-            <a:off x="838200" y="1499016"/>
-            <a:ext cx="10515600" cy="5156617"/>
-          </a:xfrm>
-        </p:spPr>
-        <p:txBody>
-          <a:bodyPr>
-            <a:normAutofit lnSpcReduction="10000"/>
-          </a:bodyPr>
-          <a:lstStyle/>
-          <a:p>
-            <a:r>
-              <a:rPr lang="en-US" dirty="0"/>
-              <a:t>Be explicit about…</a:t>
-            </a:r>
-          </a:p>
-          <a:p>
-            <a:pPr lvl="1"/>
-            <a:r>
-              <a:rPr lang="en-US" dirty="0"/>
-              <a:t>Your prior distributions</a:t>
-            </a:r>
-          </a:p>
-          <a:p>
-            <a:pPr lvl="1"/>
-            <a:r>
-              <a:rPr lang="en-US" dirty="0"/>
-              <a:t>Your likelihood functional form</a:t>
-            </a:r>
-          </a:p>
-          <a:p>
-            <a:pPr lvl="1"/>
-            <a:r>
-              <a:rPr lang="en-US" dirty="0"/>
-              <a:t>What your data are --- make them available to the reader!</a:t>
-            </a:r>
-          </a:p>
-          <a:p>
-            <a:pPr lvl="1"/>
-            <a:r>
-              <a:rPr lang="en-US" dirty="0"/>
-              <a:t>What your posteriors are </a:t>
-            </a:r>
-          </a:p>
-          <a:p>
-            <a:pPr lvl="2"/>
-            <a:r>
-              <a:rPr lang="en-US" dirty="0"/>
-              <a:t>Publish the distribution and/or the samples, don’t just report median +/- </a:t>
-            </a:r>
-            <a:r>
-              <a:rPr lang="en-US" dirty="0" err="1"/>
-              <a:t>stddev</a:t>
-            </a:r>
-            <a:endParaRPr lang="en-US" dirty="0"/>
-          </a:p>
-          <a:p>
-            <a:pPr lvl="2"/>
-            <a:r>
-              <a:rPr lang="en-US" dirty="0"/>
-              <a:t>Plot the 1-D marginalized distributions, show corner plots to check for correlations (provide full N-D posterior for the reader to look in other ways)</a:t>
-            </a:r>
-          </a:p>
-          <a:p>
-            <a:pPr lvl="1"/>
-            <a:r>
-              <a:rPr lang="en-US" dirty="0"/>
-              <a:t>What your summary statistics mean</a:t>
-            </a:r>
-          </a:p>
-          <a:p>
-            <a:pPr lvl="2"/>
-            <a:r>
-              <a:rPr lang="en-US" dirty="0"/>
-              <a:t>Median? Mean? Confidence Interval: highest mass or centered on median?</a:t>
-            </a:r>
-          </a:p>
-          <a:p>
-            <a:pPr lvl="1"/>
-            <a:r>
-              <a:rPr lang="en-US" dirty="0"/>
-              <a:t>How your posteriors compare to your priors</a:t>
-            </a:r>
-          </a:p>
-          <a:p>
-            <a:pPr lvl="1"/>
-            <a:r>
-              <a:rPr lang="en-US" dirty="0"/>
-              <a:t>If MCMC, some discussion of convergence</a:t>
-            </a:r>
-          </a:p>
-          <a:p>
-            <a:pPr lvl="1"/>
-            <a:r>
-              <a:rPr lang="en-US" dirty="0"/>
-              <a:t>What choices in algorithms used (</a:t>
-            </a:r>
-            <a:r>
-              <a:rPr lang="en-US" dirty="0" err="1"/>
-              <a:t>eg.</a:t>
-            </a:r>
-            <a:r>
-              <a:rPr lang="en-US" dirty="0"/>
-              <a:t> sampling algorithm, # of walkers)</a:t>
-            </a:r>
-          </a:p>
-          <a:p>
-            <a:pPr lvl="1"/>
-            <a:r>
-              <a:rPr lang="en-US" dirty="0"/>
-              <a:t>Code/software version you used (cite the code!)</a:t>
-            </a:r>
-          </a:p>
-          <a:p>
-            <a:pPr lvl="2"/>
-            <a:r>
-              <a:rPr lang="en-US" dirty="0"/>
-              <a:t>If using your own code, consider publishing it as well</a:t>
-            </a:r>
-          </a:p>
-          <a:p>
-            <a:pPr lvl="1"/>
-            <a:endParaRPr lang="en-US" dirty="0"/>
-          </a:p>
-          <a:p>
-            <a:pPr lvl="1"/>
-            <a:endParaRPr lang="en-US" dirty="0"/>
+        <p:spPr/>
+        <p:txBody>
+          <a:bodyPr/>
+          <a:lstStyle/>
+          <a:p>
+            <a:endParaRPr lang="en-US"/>
           </a:p>
         </p:txBody>
       </p:sp>
     </p:spTree>
     <p:extLst>
       <p:ext uri="{BB962C8B-B14F-4D97-AF65-F5344CB8AC3E}">
-        <p14:creationId xmlns:p14="http://schemas.microsoft.com/office/powerpoint/2010/main" val="1324713668"/>
+        <p14:creationId xmlns:p14="http://schemas.microsoft.com/office/powerpoint/2010/main" val="4232928735"/>
       </p:ext>
     </p:extLst>
   </p:cSld>
@@ -4210,6 +4173,312 @@
           <a:chExt cx="0" cy="0"/>
         </a:xfrm>
       </p:grpSpPr>
+      <p:sp>
+        <p:nvSpPr>
+          <p:cNvPr id="2" name="Title 1"/>
+          <p:cNvSpPr>
+            <a:spLocks noGrp="1"/>
+          </p:cNvSpPr>
+          <p:nvPr>
+            <p:ph type="title"/>
+          </p:nvPr>
+        </p:nvSpPr>
+        <p:spPr/>
+        <p:txBody>
+          <a:bodyPr/>
+          <a:lstStyle/>
+          <a:p>
+            <a:r>
+              <a:rPr lang="en-US" dirty="0"/>
+              <a:t>Bayesian and MCMC in papers</a:t>
+            </a:r>
+          </a:p>
+        </p:txBody>
+      </p:sp>
+      <p:sp>
+        <p:nvSpPr>
+          <p:cNvPr id="3" name="Content Placeholder 2"/>
+          <p:cNvSpPr>
+            <a:spLocks noGrp="1"/>
+          </p:cNvSpPr>
+          <p:nvPr>
+            <p:ph idx="1"/>
+          </p:nvPr>
+        </p:nvSpPr>
+        <p:spPr/>
+        <p:txBody>
+          <a:bodyPr/>
+          <a:lstStyle/>
+          <a:p>
+            <a:r>
+              <a:rPr lang="en-US" dirty="0"/>
+              <a:t>Bayesian inference / MCMC removes some arbitrary choices that frequentist analysis requires (e.g. p-value level), but you still have to make some choices (e.g. likelihood function form, priors, initial guesses)</a:t>
+            </a:r>
+          </a:p>
+          <a:p>
+            <a:endParaRPr lang="en-US" dirty="0"/>
+          </a:p>
+          <a:p>
+            <a:r>
+              <a:rPr lang="en-US" dirty="0"/>
+              <a:t>Important part is to be </a:t>
+            </a:r>
+            <a:r>
+              <a:rPr lang="en-US" b="1" dirty="0"/>
+              <a:t>explicit</a:t>
+            </a:r>
+            <a:r>
+              <a:rPr lang="en-US" dirty="0"/>
+              <a:t> about all of your choices and while different choices will lead to different posteriors, the goal is for the reader to be able to </a:t>
+            </a:r>
+            <a:r>
+              <a:rPr lang="en-US" b="1" dirty="0"/>
+              <a:t>reproduce</a:t>
+            </a:r>
+            <a:r>
+              <a:rPr lang="en-US" dirty="0"/>
+              <a:t> your analysis if they made the same choices as you. </a:t>
+            </a:r>
+          </a:p>
+        </p:txBody>
+      </p:sp>
+    </p:spTree>
+    <p:extLst>
+      <p:ext uri="{BB962C8B-B14F-4D97-AF65-F5344CB8AC3E}">
+        <p14:creationId xmlns:p14="http://schemas.microsoft.com/office/powerpoint/2010/main" val="606161980"/>
+      </p:ext>
+    </p:extLst>
+  </p:cSld>
+  <p:clrMapOvr>
+    <a:masterClrMapping/>
+  </p:clrMapOvr>
+</p:sld>
+</file>
+
+<file path=ppt/slides/slide13.xml><?xml version="1.0" encoding="utf-8"?>
+<p:sld xmlns:a="http://schemas.openxmlformats.org/drawingml/2006/main" xmlns:r="http://schemas.openxmlformats.org/officeDocument/2006/relationships" xmlns:p="http://schemas.openxmlformats.org/presentationml/2006/main">
+  <p:cSld>
+    <p:spTree>
+      <p:nvGrpSpPr>
+        <p:cNvPr id="1" name=""/>
+        <p:cNvGrpSpPr/>
+        <p:nvPr/>
+      </p:nvGrpSpPr>
+      <p:grpSpPr>
+        <a:xfrm>
+          <a:off x="0" y="0"/>
+          <a:ext cx="0" cy="0"/>
+          <a:chOff x="0" y="0"/>
+          <a:chExt cx="0" cy="0"/>
+        </a:xfrm>
+      </p:grpSpPr>
+      <p:sp>
+        <p:nvSpPr>
+          <p:cNvPr id="2" name="Title 1">
+            <a:extLst>
+              <a:ext uri="{FF2B5EF4-FFF2-40B4-BE49-F238E27FC236}">
+                <a16:creationId xmlns:a16="http://schemas.microsoft.com/office/drawing/2014/main" id="{68D2141D-73A5-7042-81F0-32D5844014AE}"/>
+              </a:ext>
+            </a:extLst>
+          </p:cNvPr>
+          <p:cNvSpPr>
+            <a:spLocks noGrp="1"/>
+          </p:cNvSpPr>
+          <p:nvPr>
+            <p:ph type="title"/>
+          </p:nvPr>
+        </p:nvSpPr>
+        <p:spPr/>
+        <p:txBody>
+          <a:bodyPr>
+            <a:normAutofit/>
+          </a:bodyPr>
+          <a:lstStyle/>
+          <a:p>
+            <a:r>
+              <a:rPr lang="en-US" sz="3600" dirty="0"/>
+              <a:t>Best practices for Bayesian analysis in papers</a:t>
+            </a:r>
+          </a:p>
+        </p:txBody>
+      </p:sp>
+      <p:sp>
+        <p:nvSpPr>
+          <p:cNvPr id="3" name="Content Placeholder 2">
+            <a:extLst>
+              <a:ext uri="{FF2B5EF4-FFF2-40B4-BE49-F238E27FC236}">
+                <a16:creationId xmlns:a16="http://schemas.microsoft.com/office/drawing/2014/main" id="{FE2C232F-DEBD-334A-9845-936664110A8A}"/>
+              </a:ext>
+            </a:extLst>
+          </p:cNvPr>
+          <p:cNvSpPr>
+            <a:spLocks noGrp="1"/>
+          </p:cNvSpPr>
+          <p:nvPr>
+            <p:ph idx="1"/>
+          </p:nvPr>
+        </p:nvSpPr>
+        <p:spPr>
+          <a:xfrm>
+            <a:off x="838200" y="1499016"/>
+            <a:ext cx="10515600" cy="5156617"/>
+          </a:xfrm>
+        </p:spPr>
+        <p:txBody>
+          <a:bodyPr>
+            <a:normAutofit lnSpcReduction="10000"/>
+          </a:bodyPr>
+          <a:lstStyle/>
+          <a:p>
+            <a:r>
+              <a:rPr lang="en-US" dirty="0"/>
+              <a:t>Be explicit about…</a:t>
+            </a:r>
+          </a:p>
+          <a:p>
+            <a:pPr lvl="1"/>
+            <a:r>
+              <a:rPr lang="en-US" dirty="0"/>
+              <a:t>Your prior distributions</a:t>
+            </a:r>
+          </a:p>
+          <a:p>
+            <a:pPr lvl="1"/>
+            <a:r>
+              <a:rPr lang="en-US" dirty="0"/>
+              <a:t>Your likelihood functional form</a:t>
+            </a:r>
+          </a:p>
+          <a:p>
+            <a:pPr lvl="1"/>
+            <a:r>
+              <a:rPr lang="en-US" dirty="0"/>
+              <a:t>What your data are --- make them available to the reader!</a:t>
+            </a:r>
+          </a:p>
+          <a:p>
+            <a:pPr lvl="1"/>
+            <a:r>
+              <a:rPr lang="en-US" dirty="0"/>
+              <a:t>What your posteriors are </a:t>
+            </a:r>
+          </a:p>
+          <a:p>
+            <a:pPr lvl="2"/>
+            <a:r>
+              <a:rPr lang="en-US" dirty="0"/>
+              <a:t>Publish the distribution and/or the samples, don’t just report median +/- </a:t>
+            </a:r>
+            <a:r>
+              <a:rPr lang="en-US" dirty="0" err="1"/>
+              <a:t>stddev</a:t>
+            </a:r>
+            <a:endParaRPr lang="en-US" dirty="0"/>
+          </a:p>
+          <a:p>
+            <a:pPr lvl="2"/>
+            <a:r>
+              <a:rPr lang="en-US" dirty="0"/>
+              <a:t>Plot the 1-D marginalized distributions, show corner plots to check for correlations (provide full N-D posterior for the reader to look in other ways)</a:t>
+            </a:r>
+          </a:p>
+          <a:p>
+            <a:pPr lvl="1"/>
+            <a:r>
+              <a:rPr lang="en-US" dirty="0"/>
+              <a:t>What your summary statistics mean</a:t>
+            </a:r>
+          </a:p>
+          <a:p>
+            <a:pPr lvl="2"/>
+            <a:r>
+              <a:rPr lang="en-US" dirty="0"/>
+              <a:t>Median? Mean? Confidence Interval: highest mass or centered on median?</a:t>
+            </a:r>
+          </a:p>
+          <a:p>
+            <a:pPr lvl="1"/>
+            <a:r>
+              <a:rPr lang="en-US" dirty="0"/>
+              <a:t>How your posteriors compare to your priors</a:t>
+            </a:r>
+          </a:p>
+          <a:p>
+            <a:pPr lvl="1"/>
+            <a:r>
+              <a:rPr lang="en-US" dirty="0"/>
+              <a:t>If MCMC, some discussion of convergence</a:t>
+            </a:r>
+          </a:p>
+          <a:p>
+            <a:pPr lvl="1"/>
+            <a:r>
+              <a:rPr lang="en-US" dirty="0"/>
+              <a:t>What choices in algorithms used (</a:t>
+            </a:r>
+            <a:r>
+              <a:rPr lang="en-US" dirty="0" err="1"/>
+              <a:t>eg.</a:t>
+            </a:r>
+            <a:r>
+              <a:rPr lang="en-US" dirty="0"/>
+              <a:t> sampling algorithm, # of walkers)</a:t>
+            </a:r>
+          </a:p>
+          <a:p>
+            <a:pPr lvl="1"/>
+            <a:r>
+              <a:rPr lang="en-US" dirty="0"/>
+              <a:t>Code/software version you used (cite the code!)</a:t>
+            </a:r>
+          </a:p>
+          <a:p>
+            <a:pPr lvl="2"/>
+            <a:r>
+              <a:rPr lang="en-US" dirty="0"/>
+              <a:t>If using your own code, consider publishing it as well</a:t>
+            </a:r>
+          </a:p>
+          <a:p>
+            <a:pPr lvl="1"/>
+            <a:endParaRPr lang="en-US" dirty="0"/>
+          </a:p>
+          <a:p>
+            <a:pPr lvl="1"/>
+            <a:endParaRPr lang="en-US" dirty="0"/>
+          </a:p>
+        </p:txBody>
+      </p:sp>
+    </p:spTree>
+    <p:extLst>
+      <p:ext uri="{BB962C8B-B14F-4D97-AF65-F5344CB8AC3E}">
+        <p14:creationId xmlns:p14="http://schemas.microsoft.com/office/powerpoint/2010/main" val="1324713668"/>
+      </p:ext>
+    </p:extLst>
+  </p:cSld>
+  <p:clrMapOvr>
+    <a:masterClrMapping/>
+  </p:clrMapOvr>
+</p:sld>
+</file>
+
+<file path=ppt/slides/slide14.xml><?xml version="1.0" encoding="utf-8"?>
+<p:sld xmlns:a="http://schemas.openxmlformats.org/drawingml/2006/main" xmlns:r="http://schemas.openxmlformats.org/officeDocument/2006/relationships" xmlns:p="http://schemas.openxmlformats.org/presentationml/2006/main">
+  <p:cSld>
+    <p:spTree>
+      <p:nvGrpSpPr>
+        <p:cNvPr id="1" name=""/>
+        <p:cNvGrpSpPr/>
+        <p:nvPr/>
+      </p:nvGrpSpPr>
+      <p:grpSpPr>
+        <a:xfrm>
+          <a:off x="0" y="0"/>
+          <a:ext cx="0" cy="0"/>
+          <a:chOff x="0" y="0"/>
+          <a:chExt cx="0" cy="0"/>
+        </a:xfrm>
+      </p:grpSpPr>
       <p:pic>
         <p:nvPicPr>
           <p:cNvPr id="4" name="Picture 3">
@@ -4309,7 +4578,7 @@
 </p:sld>
 </file>
 
-<file path=ppt/slides/slide13.xml><?xml version="1.0" encoding="utf-8"?>
+<file path=ppt/slides/slide15.xml><?xml version="1.0" encoding="utf-8"?>
 <p:sld xmlns:a="http://schemas.openxmlformats.org/drawingml/2006/main" xmlns:r="http://schemas.openxmlformats.org/officeDocument/2006/relationships" xmlns:p="http://schemas.openxmlformats.org/presentationml/2006/main">
   <p:cSld>
     <p:spTree>
@@ -4513,7 +4782,7 @@
 </p:sld>
 </file>
 
-<file path=ppt/slides/slide14.xml><?xml version="1.0" encoding="utf-8"?>
+<file path=ppt/slides/slide16.xml><?xml version="1.0" encoding="utf-8"?>
 <p:sld xmlns:a="http://schemas.openxmlformats.org/drawingml/2006/main" xmlns:r="http://schemas.openxmlformats.org/officeDocument/2006/relationships" xmlns:p="http://schemas.openxmlformats.org/presentationml/2006/main">
   <p:cSld>
     <p:spTree>
@@ -4628,7 +4897,7 @@
 </p:sld>
 </file>
 
-<file path=ppt/slides/slide15.xml><?xml version="1.0" encoding="utf-8"?>
+<file path=ppt/slides/slide17.xml><?xml version="1.0" encoding="utf-8"?>
 <p:sld xmlns:a="http://schemas.openxmlformats.org/drawingml/2006/main" xmlns:r="http://schemas.openxmlformats.org/officeDocument/2006/relationships" xmlns:p="http://schemas.openxmlformats.org/presentationml/2006/main">
   <p:cSld>
     <p:spTree>
@@ -5073,7 +5342,7 @@
 </p:sld>
 </file>
 
-<file path=ppt/slides/slide16.xml><?xml version="1.0" encoding="utf-8"?>
+<file path=ppt/slides/slide18.xml><?xml version="1.0" encoding="utf-8"?>
 <p:sld xmlns:a="http://schemas.openxmlformats.org/drawingml/2006/main" xmlns:r="http://schemas.openxmlformats.org/officeDocument/2006/relationships" xmlns:p="http://schemas.openxmlformats.org/presentationml/2006/main">
   <p:cSld>
     <p:spTree>
@@ -5328,7 +5597,7 @@
 </p:sld>
 </file>
 
-<file path=ppt/slides/slide17.xml><?xml version="1.0" encoding="utf-8"?>
+<file path=ppt/slides/slide19.xml><?xml version="1.0" encoding="utf-8"?>
 <p:sld xmlns:a="http://schemas.openxmlformats.org/drawingml/2006/main" xmlns:r="http://schemas.openxmlformats.org/officeDocument/2006/relationships" xmlns:p="http://schemas.openxmlformats.org/presentationml/2006/main">
   <p:cSld>
     <p:spTree>
@@ -5443,7 +5712,93 @@
 </p:sld>
 </file>
 
-<file path=ppt/slides/slide18.xml><?xml version="1.0" encoding="utf-8"?>
+<file path=ppt/slides/slide2.xml><?xml version="1.0" encoding="utf-8"?>
+<p:sld xmlns:a="http://schemas.openxmlformats.org/drawingml/2006/main" xmlns:r="http://schemas.openxmlformats.org/officeDocument/2006/relationships" xmlns:p="http://schemas.openxmlformats.org/presentationml/2006/main">
+  <p:cSld>
+    <p:spTree>
+      <p:nvGrpSpPr>
+        <p:cNvPr id="1" name=""/>
+        <p:cNvGrpSpPr/>
+        <p:nvPr/>
+      </p:nvGrpSpPr>
+      <p:grpSpPr>
+        <a:xfrm>
+          <a:off x="0" y="0"/>
+          <a:ext cx="0" cy="0"/>
+          <a:chOff x="0" y="0"/>
+          <a:chExt cx="0" cy="0"/>
+        </a:xfrm>
+      </p:grpSpPr>
+      <p:sp>
+        <p:nvSpPr>
+          <p:cNvPr id="2" name="Title 1">
+            <a:extLst>
+              <a:ext uri="{FF2B5EF4-FFF2-40B4-BE49-F238E27FC236}">
+                <a16:creationId xmlns:a16="http://schemas.microsoft.com/office/drawing/2014/main" id="{DF8665D3-0A49-E64C-90AD-F8B2DE5DF5F4}"/>
+              </a:ext>
+            </a:extLst>
+          </p:cNvPr>
+          <p:cNvSpPr>
+            <a:spLocks noGrp="1"/>
+          </p:cNvSpPr>
+          <p:nvPr>
+            <p:ph type="title"/>
+          </p:nvPr>
+        </p:nvSpPr>
+        <p:spPr/>
+        <p:txBody>
+          <a:bodyPr/>
+          <a:lstStyle/>
+          <a:p>
+            <a:r>
+              <a:rPr lang="en-US" dirty="0"/>
+              <a:t>Review of Session 1</a:t>
+            </a:r>
+          </a:p>
+        </p:txBody>
+      </p:sp>
+      <p:sp>
+        <p:nvSpPr>
+          <p:cNvPr id="3" name="Content Placeholder 2">
+            <a:extLst>
+              <a:ext uri="{FF2B5EF4-FFF2-40B4-BE49-F238E27FC236}">
+                <a16:creationId xmlns:a16="http://schemas.microsoft.com/office/drawing/2014/main" id="{98374AEE-1BB8-2046-B743-202D555E4203}"/>
+              </a:ext>
+            </a:extLst>
+          </p:cNvPr>
+          <p:cNvSpPr>
+            <a:spLocks noGrp="1"/>
+          </p:cNvSpPr>
+          <p:nvPr>
+            <p:ph idx="1"/>
+          </p:nvPr>
+        </p:nvSpPr>
+        <p:spPr/>
+        <p:txBody>
+          <a:bodyPr/>
+          <a:lstStyle/>
+          <a:p>
+            <a:r>
+              <a:rPr lang="en-US" dirty="0"/>
+              <a:t>Go over optimal estimation solution</a:t>
+            </a:r>
+          </a:p>
+        </p:txBody>
+      </p:sp>
+    </p:spTree>
+    <p:extLst>
+      <p:ext uri="{BB962C8B-B14F-4D97-AF65-F5344CB8AC3E}">
+        <p14:creationId xmlns:p14="http://schemas.microsoft.com/office/powerpoint/2010/main" val="691879565"/>
+      </p:ext>
+    </p:extLst>
+  </p:cSld>
+  <p:clrMapOvr>
+    <a:masterClrMapping/>
+  </p:clrMapOvr>
+</p:sld>
+</file>
+
+<file path=ppt/slides/slide20.xml><?xml version="1.0" encoding="utf-8"?>
 <p:sld xmlns:a="http://schemas.openxmlformats.org/drawingml/2006/main" xmlns:r="http://schemas.openxmlformats.org/officeDocument/2006/relationships" xmlns:p="http://schemas.openxmlformats.org/presentationml/2006/main">
   <p:cSld>
     <p:spTree>
@@ -5560,92 +5915,6 @@
     <p:extLst>
       <p:ext uri="{BB962C8B-B14F-4D97-AF65-F5344CB8AC3E}">
         <p14:creationId xmlns:p14="http://schemas.microsoft.com/office/powerpoint/2010/main" val="1957601603"/>
-      </p:ext>
-    </p:extLst>
-  </p:cSld>
-  <p:clrMapOvr>
-    <a:masterClrMapping/>
-  </p:clrMapOvr>
-</p:sld>
-</file>
-
-<file path=ppt/slides/slide2.xml><?xml version="1.0" encoding="utf-8"?>
-<p:sld xmlns:a="http://schemas.openxmlformats.org/drawingml/2006/main" xmlns:r="http://schemas.openxmlformats.org/officeDocument/2006/relationships" xmlns:p="http://schemas.openxmlformats.org/presentationml/2006/main">
-  <p:cSld>
-    <p:spTree>
-      <p:nvGrpSpPr>
-        <p:cNvPr id="1" name=""/>
-        <p:cNvGrpSpPr/>
-        <p:nvPr/>
-      </p:nvGrpSpPr>
-      <p:grpSpPr>
-        <a:xfrm>
-          <a:off x="0" y="0"/>
-          <a:ext cx="0" cy="0"/>
-          <a:chOff x="0" y="0"/>
-          <a:chExt cx="0" cy="0"/>
-        </a:xfrm>
-      </p:grpSpPr>
-      <p:sp>
-        <p:nvSpPr>
-          <p:cNvPr id="2" name="Title 1">
-            <a:extLst>
-              <a:ext uri="{FF2B5EF4-FFF2-40B4-BE49-F238E27FC236}">
-                <a16:creationId xmlns:a16="http://schemas.microsoft.com/office/drawing/2014/main" id="{DF8665D3-0A49-E64C-90AD-F8B2DE5DF5F4}"/>
-              </a:ext>
-            </a:extLst>
-          </p:cNvPr>
-          <p:cNvSpPr>
-            <a:spLocks noGrp="1"/>
-          </p:cNvSpPr>
-          <p:nvPr>
-            <p:ph type="title"/>
-          </p:nvPr>
-        </p:nvSpPr>
-        <p:spPr/>
-        <p:txBody>
-          <a:bodyPr/>
-          <a:lstStyle/>
-          <a:p>
-            <a:r>
-              <a:rPr lang="en-US" dirty="0"/>
-              <a:t>Review of Session 1</a:t>
-            </a:r>
-          </a:p>
-        </p:txBody>
-      </p:sp>
-      <p:sp>
-        <p:nvSpPr>
-          <p:cNvPr id="3" name="Content Placeholder 2">
-            <a:extLst>
-              <a:ext uri="{FF2B5EF4-FFF2-40B4-BE49-F238E27FC236}">
-                <a16:creationId xmlns:a16="http://schemas.microsoft.com/office/drawing/2014/main" id="{98374AEE-1BB8-2046-B743-202D555E4203}"/>
-              </a:ext>
-            </a:extLst>
-          </p:cNvPr>
-          <p:cNvSpPr>
-            <a:spLocks noGrp="1"/>
-          </p:cNvSpPr>
-          <p:nvPr>
-            <p:ph idx="1"/>
-          </p:nvPr>
-        </p:nvSpPr>
-        <p:spPr/>
-        <p:txBody>
-          <a:bodyPr/>
-          <a:lstStyle/>
-          <a:p>
-            <a:r>
-              <a:rPr lang="en-US" dirty="0"/>
-              <a:t>Go over optimal estimation solution</a:t>
-            </a:r>
-          </a:p>
-        </p:txBody>
-      </p:sp>
-    </p:spTree>
-    <p:extLst>
-      <p:ext uri="{BB962C8B-B14F-4D97-AF65-F5344CB8AC3E}">
-        <p14:creationId xmlns:p14="http://schemas.microsoft.com/office/powerpoint/2010/main" val="691879565"/>
       </p:ext>
     </p:extLst>
   </p:cSld>
@@ -6682,89 +6951,15 @@
           <a:chExt cx="0" cy="0"/>
         </a:xfrm>
       </p:grpSpPr>
-      <p:sp>
-        <p:nvSpPr>
-          <p:cNvPr id="2" name="Title 1"/>
-          <p:cNvSpPr>
-            <a:spLocks noGrp="1"/>
-          </p:cNvSpPr>
-          <p:nvPr>
-            <p:ph type="title"/>
-          </p:nvPr>
-        </p:nvSpPr>
-        <p:spPr/>
-        <p:txBody>
-          <a:bodyPr/>
-          <a:lstStyle/>
-          <a:p>
-            <a:r>
-              <a:rPr lang="en-US" dirty="0"/>
-              <a:t>Multi-modal: Parallel Tempering (1)</a:t>
-            </a:r>
-          </a:p>
-        </p:txBody>
-      </p:sp>
-      <p:sp>
-        <p:nvSpPr>
-          <p:cNvPr id="3" name="Content Placeholder 2"/>
-          <p:cNvSpPr>
-            <a:spLocks noGrp="1"/>
-          </p:cNvSpPr>
-          <p:nvPr>
-            <p:ph idx="1"/>
-          </p:nvPr>
-        </p:nvSpPr>
-        <p:spPr/>
-        <p:txBody>
-          <a:bodyPr/>
-          <a:lstStyle/>
-          <a:p>
-            <a:r>
-              <a:rPr lang="en-US" dirty="0"/>
-              <a:t>Run multiple simultaneous versions of your ensemble at different “temperatures”</a:t>
-            </a:r>
-          </a:p>
-          <a:p>
-            <a:r>
-              <a:rPr lang="en-US" dirty="0"/>
-              <a:t>Takes your normal likelihood function and raises it to the power of 1/T, so that you are sampling from:</a:t>
-            </a:r>
-          </a:p>
-          <a:p>
-            <a:pPr marL="0" indent="0">
-              <a:buNone/>
-            </a:pPr>
-            <a:r>
-              <a:rPr lang="en-US" dirty="0"/>
-              <a:t> </a:t>
-            </a:r>
-          </a:p>
-          <a:p>
-            <a:r>
-              <a:rPr lang="en-US" dirty="0"/>
-              <a:t>Note that for T = 1, this is the same as before</a:t>
-            </a:r>
-          </a:p>
-          <a:p>
-            <a:r>
-              <a:rPr lang="en-US" dirty="0"/>
-              <a:t>Higher temperatures (T&gt;&gt;1) flattens out the likelihood function, allows sampling across all of prior space</a:t>
-            </a:r>
-          </a:p>
-          <a:p>
-            <a:r>
-              <a:rPr lang="en-US" dirty="0"/>
-              <a:t>Lower temperatures better at sampling peaks</a:t>
-            </a:r>
-          </a:p>
-          <a:p>
-            <a:endParaRPr lang="en-US" dirty="0"/>
-          </a:p>
-        </p:txBody>
-      </p:sp>
       <p:pic>
         <p:nvPicPr>
-          <p:cNvPr id="4" name="Picture 3"/>
+          <p:cNvPr id="4" name="Picture 3">
+            <a:extLst>
+              <a:ext uri="{FF2B5EF4-FFF2-40B4-BE49-F238E27FC236}">
+                <a16:creationId xmlns:a16="http://schemas.microsoft.com/office/drawing/2014/main" id="{4C2ED7E5-0844-DA41-AED7-0DDEEFDE14D5}"/>
+              </a:ext>
+            </a:extLst>
+          </p:cNvPr>
           <p:cNvPicPr>
             <a:picLocks noChangeAspect="1"/>
           </p:cNvPicPr>
@@ -6778,43 +6973,83 @@
         </p:blipFill>
         <p:spPr>
           <a:xfrm>
-            <a:off x="7099424" y="3162939"/>
-            <a:ext cx="3810000" cy="927100"/>
+            <a:off x="505190" y="2294223"/>
+            <a:ext cx="5575300" cy="2959100"/>
           </a:xfrm>
           <a:prstGeom prst="rect">
             <a:avLst/>
           </a:prstGeom>
         </p:spPr>
       </p:pic>
-      <p:sp>
-        <p:nvSpPr>
-          <p:cNvPr id="5" name="TextBox 4"/>
-          <p:cNvSpPr txBox="1"/>
+      <p:pic>
+        <p:nvPicPr>
+          <p:cNvPr id="5" name="Picture 4">
+            <a:extLst>
+              <a:ext uri="{FF2B5EF4-FFF2-40B4-BE49-F238E27FC236}">
+                <a16:creationId xmlns:a16="http://schemas.microsoft.com/office/drawing/2014/main" id="{61254301-00DB-9349-871E-A722CC72FF42}"/>
+              </a:ext>
+            </a:extLst>
+          </p:cNvPr>
+          <p:cNvPicPr>
+            <a:picLocks noChangeAspect="1"/>
+          </p:cNvPicPr>
           <p:nvPr/>
-        </p:nvSpPr>
+        </p:nvPicPr>
+        <p:blipFill>
+          <a:blip r:embed="rId3"/>
+          <a:stretch>
+            <a:fillRect/>
+          </a:stretch>
+        </p:blipFill>
         <p:spPr>
           <a:xfrm>
-            <a:off x="9004424" y="6369536"/>
-            <a:ext cx="3125412" cy="369332"/>
+            <a:off x="6080490" y="1779873"/>
+            <a:ext cx="5651500" cy="3987800"/>
           </a:xfrm>
           <a:prstGeom prst="rect">
             <a:avLst/>
           </a:prstGeom>
-          <a:noFill/>
         </p:spPr>
-        <p:txBody>
-          <a:bodyPr wrap="none" rtlCol="0">
-            <a:spAutoFit/>
-          </a:bodyPr>
-          <a:lstStyle/>
-          <a:p>
-            <a:r>
-              <a:rPr lang="en-US" dirty="0" err="1"/>
-              <a:t>Vousden</a:t>
-            </a:r>
+      </p:pic>
+      <p:sp>
+        <p:nvSpPr>
+          <p:cNvPr id="6" name="Title 5">
+            <a:extLst>
+              <a:ext uri="{FF2B5EF4-FFF2-40B4-BE49-F238E27FC236}">
+                <a16:creationId xmlns:a16="http://schemas.microsoft.com/office/drawing/2014/main" id="{505868BC-7B99-7645-9824-B6FC021EFA10}"/>
+              </a:ext>
+            </a:extLst>
+          </p:cNvPr>
+          <p:cNvSpPr>
+            <a:spLocks noGrp="1"/>
+          </p:cNvSpPr>
+          <p:nvPr>
+            <p:ph type="title"/>
+          </p:nvPr>
+        </p:nvSpPr>
+        <p:spPr/>
+        <p:txBody>
+          <a:bodyPr/>
+          <a:lstStyle/>
+          <a:p>
             <a:r>
               <a:rPr lang="en-US" dirty="0"/>
-              <a:t> et al. 2016, MNRAS</a:t>
+              <a:t>Affine-Invariant </a:t>
+            </a:r>
+            <a:br>
+              <a:rPr lang="en-US" dirty="0"/>
+            </a:br>
+            <a:r>
+              <a:rPr lang="en-US" sz="2400" dirty="0"/>
+              <a:t>Goodman &amp; </a:t>
+            </a:r>
+            <a:r>
+              <a:rPr lang="en-US" sz="2400" dirty="0" err="1"/>
+              <a:t>Weare</a:t>
+            </a:r>
+            <a:r>
+              <a:rPr lang="en-US" sz="2400" dirty="0"/>
+              <a:t> (2010)</a:t>
             </a:r>
           </a:p>
         </p:txBody>
@@ -6822,7 +7057,7 @@
     </p:spTree>
     <p:extLst>
       <p:ext uri="{BB962C8B-B14F-4D97-AF65-F5344CB8AC3E}">
-        <p14:creationId xmlns:p14="http://schemas.microsoft.com/office/powerpoint/2010/main" val="933585535"/>
+        <p14:creationId xmlns:p14="http://schemas.microsoft.com/office/powerpoint/2010/main" val="1191687092"/>
       </p:ext>
     </p:extLst>
   </p:cSld>
@@ -6851,7 +7086,13 @@
       </p:grpSpPr>
       <p:sp>
         <p:nvSpPr>
-          <p:cNvPr id="2" name="Title 1"/>
+          <p:cNvPr id="2" name="Title 1">
+            <a:extLst>
+              <a:ext uri="{FF2B5EF4-FFF2-40B4-BE49-F238E27FC236}">
+                <a16:creationId xmlns:a16="http://schemas.microsoft.com/office/drawing/2014/main" id="{DF5266B6-6AD1-EC4E-A89D-213AE31651B9}"/>
+              </a:ext>
+            </a:extLst>
+          </p:cNvPr>
           <p:cNvSpPr>
             <a:spLocks noGrp="1"/>
           </p:cNvSpPr>
@@ -6861,82 +7102,58 @@
         </p:nvSpPr>
         <p:spPr/>
         <p:txBody>
-          <a:bodyPr/>
+          <a:bodyPr>
+            <a:normAutofit/>
+          </a:bodyPr>
           <a:lstStyle/>
           <a:p>
             <a:r>
               <a:rPr lang="en-US" dirty="0"/>
-              <a:t>Parallel Tempering (2)</a:t>
-            </a:r>
-          </a:p>
-        </p:txBody>
-      </p:sp>
-      <p:sp>
-        <p:nvSpPr>
-          <p:cNvPr id="3" name="Content Placeholder 2"/>
-          <p:cNvSpPr>
-            <a:spLocks noGrp="1"/>
-          </p:cNvSpPr>
-          <p:nvPr>
-            <p:ph idx="1"/>
-          </p:nvPr>
-        </p:nvSpPr>
-        <p:spPr/>
-        <p:txBody>
-          <a:bodyPr>
-            <a:normAutofit fontScale="85000" lnSpcReduction="20000"/>
-          </a:bodyPr>
-          <a:lstStyle/>
-          <a:p>
-            <a:r>
+              <a:t>DE MCMC</a:t>
+            </a:r>
+            <a:br>
               <a:rPr lang="en-US" dirty="0"/>
-              <a:t>Takes your normal likelihood function and raises it to the power of 1/T, so that you are sampling from:</a:t>
-            </a:r>
-          </a:p>
-          <a:p>
-            <a:pPr marL="0" indent="0">
-              <a:buNone/>
-            </a:pPr>
-            <a:r>
-              <a:rPr lang="en-US" dirty="0"/>
-              <a:t>				</a:t>
-            </a:r>
-          </a:p>
-          <a:p>
-            <a:pPr marL="0" indent="0">
-              <a:buNone/>
-            </a:pPr>
-            <a:r>
-              <a:rPr lang="en-US" dirty="0"/>
-              <a:t> </a:t>
-            </a:r>
-          </a:p>
-          <a:p>
-            <a:r>
-              <a:rPr lang="en-US" dirty="0"/>
-              <a:t>At predetermined times, the ensembles at different temperatures proposes to swap positions of their walkers which are accepted with probability (to preserve detailed balance)</a:t>
-            </a:r>
-          </a:p>
-          <a:p>
-            <a:endParaRPr lang="en-US" dirty="0"/>
-          </a:p>
-          <a:p>
-            <a:endParaRPr lang="en-US" dirty="0"/>
-          </a:p>
-          <a:p>
-            <a:endParaRPr lang="en-US" dirty="0"/>
-          </a:p>
-          <a:p>
-            <a:r>
-              <a:rPr lang="en-US" dirty="0"/>
-              <a:t>Note: the lowest temperature chain (base chain) is usually the actual output, the other chains are just auxiliary chains to help sample the entire prior space through these swaps</a:t>
+            </a:br>
+            <a:r>
+              <a:rPr lang="en-US" sz="2700" dirty="0"/>
+              <a:t>(</a:t>
+            </a:r>
+            <a:r>
+              <a:rPr lang="en-US" sz="2700" dirty="0" err="1"/>
+              <a:t>Cajo</a:t>
+            </a:r>
+            <a:r>
+              <a:rPr lang="en-US" sz="2700" dirty="0"/>
+              <a:t> J. F. Ter </a:t>
+            </a:r>
+            <a:r>
+              <a:rPr lang="en-US" sz="2700" dirty="0" err="1"/>
+              <a:t>Braak</a:t>
+            </a:r>
+            <a:r>
+              <a:rPr lang="en-US" sz="2700" dirty="0"/>
+              <a:t>, Stat </a:t>
+            </a:r>
+            <a:r>
+              <a:rPr lang="en-US" sz="2700" dirty="0" err="1"/>
+              <a:t>Comput</a:t>
+            </a:r>
+            <a:r>
+              <a:rPr lang="en-US" sz="2700" dirty="0"/>
+              <a:t> (2006) 16:239-249)</a:t>
             </a:r>
           </a:p>
         </p:txBody>
       </p:sp>
       <p:pic>
         <p:nvPicPr>
-          <p:cNvPr id="4" name="Picture 3"/>
+          <p:cNvPr id="3" name="Picture 2">
+            <a:extLst>
+              <a:ext uri="{FF2B5EF4-FFF2-40B4-BE49-F238E27FC236}">
+                <a16:creationId xmlns:a16="http://schemas.microsoft.com/office/drawing/2014/main" id="{23E5F827-DDB6-7E4C-BBCE-481333F8BF40}"/>
+              </a:ext>
+            </a:extLst>
+          </p:cNvPr>
           <p:cNvPicPr>
             <a:picLocks noChangeAspect="1"/>
           </p:cNvPicPr>
@@ -6950,75 +7167,18 @@
         </p:blipFill>
         <p:spPr>
           <a:xfrm>
-            <a:off x="5194424" y="2143745"/>
-            <a:ext cx="3810000" cy="927100"/>
+            <a:off x="569938" y="1690688"/>
+            <a:ext cx="10942508" cy="4966812"/>
           </a:xfrm>
           <a:prstGeom prst="rect">
             <a:avLst/>
           </a:prstGeom>
         </p:spPr>
       </p:pic>
-      <p:pic>
-        <p:nvPicPr>
-          <p:cNvPr id="5" name="Picture 4"/>
-          <p:cNvPicPr>
-            <a:picLocks noChangeAspect="1"/>
-          </p:cNvPicPr>
-          <p:nvPr/>
-        </p:nvPicPr>
-        <p:blipFill>
-          <a:blip r:embed="rId3"/>
-          <a:stretch>
-            <a:fillRect/>
-          </a:stretch>
-        </p:blipFill>
-        <p:spPr>
-          <a:xfrm>
-            <a:off x="5194424" y="3829565"/>
-            <a:ext cx="4392956" cy="1395596"/>
-          </a:xfrm>
-          <a:prstGeom prst="rect">
-            <a:avLst/>
-          </a:prstGeom>
-        </p:spPr>
-      </p:pic>
-      <p:sp>
-        <p:nvSpPr>
-          <p:cNvPr id="6" name="TextBox 5"/>
-          <p:cNvSpPr txBox="1"/>
-          <p:nvPr/>
-        </p:nvSpPr>
-        <p:spPr>
-          <a:xfrm>
-            <a:off x="9004424" y="6369536"/>
-            <a:ext cx="3125412" cy="369332"/>
-          </a:xfrm>
-          <a:prstGeom prst="rect">
-            <a:avLst/>
-          </a:prstGeom>
-          <a:noFill/>
-        </p:spPr>
-        <p:txBody>
-          <a:bodyPr wrap="none" rtlCol="0">
-            <a:spAutoFit/>
-          </a:bodyPr>
-          <a:lstStyle/>
-          <a:p>
-            <a:r>
-              <a:rPr lang="en-US" dirty="0" err="1"/>
-              <a:t>Vousden</a:t>
-            </a:r>
-            <a:r>
-              <a:rPr lang="en-US" dirty="0"/>
-              <a:t> et al. 2016, MNRAS</a:t>
-            </a:r>
-          </a:p>
-        </p:txBody>
-      </p:sp>
     </p:spTree>
     <p:extLst>
       <p:ext uri="{BB962C8B-B14F-4D97-AF65-F5344CB8AC3E}">
-        <p14:creationId xmlns:p14="http://schemas.microsoft.com/office/powerpoint/2010/main" val="2526274701"/>
+        <p14:creationId xmlns:p14="http://schemas.microsoft.com/office/powerpoint/2010/main" val="3937067788"/>
       </p:ext>
     </p:extLst>
   </p:cSld>
@@ -7062,7 +7222,7 @@
           <a:p>
             <a:r>
               <a:rPr lang="en-US" dirty="0"/>
-              <a:t>Parallel Tempering (Notebook)</a:t>
+              <a:t>Multi-modal: Parallel Tempering (1)</a:t>
             </a:r>
           </a:p>
         </p:txBody>
@@ -7082,14 +7242,110 @@
           <a:bodyPr/>
           <a:lstStyle/>
           <a:p>
-            <a:endParaRPr lang="en-US"/>
+            <a:r>
+              <a:rPr lang="en-US" dirty="0"/>
+              <a:t>Run multiple simultaneous versions of your ensemble at different “temperatures”</a:t>
+            </a:r>
+          </a:p>
+          <a:p>
+            <a:r>
+              <a:rPr lang="en-US" dirty="0"/>
+              <a:t>Takes your normal likelihood function and raises it to the power of 1/T, so that you are sampling from:</a:t>
+            </a:r>
+          </a:p>
+          <a:p>
+            <a:pPr marL="0" indent="0">
+              <a:buNone/>
+            </a:pPr>
+            <a:r>
+              <a:rPr lang="en-US" dirty="0"/>
+              <a:t> </a:t>
+            </a:r>
+          </a:p>
+          <a:p>
+            <a:r>
+              <a:rPr lang="en-US" dirty="0"/>
+              <a:t>Note that for T = 1, this is the same as before</a:t>
+            </a:r>
+          </a:p>
+          <a:p>
+            <a:r>
+              <a:rPr lang="en-US" dirty="0"/>
+              <a:t>Higher temperatures (T&gt;&gt;1) flattens out the likelihood function, allows sampling across all of prior space</a:t>
+            </a:r>
+          </a:p>
+          <a:p>
+            <a:r>
+              <a:rPr lang="en-US" dirty="0"/>
+              <a:t>Lower temperatures better at sampling peaks</a:t>
+            </a:r>
+          </a:p>
+          <a:p>
+            <a:endParaRPr lang="en-US" dirty="0"/>
+          </a:p>
+        </p:txBody>
+      </p:sp>
+      <p:pic>
+        <p:nvPicPr>
+          <p:cNvPr id="4" name="Picture 3"/>
+          <p:cNvPicPr>
+            <a:picLocks noChangeAspect="1"/>
+          </p:cNvPicPr>
+          <p:nvPr/>
+        </p:nvPicPr>
+        <p:blipFill>
+          <a:blip r:embed="rId2"/>
+          <a:stretch>
+            <a:fillRect/>
+          </a:stretch>
+        </p:blipFill>
+        <p:spPr>
+          <a:xfrm>
+            <a:off x="7099424" y="3162939"/>
+            <a:ext cx="3810000" cy="927100"/>
+          </a:xfrm>
+          <a:prstGeom prst="rect">
+            <a:avLst/>
+          </a:prstGeom>
+        </p:spPr>
+      </p:pic>
+      <p:sp>
+        <p:nvSpPr>
+          <p:cNvPr id="5" name="TextBox 4"/>
+          <p:cNvSpPr txBox="1"/>
+          <p:nvPr/>
+        </p:nvSpPr>
+        <p:spPr>
+          <a:xfrm>
+            <a:off x="9004424" y="6369536"/>
+            <a:ext cx="3125412" cy="369332"/>
+          </a:xfrm>
+          <a:prstGeom prst="rect">
+            <a:avLst/>
+          </a:prstGeom>
+          <a:noFill/>
+        </p:spPr>
+        <p:txBody>
+          <a:bodyPr wrap="none" rtlCol="0">
+            <a:spAutoFit/>
+          </a:bodyPr>
+          <a:lstStyle/>
+          <a:p>
+            <a:r>
+              <a:rPr lang="en-US" dirty="0" err="1"/>
+              <a:t>Vousden</a:t>
+            </a:r>
+            <a:r>
+              <a:rPr lang="en-US" dirty="0"/>
+              <a:t> et al. 2016, MNRAS</a:t>
+            </a:r>
           </a:p>
         </p:txBody>
       </p:sp>
     </p:spTree>
     <p:extLst>
       <p:ext uri="{BB962C8B-B14F-4D97-AF65-F5344CB8AC3E}">
-        <p14:creationId xmlns:p14="http://schemas.microsoft.com/office/powerpoint/2010/main" val="4232928735"/>
+        <p14:creationId xmlns:p14="http://schemas.microsoft.com/office/powerpoint/2010/main" val="933585535"/>
       </p:ext>
     </p:extLst>
   </p:cSld>
